--- a/general/cut-the-crap-general.pptx
+++ b/general/cut-the-crap-general.pptx
@@ -6,8 +6,8 @@
   </p:sldMasterIdLst>
   <p:sldIdLst>
     <p:sldId id="256" r:id="rId7"/>
-    <p:sldId id="257" r:id="rId8"/>
-    <p:sldId id="258" r:id="rId9"/>
+    <p:sldId id="257" r:id="rId9"/>
+    <p:sldId id="258" r:id="rId10"/>
     <p:sldId id="259" r:id="rId11"/>
     <p:sldId id="260" r:id="rId12"/>
     <p:sldId id="261" r:id="rId13"/>
@@ -30,9 +30,6 @@
     <p:sldId id="278" r:id="rId30"/>
     <p:sldId id="279" r:id="rId31"/>
     <p:sldId id="280" r:id="rId32"/>
-    <p:sldId id="281" r:id="rId33"/>
-    <p:sldId id="282" r:id="rId34"/>
-    <p:sldId id="283" r:id="rId35"/>
   </p:sldIdLst>
   <p:sldSz cx="12191695" cy="6858000" type="screen4x3"/>
   <p:notesSz cx="6858000" cy="9144000"/>
@@ -529,7 +526,7 @@
           <a:lstStyle/>
           <a:p>
             <a:r>
-              <a:t>Emphasize that the market has matured. Three major players plus strong open-source alternatives. Encourage trying all three free tiers.</a:t>
+              <a:t>Welcome slide. Introduce yourself and the format: ~4 hours, hands-on, lots of demos.</a:t>
             </a:r>
           </a:p>
         </p:txBody>
@@ -599,7 +596,7 @@
           <a:lstStyle/>
           <a:p>
             <a:r>
-              <a:t>Quick demos of each. Focus on practical uses. Image gen for presentations, voice for hands-free, vision for document analysis.</a:t>
+              <a:t>Walk through creating an API key live. Google's free tier is very generous for Gemini.</a:t>
             </a:r>
           </a:p>
         </p:txBody>
@@ -669,7 +666,7 @@
           <a:lstStyle/>
           <a:p>
             <a:r>
-              <a:t>Give real examples of hallucinations. The lawyer who cited fake cases is a classic. Show how asking 'are you sure?' sometimes gets a correction.</a:t>
+              <a:t>Transition to Part 3. Time for demos!</a:t>
             </a:r>
           </a:p>
         </p:txBody>
@@ -739,7 +736,7 @@
           <a:lstStyle/>
           <a:p>
             <a:r>
-              <a:t>Important slide. Reassure that API and paid tiers are generally safe, but always check. OpenClaw is a pass-through — no data stored on OpenClaw servers.</a:t>
+              <a:t>Do quick live demos of each. Image gen and vision are the crowd favorites.</a:t>
             </a:r>
           </a:p>
         </p:txBody>
@@ -809,7 +806,7 @@
           <a:lstStyle/>
           <a:p>
             <a:r>
-              <a:t>Give them 10-15 minutes. Walk around and help with signups. Have backup prompts ready for people who finish fast.</a:t>
+              <a:t>Transition to Part 4. Important reality check.</a:t>
             </a:r>
           </a:p>
         </p:txBody>
@@ -879,7 +876,7 @@
           <a:lstStyle/>
           <a:p>
             <a:r>
-              <a:t>15 minutes. The point is to build intuition for which AI suits which task. Most people discover they prefer different AIs for different things.</a:t>
+              <a:t>Give examples of hallucinations. The 'confident but wrong' aspect is what makes it dangerous.</a:t>
             </a:r>
           </a:p>
         </p:txBody>
@@ -949,7 +946,7 @@
           <a:lstStyle/>
           <a:p>
             <a:r>
-              <a:t>10-15 minutes. Encourage people to use their own documents. Have sample PDFs ready for those who don't have anything handy.</a:t>
+              <a:t>CRITICAL: Do NOT say paid tiers are safe. All consumer plans (Free, Plus, Pro, Max) train by default. You must opt out. Even with opt-out, providers keep safety logs (~30 days).</a:t>
             </a:r>
           </a:p>
         </p:txBody>
@@ -1019,7 +1016,7 @@
           <a:lstStyle/>
           <a:p>
             <a:r>
-              <a:t>Quick demo: show a .md file in a text editor, then rendered. Mention that GitHub, Reddit, Discord all use Markdown.</a:t>
+              <a:t>Even with training opt-out, data may be retained for safety monitoring. Treat AI like a public conversation.</a:t>
             </a:r>
           </a:p>
         </p:txBody>
@@ -1089,7 +1086,7 @@
           <a:lstStyle/>
           <a:p>
             <a:r>
-              <a:t>Reassure: you only need these 6-8 commands. Everything else you can ask AI to help with. Demo each one live in WSL.</a:t>
+              <a:t>Transition to hands-on. Make sure everyone has accounts.</a:t>
             </a:r>
           </a:p>
         </p:txBody>
@@ -1159,7 +1156,7 @@
           <a:lstStyle/>
           <a:p>
             <a:r>
-              <a:t>LIVE DEMO on phone. Show: sending a message, switching from Sonnet to GPT-5.2, showing cost difference. Show OAuth vs API key in settings.</a:t>
+              <a:t>Circulate and help. Encourage people to compare all three. The image upload exercise is always a hit.</a:t>
             </a:r>
           </a:p>
         </p:txBody>
@@ -1229,7 +1226,7 @@
           <a:lstStyle/>
           <a:p>
             <a:r>
-              <a:t>Walk through Windows setup live if possible. macOS is simpler. The openclaw setup wizard handles provider configuration interactively.</a:t>
+              <a:t>Transition to Part 6.</a:t>
             </a:r>
           </a:p>
         </p:txBody>
@@ -1299,7 +1296,7 @@
           <a:lstStyle/>
           <a:p>
             <a:r>
-              <a:t>DEMO: Use a rich prompt like 'Explain quantum computing to a 10-year-old in exactly 100 words.' Show all three side by side.</a:t>
+              <a:t>Transition to Part 1. Goal: show there are 3 major AIs worth knowing.</a:t>
             </a:r>
           </a:p>
         </p:txBody>
@@ -1369,7 +1366,7 @@
           <a:lstStyle/>
           <a:p>
             <a:r>
-              <a:t>Hand out the printed cheat sheet. Point out the QR code for the digital version. Remind them about the prompting tips section.</a:t>
+              <a:t>Show a .md file in a text editor. Point out the simple syntax.</a:t>
             </a:r>
           </a:p>
         </p:txBody>
@@ -1439,7 +1436,287 @@
           <a:lstStyle/>
           <a:p>
             <a:r>
-              <a:t>Open Q&amp;A. Remind them about resources: Simon Willison's blog, The Verge AI, and the cheat sheet. Encourage 10 minutes of AI use per day.</a:t>
+              <a:t>Don't need to memorize — just know these exist. Tab completion is your friend.</a:t>
+            </a:r>
+          </a:p>
+        </p:txBody>
+      </p:sp>
+      <p:sp>
+        <p:nvSpPr>
+          <p:cNvPr id="4" name="Slide Number Placeholder 3"/>
+          <p:cNvSpPr>
+            <a:spLocks noGrp="1"/>
+          </p:cNvSpPr>
+          <p:nvPr>
+            <p:ph type="sldNum" idx="5" sz="quarter"/>
+          </p:nvPr>
+        </p:nvSpPr>
+        <p:spPr/>
+      </p:sp>
+    </p:spTree>
+  </p:cSld>
+  <p:clrMapOvr>
+    <a:masterClrMapping/>
+  </p:clrMapOvr>
+</p:notes>
+</file>
+
+<file path=ppt/notesSlides/notesSlide22.xml><?xml version="1.0" encoding="utf-8"?>
+<p:notes xmlns:a="http://schemas.openxmlformats.org/drawingml/2006/main" xmlns:p="http://schemas.openxmlformats.org/presentationml/2006/main" xmlns:r="http://schemas.openxmlformats.org/officeDocument/2006/relationships">
+  <p:cSld>
+    <p:spTree>
+      <p:nvGrpSpPr>
+        <p:cNvPr id="1" name=""/>
+        <p:cNvGrpSpPr/>
+        <p:nvPr/>
+      </p:nvGrpSpPr>
+      <p:grpSpPr>
+        <a:xfrm>
+          <a:off x="0" y="0"/>
+          <a:ext cx="0" cy="0"/>
+          <a:chOff x="0" y="0"/>
+          <a:chExt cx="0" cy="0"/>
+        </a:xfrm>
+      </p:grpSpPr>
+      <p:sp>
+        <p:nvSpPr>
+          <p:cNvPr id="2" name="Slide Image Placeholder 1"/>
+          <p:cNvSpPr>
+            <a:spLocks noGrp="1"/>
+          </p:cNvSpPr>
+          <p:nvPr>
+            <p:ph type="sldImg" idx="2"/>
+          </p:nvPr>
+        </p:nvSpPr>
+        <p:spPr/>
+      </p:sp>
+      <p:sp>
+        <p:nvSpPr>
+          <p:cNvPr id="3" name="Notes Placeholder 2"/>
+          <p:cNvSpPr>
+            <a:spLocks noGrp="1"/>
+          </p:cNvSpPr>
+          <p:nvPr>
+            <p:ph type="body" idx="3" sz="quarter"/>
+          </p:nvPr>
+        </p:nvSpPr>
+        <p:spPr/>
+        <p:txBody>
+          <a:bodyPr/>
+          <a:lstStyle/>
+          <a:p>
+            <a:r>
+              <a:t>Live demo on phone. Show switching models, cost display, multi-platform.</a:t>
+            </a:r>
+          </a:p>
+        </p:txBody>
+      </p:sp>
+      <p:sp>
+        <p:nvSpPr>
+          <p:cNvPr id="4" name="Slide Number Placeholder 3"/>
+          <p:cNvSpPr>
+            <a:spLocks noGrp="1"/>
+          </p:cNvSpPr>
+          <p:nvPr>
+            <p:ph type="sldNum" idx="5" sz="quarter"/>
+          </p:nvPr>
+        </p:nvSpPr>
+        <p:spPr/>
+      </p:sp>
+    </p:spTree>
+  </p:cSld>
+  <p:clrMapOvr>
+    <a:masterClrMapping/>
+  </p:clrMapOvr>
+</p:notes>
+</file>
+
+<file path=ppt/notesSlides/notesSlide23.xml><?xml version="1.0" encoding="utf-8"?>
+<p:notes xmlns:a="http://schemas.openxmlformats.org/drawingml/2006/main" xmlns:p="http://schemas.openxmlformats.org/presentationml/2006/main" xmlns:r="http://schemas.openxmlformats.org/officeDocument/2006/relationships">
+  <p:cSld>
+    <p:spTree>
+      <p:nvGrpSpPr>
+        <p:cNvPr id="1" name=""/>
+        <p:cNvGrpSpPr/>
+        <p:nvPr/>
+      </p:nvGrpSpPr>
+      <p:grpSpPr>
+        <a:xfrm>
+          <a:off x="0" y="0"/>
+          <a:ext cx="0" cy="0"/>
+          <a:chOff x="0" y="0"/>
+          <a:chExt cx="0" cy="0"/>
+        </a:xfrm>
+      </p:grpSpPr>
+      <p:sp>
+        <p:nvSpPr>
+          <p:cNvPr id="2" name="Slide Image Placeholder 1"/>
+          <p:cNvSpPr>
+            <a:spLocks noGrp="1"/>
+          </p:cNvSpPr>
+          <p:nvPr>
+            <p:ph type="sldImg" idx="2"/>
+          </p:nvPr>
+        </p:nvSpPr>
+        <p:spPr/>
+      </p:sp>
+      <p:sp>
+        <p:nvSpPr>
+          <p:cNvPr id="3" name="Notes Placeholder 2"/>
+          <p:cNvSpPr>
+            <a:spLocks noGrp="1"/>
+          </p:cNvSpPr>
+          <p:nvPr>
+            <p:ph type="body" idx="3" sz="quarter"/>
+          </p:nvPr>
+        </p:nvSpPr>
+        <p:spPr/>
+        <p:txBody>
+          <a:bodyPr/>
+          <a:lstStyle/>
+          <a:p>
+            <a:r>
+              <a:t>Walk through the install live. WSL install requires a restart. Have people start this early.</a:t>
+            </a:r>
+          </a:p>
+        </p:txBody>
+      </p:sp>
+      <p:sp>
+        <p:nvSpPr>
+          <p:cNvPr id="4" name="Slide Number Placeholder 3"/>
+          <p:cNvSpPr>
+            <a:spLocks noGrp="1"/>
+          </p:cNvSpPr>
+          <p:nvPr>
+            <p:ph type="sldNum" idx="5" sz="quarter"/>
+          </p:nvPr>
+        </p:nvSpPr>
+        <p:spPr/>
+      </p:sp>
+    </p:spTree>
+  </p:cSld>
+  <p:clrMapOvr>
+    <a:masterClrMapping/>
+  </p:clrMapOvr>
+</p:notes>
+</file>
+
+<file path=ppt/notesSlides/notesSlide24.xml><?xml version="1.0" encoding="utf-8"?>
+<p:notes xmlns:a="http://schemas.openxmlformats.org/drawingml/2006/main" xmlns:p="http://schemas.openxmlformats.org/presentationml/2006/main" xmlns:r="http://schemas.openxmlformats.org/officeDocument/2006/relationships">
+  <p:cSld>
+    <p:spTree>
+      <p:nvGrpSpPr>
+        <p:cNvPr id="1" name=""/>
+        <p:cNvGrpSpPr/>
+        <p:nvPr/>
+      </p:nvGrpSpPr>
+      <p:grpSpPr>
+        <a:xfrm>
+          <a:off x="0" y="0"/>
+          <a:ext cx="0" cy="0"/>
+          <a:chOff x="0" y="0"/>
+          <a:chExt cx="0" cy="0"/>
+        </a:xfrm>
+      </p:grpSpPr>
+      <p:sp>
+        <p:nvSpPr>
+          <p:cNvPr id="2" name="Slide Image Placeholder 1"/>
+          <p:cNvSpPr>
+            <a:spLocks noGrp="1"/>
+          </p:cNvSpPr>
+          <p:nvPr>
+            <p:ph type="sldImg" idx="2"/>
+          </p:nvPr>
+        </p:nvSpPr>
+        <p:spPr/>
+      </p:sp>
+      <p:sp>
+        <p:nvSpPr>
+          <p:cNvPr id="3" name="Notes Placeholder 2"/>
+          <p:cNvSpPr>
+            <a:spLocks noGrp="1"/>
+          </p:cNvSpPr>
+          <p:nvPr>
+            <p:ph type="body" idx="3" sz="quarter"/>
+          </p:nvPr>
+        </p:nvSpPr>
+        <p:spPr/>
+        <p:txBody>
+          <a:bodyPr/>
+          <a:lstStyle/>
+          <a:p>
+            <a:r>
+              <a:t>Encourage daily use. Even 10 minutes a day builds fluency fast.</a:t>
+            </a:r>
+          </a:p>
+        </p:txBody>
+      </p:sp>
+      <p:sp>
+        <p:nvSpPr>
+          <p:cNvPr id="4" name="Slide Number Placeholder 3"/>
+          <p:cNvSpPr>
+            <a:spLocks noGrp="1"/>
+          </p:cNvSpPr>
+          <p:nvPr>
+            <p:ph type="sldNum" idx="5" sz="quarter"/>
+          </p:nvPr>
+        </p:nvSpPr>
+        <p:spPr/>
+      </p:sp>
+    </p:spTree>
+  </p:cSld>
+  <p:clrMapOvr>
+    <a:masterClrMapping/>
+  </p:clrMapOvr>
+</p:notes>
+</file>
+
+<file path=ppt/notesSlides/notesSlide25.xml><?xml version="1.0" encoding="utf-8"?>
+<p:notes xmlns:a="http://schemas.openxmlformats.org/drawingml/2006/main" xmlns:p="http://schemas.openxmlformats.org/presentationml/2006/main" xmlns:r="http://schemas.openxmlformats.org/officeDocument/2006/relationships">
+  <p:cSld>
+    <p:spTree>
+      <p:nvGrpSpPr>
+        <p:cNvPr id="1" name=""/>
+        <p:cNvGrpSpPr/>
+        <p:nvPr/>
+      </p:nvGrpSpPr>
+      <p:grpSpPr>
+        <a:xfrm>
+          <a:off x="0" y="0"/>
+          <a:ext cx="0" cy="0"/>
+          <a:chOff x="0" y="0"/>
+          <a:chExt cx="0" cy="0"/>
+        </a:xfrm>
+      </p:grpSpPr>
+      <p:sp>
+        <p:nvSpPr>
+          <p:cNvPr id="2" name="Slide Image Placeholder 1"/>
+          <p:cNvSpPr>
+            <a:spLocks noGrp="1"/>
+          </p:cNvSpPr>
+          <p:nvPr>
+            <p:ph type="sldImg" idx="2"/>
+          </p:nvPr>
+        </p:nvSpPr>
+        <p:spPr/>
+      </p:sp>
+      <p:sp>
+        <p:nvSpPr>
+          <p:cNvPr id="3" name="Notes Placeholder 2"/>
+          <p:cNvSpPr>
+            <a:spLocks noGrp="1"/>
+          </p:cNvSpPr>
+          <p:nvPr>
+            <p:ph type="body" idx="3" sz="quarter"/>
+          </p:nvPr>
+        </p:nvSpPr>
+        <p:spPr/>
+        <p:txBody>
+          <a:bodyPr/>
+          <a:lstStyle/>
+          <a:p>
+            <a:r>
+              <a:t>Hand out cheat sheets. Offer to help with setup. Remind them: 10 min/day.</a:t>
             </a:r>
           </a:p>
         </p:txBody>
@@ -1509,7 +1786,7 @@
           <a:lstStyle/>
           <a:p>
             <a:r>
-              <a:t>Key distinction. People confuse ChatGPT (the app) with GPT-5.2 (the model). OpenClaw accesses models directly via API.</a:t>
+              <a:t>Key point: each AI has strengths. No single winner. Encourage signing up for all three free tiers.</a:t>
             </a:r>
           </a:p>
         </p:txBody>
@@ -1579,7 +1856,7 @@
           <a:lstStyle/>
           <a:p>
             <a:r>
-              <a:t>Sonnet 4.6 is the sweet spot — near-Opus quality at fraction of cost. Start mid-tier, go up only for complex tasks.</a:t>
+              <a:t>This is a key concept. Models are interchangeable. Apps are just wrappers.</a:t>
             </a:r>
           </a:p>
         </p:txBody>
@@ -1649,7 +1926,7 @@
           <a:lstStyle/>
           <a:p>
             <a:r>
-              <a:t>ChatGPT Free now has ads! Best value: use free tiers to learn, pick ONE $20 sub, then graduate to OpenClaw + API.</a:t>
+              <a:t>Transition to Part 2.</a:t>
             </a:r>
           </a:p>
         </p:txBody>
@@ -1719,7 +1996,7 @@
           <a:lstStyle/>
           <a:p>
             <a:r>
-              <a:t>Walk through creating an Anthropic API key live. Show the console, key creation, adding $10 credits. Mention that Google's free API tier is very generous.</a:t>
+              <a:t>Rule of thumb: start mid-tier. Sonnet 4.6 is the sweet spot for most tasks.</a:t>
             </a:r>
           </a:p>
         </p:txBody>
@@ -1789,7 +2066,7 @@
           <a:lstStyle/>
           <a:p>
             <a:r>
-              <a:t>Most people spend $5-15/month on API. Way cheaper than subscriptions for moderate use.</a:t>
+              <a:t>ChatGPT free tier now shows ads. Best value: use free tiers, pick ONE $20 sub, then graduate to OpenClaw + API.</a:t>
             </a:r>
           </a:p>
         </p:txBody>
@@ -1859,7 +2136,7 @@
           <a:lstStyle/>
           <a:p>
             <a:r>
-              <a:t>This is the key distinction. OAuth is convenient for subscription users; API key gives cost transparency and works everywhere.</a:t>
+              <a:t>API keys are the ONLY way to use AI in your own programs. OAuth only works with official apps like OpenClaw and Claude Code.</a:t>
             </a:r>
           </a:p>
         </p:txBody>
@@ -1929,7 +2206,7 @@
           <a:lstStyle/>
           <a:p>
             <a:r>
-              <a:t>Credential locations: OpenClaw → ~/.openclaw/credentials/oauth.json, Claude Code → ~/.claude/.credentials.json. Claude Code primarily uses OAuth but can also use API key.</a:t>
+              <a:t>OpenClaw accepts BOTH methods. OAuth is zero extra cost if you have a subscription. API key gives you exact cost tracking and works everywhere.</a:t>
             </a:r>
           </a:p>
         </p:txBody>
@@ -4952,7 +5229,7 @@
         <p:spPr>
           <a:xfrm>
             <a:off x="914400" y="2011680"/>
-            <a:ext cx="10362895" cy="1371600"/>
+            <a:ext cx="10362895" cy="1828800"/>
           </a:xfrm>
           <a:prstGeom prst="rect">
             <a:avLst/>
@@ -4965,29 +5242,31 @@
           </a:bodyPr>
           <a:lstStyle/>
           <a:p>
-            <a:pPr algn="ctr">
-              <a:defRPr sz="4400" b="1">
+            <a:pPr algn="ctr"/>
+            <a:r>
+              <a:rPr sz="4400" b="1">
                 <a:solidFill>
                   <a:srgbClr val="FFFFFF"/>
                 </a:solidFill>
                 <a:latin typeface="Calibri"/>
-              </a:defRPr>
-            </a:pPr>
-            <a:r>
+              </a:rPr>
               <a:t>Cut the Crap</a:t>
             </a:r>
           </a:p>
           <a:p>
-            <a:pPr algn="ctr">
-              <a:defRPr sz="2200">
+            <a:pPr algn="ctr"/>
+            <a:r>
+              <a:rPr sz="2400">
                 <a:solidFill>
                   <a:srgbClr val="0096D6"/>
                 </a:solidFill>
                 <a:latin typeface="Calibri"/>
-              </a:defRPr>
-            </a:pPr>
-            <a:r>
-              <a:t>Everything You Need to Know About AI  •  February 2026</a:t>
+              </a:rPr>
+              <a:t>Everything You Need to Know About AI</a:t>
+            </a:r>
+            <a:br/>
+            <a:r>
+              <a:t>February 2026</a:t>
             </a:r>
           </a:p>
         </p:txBody>
@@ -5019,13 +5298,13 @@
         <p:spPr>
           <a:xfrm>
             <a:off x="0" y="0"/>
-            <a:ext cx="12191695" cy="1097280"/>
+            <a:ext cx="12191695" cy="73152"/>
           </a:xfrm>
           <a:prstGeom prst="rect">
             <a:avLst/>
           </a:prstGeom>
           <a:solidFill>
-            <a:srgbClr val="1B2A4A"/>
+            <a:srgbClr val="0096D6"/>
           </a:solidFill>
           <a:ln>
             <a:noFill/>
@@ -5046,34 +5325,58 @@
           </a:fontRef>
         </p:style>
         <p:txBody>
-          <a:bodyPr rtlCol="0" anchor="ctr" tIns="203200" lIns="508000"/>
-          <a:lstStyle/>
-          <a:p>
-            <a:pPr algn="ctr">
-              <a:defRPr sz="3200" b="1">
-                <a:solidFill>
-                  <a:srgbClr val="FFFFFF"/>
+          <a:bodyPr rtlCol="0" anchor="ctr"/>
+          <a:lstStyle/>
+          <a:p>
+            <a:pPr algn="ctr"/>
+          </a:p>
+        </p:txBody>
+      </p:sp>
+      <p:sp>
+        <p:nvSpPr>
+          <p:cNvPr id="3" name="TextBox 2"/>
+          <p:cNvSpPr txBox="1"/>
+          <p:nvPr/>
+        </p:nvSpPr>
+        <p:spPr>
+          <a:xfrm>
+            <a:off x="548640" y="274320"/>
+            <a:ext cx="10972800" cy="731520"/>
+          </a:xfrm>
+          <a:prstGeom prst="rect">
+            <a:avLst/>
+          </a:prstGeom>
+          <a:noFill/>
+        </p:spPr>
+        <p:txBody>
+          <a:bodyPr wrap="none">
+            <a:spAutoFit/>
+          </a:bodyPr>
+          <a:lstStyle/>
+          <a:p>
+            <a:r>
+              <a:rPr sz="3200" b="1">
+                <a:solidFill>
+                  <a:srgbClr val="1B2A4A"/>
                 </a:solidFill>
                 <a:latin typeface="Calibri"/>
-              </a:defRPr>
-            </a:pPr>
-            <a:r>
-              <a:t>API Pricing (Pay-as-You-Go)</a:t>
+              </a:rPr>
+              <a:t>API Key Setup (One-Time, ~5 min each)</a:t>
             </a:r>
           </a:p>
         </p:txBody>
       </p:sp>
       <p:graphicFrame>
         <p:nvGraphicFramePr>
-          <p:cNvPr id="3" name="Table 2"/>
+          <p:cNvPr id="4" name="Table 3"/>
           <p:cNvGraphicFramePr>
             <a:graphicFrameLocks noGrp="1"/>
           </p:cNvGraphicFramePr>
           <p:nvPr/>
         </p:nvGraphicFramePr>
         <p:xfrm>
-          <a:off x="548640" y="1463040"/>
-          <a:ext cx="11064240" cy="2743200"/>
+          <a:off x="822960" y="1280160"/>
+          <a:ext cx="10515600" cy="2011680"/>
         </p:xfrm>
         <a:graphic>
           <a:graphicData uri="http://schemas.openxmlformats.org/drawingml/2006/table">
@@ -5082,33 +5385,30 @@
                 <a:tableStyleId>{5C22544A-7EE6-4342-B048-85BDC9FD1C3A}</a:tableStyleId>
               </a:tblPr>
               <a:tblGrid>
-                <a:gridCol w="2743200"/>
-                <a:gridCol w="2743200"/>
-                <a:gridCol w="2743200"/>
-                <a:gridCol w="2834640"/>
+                <a:gridCol w="3505200"/>
+                <a:gridCol w="3505200"/>
+                <a:gridCol w="3505200"/>
               </a:tblGrid>
-              <a:tr h="457200">
+              <a:tr h="502920">
                 <a:tc>
                   <a:txBody>
                     <a:bodyPr/>
                     <a:lstStyle/>
                     <a:p>
-                      <a:pPr>
-                        <a:defRPr sz="1800" b="1">
+                      <a:r>
+                        <a:rPr sz="1800" b="1">
                           <a:solidFill>
                             <a:srgbClr val="FFFFFF"/>
                           </a:solidFill>
                           <a:latin typeface="Calibri"/>
-                        </a:defRPr>
-                      </a:pPr>
-                      <a:r>
-                        <a:t>Model</a:t>
+                        </a:rPr>
+                        <a:t>Provider</a:t>
                       </a:r>
                     </a:p>
                   </a:txBody>
                   <a:tcPr>
                     <a:solidFill>
-                      <a:srgbClr val="0096D6"/>
+                      <a:srgbClr val="1B2A4A"/>
                     </a:solidFill>
                   </a:tcPr>
                 </a:tc>
@@ -5117,22 +5417,20 @@
                     <a:bodyPr/>
                     <a:lstStyle/>
                     <a:p>
-                      <a:pPr>
-                        <a:defRPr sz="1800" b="1">
+                      <a:r>
+                        <a:rPr sz="1800" b="1">
                           <a:solidFill>
                             <a:srgbClr val="FFFFFF"/>
                           </a:solidFill>
                           <a:latin typeface="Calibri"/>
-                        </a:defRPr>
-                      </a:pPr>
-                      <a:r>
-                        <a:t>Input / 1M tokens</a:t>
+                        </a:rPr>
+                        <a:t>URL</a:t>
                       </a:r>
                     </a:p>
                   </a:txBody>
                   <a:tcPr>
                     <a:solidFill>
-                      <a:srgbClr val="0096D6"/>
+                      <a:srgbClr val="1B2A4A"/>
                     </a:solidFill>
                   </a:tcPr>
                 </a:tc>
@@ -5141,66 +5439,38 @@
                     <a:bodyPr/>
                     <a:lstStyle/>
                     <a:p>
-                      <a:pPr>
-                        <a:defRPr sz="1800" b="1">
+                      <a:r>
+                        <a:rPr sz="1800" b="1">
                           <a:solidFill>
                             <a:srgbClr val="FFFFFF"/>
                           </a:solidFill>
                           <a:latin typeface="Calibri"/>
-                        </a:defRPr>
-                      </a:pPr>
-                      <a:r>
-                        <a:t>Output / 1M tokens</a:t>
+                        </a:rPr>
+                        <a:t>Steps</a:t>
                       </a:r>
                     </a:p>
                   </a:txBody>
                   <a:tcPr>
                     <a:solidFill>
-                      <a:srgbClr val="0096D6"/>
+                      <a:srgbClr val="1B2A4A"/>
                     </a:solidFill>
                   </a:tcPr>
                 </a:tc>
+              </a:tr>
+              <a:tr h="502920">
                 <a:tc>
                   <a:txBody>
                     <a:bodyPr/>
                     <a:lstStyle/>
                     <a:p>
-                      <a:pPr>
-                        <a:defRPr sz="1800" b="1">
+                      <a:r>
+                        <a:rPr sz="1800" b="0">
                           <a:solidFill>
-                            <a:srgbClr val="FFFFFF"/>
+                            <a:srgbClr val="202020"/>
                           </a:solidFill>
                           <a:latin typeface="Calibri"/>
-                        </a:defRPr>
-                      </a:pPr>
-                      <a:r>
-                        <a:t>Typical chat cost</a:t>
-                      </a:r>
-                    </a:p>
-                  </a:txBody>
-                  <a:tcPr>
-                    <a:solidFill>
-                      <a:srgbClr val="0096D6"/>
-                    </a:solidFill>
-                  </a:tcPr>
-                </a:tc>
-              </a:tr>
-              <a:tr h="457200">
-                <a:tc>
-                  <a:txBody>
-                    <a:bodyPr/>
-                    <a:lstStyle/>
-                    <a:p>
-                      <a:pPr>
-                        <a:defRPr sz="1600">
-                          <a:solidFill>
-                            <a:srgbClr val="333333"/>
-                          </a:solidFill>
-                          <a:latin typeface="Calibri"/>
-                        </a:defRPr>
-                      </a:pPr>
-                      <a:r>
-                        <a:t>GPT-5.2</a:t>
+                        </a:rPr>
+                        <a:t>OpenAI</a:t>
                       </a:r>
                     </a:p>
                   </a:txBody>
@@ -5215,16 +5485,14 @@
                     <a:bodyPr/>
                     <a:lstStyle/>
                     <a:p>
-                      <a:pPr>
-                        <a:defRPr sz="1600">
+                      <a:r>
+                        <a:rPr sz="1800" b="0">
                           <a:solidFill>
-                            <a:srgbClr val="333333"/>
+                            <a:srgbClr val="202020"/>
                           </a:solidFill>
                           <a:latin typeface="Calibri"/>
-                        </a:defRPr>
-                      </a:pPr>
-                      <a:r>
-                        <a:t>$20</a:t>
+                        </a:rPr>
+                        <a:t>platform.openai.com</a:t>
                       </a:r>
                     </a:p>
                   </a:txBody>
@@ -5239,16 +5507,106 @@
                     <a:bodyPr/>
                     <a:lstStyle/>
                     <a:p>
-                      <a:pPr>
-                        <a:defRPr sz="1600">
+                      <a:r>
+                        <a:rPr sz="1800" b="0">
                           <a:solidFill>
-                            <a:srgbClr val="333333"/>
+                            <a:srgbClr val="202020"/>
                           </a:solidFill>
                           <a:latin typeface="Calibri"/>
-                        </a:defRPr>
-                      </a:pPr>
+                        </a:rPr>
+                        <a:t>API Keys → Create → Add $10 billing</a:t>
+                      </a:r>
+                    </a:p>
+                  </a:txBody>
+                  <a:tcPr>
+                    <a:solidFill>
+                      <a:srgbClr val="FFFFFF"/>
+                    </a:solidFill>
+                  </a:tcPr>
+                </a:tc>
+              </a:tr>
+              <a:tr h="502920">
+                <a:tc>
+                  <a:txBody>
+                    <a:bodyPr/>
+                    <a:lstStyle/>
+                    <a:p>
                       <a:r>
-                        <a:t>$60</a:t>
+                        <a:rPr sz="1800" b="0">
+                          <a:solidFill>
+                            <a:srgbClr val="202020"/>
+                          </a:solidFill>
+                          <a:latin typeface="Calibri"/>
+                        </a:rPr>
+                        <a:t>Anthropic</a:t>
+                      </a:r>
+                    </a:p>
+                  </a:txBody>
+                  <a:tcPr>
+                    <a:solidFill>
+                      <a:srgbClr val="F5F7FA"/>
+                    </a:solidFill>
+                  </a:tcPr>
+                </a:tc>
+                <a:tc>
+                  <a:txBody>
+                    <a:bodyPr/>
+                    <a:lstStyle/>
+                    <a:p>
+                      <a:r>
+                        <a:rPr sz="1800" b="0">
+                          <a:solidFill>
+                            <a:srgbClr val="202020"/>
+                          </a:solidFill>
+                          <a:latin typeface="Calibri"/>
+                        </a:rPr>
+                        <a:t>console.anthropic.com</a:t>
+                      </a:r>
+                    </a:p>
+                  </a:txBody>
+                  <a:tcPr>
+                    <a:solidFill>
+                      <a:srgbClr val="F5F7FA"/>
+                    </a:solidFill>
+                  </a:tcPr>
+                </a:tc>
+                <a:tc>
+                  <a:txBody>
+                    <a:bodyPr/>
+                    <a:lstStyle/>
+                    <a:p>
+                      <a:r>
+                        <a:rPr sz="1800" b="0">
+                          <a:solidFill>
+                            <a:srgbClr val="202020"/>
+                          </a:solidFill>
+                          <a:latin typeface="Calibri"/>
+                        </a:rPr>
+                        <a:t>API Keys → Create → Add $10 billing</a:t>
+                      </a:r>
+                    </a:p>
+                  </a:txBody>
+                  <a:tcPr>
+                    <a:solidFill>
+                      <a:srgbClr val="F5F7FA"/>
+                    </a:solidFill>
+                  </a:tcPr>
+                </a:tc>
+              </a:tr>
+              <a:tr h="502920">
+                <a:tc>
+                  <a:txBody>
+                    <a:bodyPr/>
+                    <a:lstStyle/>
+                    <a:p>
+                      <a:r>
+                        <a:rPr sz="1800" b="0">
+                          <a:solidFill>
+                            <a:srgbClr val="202020"/>
+                          </a:solidFill>
+                          <a:latin typeface="Calibri"/>
+                        </a:rPr>
+                        <a:t>Google</a:t>
                       </a:r>
                     </a:p>
                   </a:txBody>
@@ -5263,140 +5621,14 @@
                     <a:bodyPr/>
                     <a:lstStyle/>
                     <a:p>
-                      <a:pPr>
-                        <a:defRPr sz="1600">
+                      <a:r>
+                        <a:rPr sz="1800" b="0">
                           <a:solidFill>
-                            <a:srgbClr val="333333"/>
+                            <a:srgbClr val="202020"/>
                           </a:solidFill>
                           <a:latin typeface="Calibri"/>
-                        </a:defRPr>
-                      </a:pPr>
-                      <a:r>
-                        <a:t>~3¢ per conversation</a:t>
-                      </a:r>
-                    </a:p>
-                  </a:txBody>
-                  <a:tcPr>
-                    <a:solidFill>
-                      <a:srgbClr val="FFFFFF"/>
-                    </a:solidFill>
-                  </a:tcPr>
-                </a:tc>
-              </a:tr>
-              <a:tr h="457200">
-                <a:tc>
-                  <a:txBody>
-                    <a:bodyPr/>
-                    <a:lstStyle/>
-                    <a:p>
-                      <a:pPr>
-                        <a:defRPr sz="1600">
-                          <a:solidFill>
-                            <a:srgbClr val="333333"/>
-                          </a:solidFill>
-                          <a:latin typeface="Calibri"/>
-                        </a:defRPr>
-                      </a:pPr>
-                      <a:r>
-                        <a:t>Opus 4.5</a:t>
-                      </a:r>
-                    </a:p>
-                  </a:txBody>
-                  <a:tcPr>
-                    <a:solidFill>
-                      <a:srgbClr val="F5F5F5"/>
-                    </a:solidFill>
-                  </a:tcPr>
-                </a:tc>
-                <a:tc>
-                  <a:txBody>
-                    <a:bodyPr/>
-                    <a:lstStyle/>
-                    <a:p>
-                      <a:pPr>
-                        <a:defRPr sz="1600">
-                          <a:solidFill>
-                            <a:srgbClr val="333333"/>
-                          </a:solidFill>
-                          <a:latin typeface="Calibri"/>
-                        </a:defRPr>
-                      </a:pPr>
-                      <a:r>
-                        <a:t>$5</a:t>
-                      </a:r>
-                    </a:p>
-                  </a:txBody>
-                  <a:tcPr>
-                    <a:solidFill>
-                      <a:srgbClr val="F5F5F5"/>
-                    </a:solidFill>
-                  </a:tcPr>
-                </a:tc>
-                <a:tc>
-                  <a:txBody>
-                    <a:bodyPr/>
-                    <a:lstStyle/>
-                    <a:p>
-                      <a:pPr>
-                        <a:defRPr sz="1600">
-                          <a:solidFill>
-                            <a:srgbClr val="333333"/>
-                          </a:solidFill>
-                          <a:latin typeface="Calibri"/>
-                        </a:defRPr>
-                      </a:pPr>
-                      <a:r>
-                        <a:t>$25</a:t>
-                      </a:r>
-                    </a:p>
-                  </a:txBody>
-                  <a:tcPr>
-                    <a:solidFill>
-                      <a:srgbClr val="F5F5F5"/>
-                    </a:solidFill>
-                  </a:tcPr>
-                </a:tc>
-                <a:tc>
-                  <a:txBody>
-                    <a:bodyPr/>
-                    <a:lstStyle/>
-                    <a:p>
-                      <a:pPr>
-                        <a:defRPr sz="1600">
-                          <a:solidFill>
-                            <a:srgbClr val="333333"/>
-                          </a:solidFill>
-                          <a:latin typeface="Calibri"/>
-                        </a:defRPr>
-                      </a:pPr>
-                      <a:r>
-                        <a:t>~2¢ per conversation</a:t>
-                      </a:r>
-                    </a:p>
-                  </a:txBody>
-                  <a:tcPr>
-                    <a:solidFill>
-                      <a:srgbClr val="F5F5F5"/>
-                    </a:solidFill>
-                  </a:tcPr>
-                </a:tc>
-              </a:tr>
-              <a:tr h="457200">
-                <a:tc>
-                  <a:txBody>
-                    <a:bodyPr/>
-                    <a:lstStyle/>
-                    <a:p>
-                      <a:pPr>
-                        <a:defRPr sz="1600">
-                          <a:solidFill>
-                            <a:srgbClr val="333333"/>
-                          </a:solidFill>
-                          <a:latin typeface="Calibri"/>
-                        </a:defRPr>
-                      </a:pPr>
-                      <a:r>
-                        <a:t>Sonnet 4.6</a:t>
+                        </a:rPr>
+                        <a:t>aistudio.google.com</a:t>
                       </a:r>
                     </a:p>
                   </a:txBody>
@@ -5411,260 +5643,14 @@
                     <a:bodyPr/>
                     <a:lstStyle/>
                     <a:p>
-                      <a:pPr>
-                        <a:defRPr sz="1600">
+                      <a:r>
+                        <a:rPr sz="1800" b="0">
                           <a:solidFill>
-                            <a:srgbClr val="333333"/>
+                            <a:srgbClr val="202020"/>
                           </a:solidFill>
                           <a:latin typeface="Calibri"/>
-                        </a:defRPr>
-                      </a:pPr>
-                      <a:r>
-                        <a:t>$3</a:t>
-                      </a:r>
-                    </a:p>
-                  </a:txBody>
-                  <a:tcPr>
-                    <a:solidFill>
-                      <a:srgbClr val="FFFFFF"/>
-                    </a:solidFill>
-                  </a:tcPr>
-                </a:tc>
-                <a:tc>
-                  <a:txBody>
-                    <a:bodyPr/>
-                    <a:lstStyle/>
-                    <a:p>
-                      <a:pPr>
-                        <a:defRPr sz="1600">
-                          <a:solidFill>
-                            <a:srgbClr val="333333"/>
-                          </a:solidFill>
-                          <a:latin typeface="Calibri"/>
-                        </a:defRPr>
-                      </a:pPr>
-                      <a:r>
-                        <a:t>$15</a:t>
-                      </a:r>
-                    </a:p>
-                  </a:txBody>
-                  <a:tcPr>
-                    <a:solidFill>
-                      <a:srgbClr val="FFFFFF"/>
-                    </a:solidFill>
-                  </a:tcPr>
-                </a:tc>
-                <a:tc>
-                  <a:txBody>
-                    <a:bodyPr/>
-                    <a:lstStyle/>
-                    <a:p>
-                      <a:pPr>
-                        <a:defRPr sz="1600">
-                          <a:solidFill>
-                            <a:srgbClr val="333333"/>
-                          </a:solidFill>
-                          <a:latin typeface="Calibri"/>
-                        </a:defRPr>
-                      </a:pPr>
-                      <a:r>
-                        <a:t>~1¢ per conversation</a:t>
-                      </a:r>
-                    </a:p>
-                  </a:txBody>
-                  <a:tcPr>
-                    <a:solidFill>
-                      <a:srgbClr val="FFFFFF"/>
-                    </a:solidFill>
-                  </a:tcPr>
-                </a:tc>
-              </a:tr>
-              <a:tr h="457200">
-                <a:tc>
-                  <a:txBody>
-                    <a:bodyPr/>
-                    <a:lstStyle/>
-                    <a:p>
-                      <a:pPr>
-                        <a:defRPr sz="1600">
-                          <a:solidFill>
-                            <a:srgbClr val="333333"/>
-                          </a:solidFill>
-                          <a:latin typeface="Calibri"/>
-                        </a:defRPr>
-                      </a:pPr>
-                      <a:r>
-                        <a:t>DeepSeek V4</a:t>
-                      </a:r>
-                    </a:p>
-                  </a:txBody>
-                  <a:tcPr>
-                    <a:solidFill>
-                      <a:srgbClr val="F5F5F5"/>
-                    </a:solidFill>
-                  </a:tcPr>
-                </a:tc>
-                <a:tc>
-                  <a:txBody>
-                    <a:bodyPr/>
-                    <a:lstStyle/>
-                    <a:p>
-                      <a:pPr>
-                        <a:defRPr sz="1600">
-                          <a:solidFill>
-                            <a:srgbClr val="333333"/>
-                          </a:solidFill>
-                          <a:latin typeface="Calibri"/>
-                        </a:defRPr>
-                      </a:pPr>
-                      <a:r>
-                        <a:t>$0.14</a:t>
-                      </a:r>
-                    </a:p>
-                  </a:txBody>
-                  <a:tcPr>
-                    <a:solidFill>
-                      <a:srgbClr val="F5F5F5"/>
-                    </a:solidFill>
-                  </a:tcPr>
-                </a:tc>
-                <a:tc>
-                  <a:txBody>
-                    <a:bodyPr/>
-                    <a:lstStyle/>
-                    <a:p>
-                      <a:pPr>
-                        <a:defRPr sz="1600">
-                          <a:solidFill>
-                            <a:srgbClr val="333333"/>
-                          </a:solidFill>
-                          <a:latin typeface="Calibri"/>
-                        </a:defRPr>
-                      </a:pPr>
-                      <a:r>
-                        <a:t>$0.28</a:t>
-                      </a:r>
-                    </a:p>
-                  </a:txBody>
-                  <a:tcPr>
-                    <a:solidFill>
-                      <a:srgbClr val="F5F5F5"/>
-                    </a:solidFill>
-                  </a:tcPr>
-                </a:tc>
-                <a:tc>
-                  <a:txBody>
-                    <a:bodyPr/>
-                    <a:lstStyle/>
-                    <a:p>
-                      <a:pPr>
-                        <a:defRPr sz="1600">
-                          <a:solidFill>
-                            <a:srgbClr val="333333"/>
-                          </a:solidFill>
-                          <a:latin typeface="Calibri"/>
-                        </a:defRPr>
-                      </a:pPr>
-                      <a:r>
-                        <a:t>&lt; 0.1¢ per conversation</a:t>
-                      </a:r>
-                    </a:p>
-                  </a:txBody>
-                  <a:tcPr>
-                    <a:solidFill>
-                      <a:srgbClr val="F5F5F5"/>
-                    </a:solidFill>
-                  </a:tcPr>
-                </a:tc>
-              </a:tr>
-              <a:tr h="457200">
-                <a:tc>
-                  <a:txBody>
-                    <a:bodyPr/>
-                    <a:lstStyle/>
-                    <a:p>
-                      <a:pPr>
-                        <a:defRPr sz="1600">
-                          <a:solidFill>
-                            <a:srgbClr val="333333"/>
-                          </a:solidFill>
-                          <a:latin typeface="Calibri"/>
-                        </a:defRPr>
-                      </a:pPr>
-                      <a:r>
-                        <a:t>Gemini 2.5 Flash</a:t>
-                      </a:r>
-                    </a:p>
-                  </a:txBody>
-                  <a:tcPr>
-                    <a:solidFill>
-                      <a:srgbClr val="FFFFFF"/>
-                    </a:solidFill>
-                  </a:tcPr>
-                </a:tc>
-                <a:tc>
-                  <a:txBody>
-                    <a:bodyPr/>
-                    <a:lstStyle/>
-                    <a:p>
-                      <a:pPr>
-                        <a:defRPr sz="1600">
-                          <a:solidFill>
-                            <a:srgbClr val="333333"/>
-                          </a:solidFill>
-                          <a:latin typeface="Calibri"/>
-                        </a:defRPr>
-                      </a:pPr>
-                      <a:r>
-                        <a:t>Free tier!</a:t>
-                      </a:r>
-                    </a:p>
-                  </a:txBody>
-                  <a:tcPr>
-                    <a:solidFill>
-                      <a:srgbClr val="FFFFFF"/>
-                    </a:solidFill>
-                  </a:tcPr>
-                </a:tc>
-                <a:tc>
-                  <a:txBody>
-                    <a:bodyPr/>
-                    <a:lstStyle/>
-                    <a:p>
-                      <a:pPr>
-                        <a:defRPr sz="1600">
-                          <a:solidFill>
-                            <a:srgbClr val="333333"/>
-                          </a:solidFill>
-                          <a:latin typeface="Calibri"/>
-                        </a:defRPr>
-                      </a:pPr>
-                      <a:r>
-                        <a:t>Free tier!</a:t>
-                      </a:r>
-                    </a:p>
-                  </a:txBody>
-                  <a:tcPr>
-                    <a:solidFill>
-                      <a:srgbClr val="FFFFFF"/>
-                    </a:solidFill>
-                  </a:tcPr>
-                </a:tc>
-                <a:tc>
-                  <a:txBody>
-                    <a:bodyPr/>
-                    <a:lstStyle/>
-                    <a:p>
-                      <a:pPr>
-                        <a:defRPr sz="1600">
-                          <a:solidFill>
-                            <a:srgbClr val="333333"/>
-                          </a:solidFill>
-                          <a:latin typeface="Calibri"/>
-                        </a:defRPr>
-                      </a:pPr>
-                      <a:r>
-                        <a:t>Free (generous limits)</a:t>
+                        </a:rPr>
+                        <a:t>Get API Key → Create (free tier very generous)</a:t>
                       </a:r>
                     </a:p>
                   </a:txBody>
@@ -5690,6 +5676,14 @@
 <file path=ppt/slides/slide11.xml><?xml version="1.0" encoding="utf-8"?>
 <p:sld xmlns:a="http://schemas.openxmlformats.org/drawingml/2006/main" xmlns:p="http://schemas.openxmlformats.org/presentationml/2006/main" xmlns:r="http://schemas.openxmlformats.org/officeDocument/2006/relationships">
   <p:cSld>
+    <p:bg>
+      <p:bgPr>
+        <a:solidFill>
+          <a:srgbClr val="1B2A4A"/>
+        </a:solidFill>
+        <a:effectLst/>
+      </p:bgPr>
+    </p:bg>
     <p:spTree>
       <p:nvGrpSpPr>
         <p:cNvPr id="1" name=""/>
@@ -5699,6 +5693,71 @@
       <p:grpSpPr/>
       <p:sp>
         <p:nvSpPr>
+          <p:cNvPr id="2" name="TextBox 1"/>
+          <p:cNvSpPr txBox="1"/>
+          <p:nvPr/>
+        </p:nvSpPr>
+        <p:spPr>
+          <a:xfrm>
+            <a:off x="914400" y="2011680"/>
+            <a:ext cx="10362895" cy="1828800"/>
+          </a:xfrm>
+          <a:prstGeom prst="rect">
+            <a:avLst/>
+          </a:prstGeom>
+          <a:noFill/>
+        </p:spPr>
+        <p:txBody>
+          <a:bodyPr wrap="square">
+            <a:spAutoFit/>
+          </a:bodyPr>
+          <a:lstStyle/>
+          <a:p>
+            <a:pPr algn="ctr"/>
+            <a:r>
+              <a:rPr sz="4400" b="1">
+                <a:solidFill>
+                  <a:srgbClr val="FFFFFF"/>
+                </a:solidFill>
+                <a:latin typeface="Calibri"/>
+              </a:rPr>
+              <a:t>Part 3: What AI Can Do</a:t>
+            </a:r>
+          </a:p>
+          <a:p>
+            <a:pPr algn="ctr"/>
+            <a:r>
+              <a:rPr sz="2400">
+                <a:solidFill>
+                  <a:srgbClr val="0096D6"/>
+                </a:solidFill>
+                <a:latin typeface="Calibri"/>
+              </a:rPr>
+              <a:t>Quick demos of real capabilities</a:t>
+            </a:r>
+          </a:p>
+        </p:txBody>
+      </p:sp>
+    </p:spTree>
+  </p:cSld>
+  <p:clrMapOvr>
+    <a:masterClrMapping/>
+  </p:clrMapOvr>
+</p:sld>
+</file>
+
+<file path=ppt/slides/slide12.xml><?xml version="1.0" encoding="utf-8"?>
+<p:sld xmlns:a="http://schemas.openxmlformats.org/drawingml/2006/main" xmlns:p="http://schemas.openxmlformats.org/presentationml/2006/main" xmlns:r="http://schemas.openxmlformats.org/officeDocument/2006/relationships">
+  <p:cSld>
+    <p:spTree>
+      <p:nvGrpSpPr>
+        <p:cNvPr id="1" name=""/>
+        <p:cNvGrpSpPr/>
+        <p:nvPr/>
+      </p:nvGrpSpPr>
+      <p:grpSpPr/>
+      <p:sp>
+        <p:nvSpPr>
           <p:cNvPr id="2" name="Rectangle 1"/>
           <p:cNvSpPr/>
           <p:nvPr/>
@@ -5706,13 +5765,13 @@
         <p:spPr>
           <a:xfrm>
             <a:off x="0" y="0"/>
-            <a:ext cx="12191695" cy="1097280"/>
+            <a:ext cx="12191695" cy="73152"/>
           </a:xfrm>
           <a:prstGeom prst="rect">
             <a:avLst/>
           </a:prstGeom>
           <a:solidFill>
-            <a:srgbClr val="1B2A4A"/>
+            <a:srgbClr val="0096D6"/>
           </a:solidFill>
           <a:ln>
             <a:noFill/>
@@ -5733,20 +5792,10 @@
           </a:fontRef>
         </p:style>
         <p:txBody>
-          <a:bodyPr rtlCol="0" anchor="ctr" tIns="203200" lIns="508000"/>
-          <a:lstStyle/>
-          <a:p>
-            <a:pPr algn="ctr">
-              <a:defRPr sz="3200" b="1">
-                <a:solidFill>
-                  <a:srgbClr val="FFFFFF"/>
-                </a:solidFill>
-                <a:latin typeface="Calibri"/>
-              </a:defRPr>
-            </a:pPr>
-            <a:r>
-              <a:t>OAuth vs API Key — Two Ways to Authenticate</a:t>
-            </a:r>
+          <a:bodyPr rtlCol="0" anchor="ctr"/>
+          <a:lstStyle/>
+          <a:p>
+            <a:pPr algn="ctr"/>
           </a:p>
         </p:txBody>
       </p:sp>
@@ -5758,8 +5807,8 @@
         </p:nvSpPr>
         <p:spPr>
           <a:xfrm>
-            <a:off x="731520" y="1463040"/>
-            <a:ext cx="10515600" cy="4937760"/>
+            <a:off x="548640" y="274320"/>
+            <a:ext cx="10972800" cy="731520"/>
           </a:xfrm>
           <a:prstGeom prst="rect">
             <a:avLst/>
@@ -5767,189 +5816,33 @@
           <a:noFill/>
         </p:spPr>
         <p:txBody>
-          <a:bodyPr wrap="square">
+          <a:bodyPr wrap="none">
             <a:spAutoFit/>
           </a:bodyPr>
           <a:lstStyle/>
           <a:p>
-            <a:pPr>
-              <a:spcAft>
-                <a:spcPts val="1000"/>
-              </a:spcAft>
-              <a:defRPr sz="2200">
-                <a:solidFill>
-                  <a:srgbClr val="333333"/>
+            <a:r>
+              <a:rPr sz="3200" b="1">
+                <a:solidFill>
+                  <a:srgbClr val="1B2A4A"/>
                 </a:solidFill>
                 <a:latin typeface="Calibri"/>
-              </a:defRPr>
-            </a:pPr>
-            <a:r>
-              <a:t>OAuth: App gives you a link → authorize in browser → paste code back</a:t>
-            </a:r>
-          </a:p>
-          <a:p>
-            <a:pPr>
-              <a:spcAft>
-                <a:spcPts val="1000"/>
-              </a:spcAft>
-              <a:defRPr sz="2200">
-                <a:solidFill>
-                  <a:srgbClr val="333333"/>
-                </a:solidFill>
-                <a:latin typeface="Calibri"/>
-              </a:defRPr>
-            </a:pPr>
-            <a:r>
-              <a:t>  → Uses your existing subscription (Pro/Max). No extra cost. Token-only visibility</a:t>
-            </a:r>
-          </a:p>
-          <a:p>
-            <a:pPr>
-              <a:spcAft>
-                <a:spcPts val="1000"/>
-              </a:spcAft>
-              <a:defRPr sz="2200">
-                <a:solidFill>
-                  <a:srgbClr val="333333"/>
-                </a:solidFill>
-                <a:latin typeface="Calibri"/>
-              </a:defRPr>
-            </a:pPr>
-            <a:r>
-              <a:t>API Key: Go to provider console → create key → add credits</a:t>
-            </a:r>
-          </a:p>
-          <a:p>
-            <a:pPr>
-              <a:spcAft>
-                <a:spcPts val="1000"/>
-              </a:spcAft>
-              <a:defRPr sz="2200">
-                <a:solidFill>
-                  <a:srgbClr val="333333"/>
-                </a:solidFill>
-                <a:latin typeface="Calibri"/>
-              </a:defRPr>
-            </a:pPr>
-            <a:r>
-              <a:t>  → Pay per token. See exact dollar cost. Works in ANY program</a:t>
-            </a:r>
-          </a:p>
-          <a:p>
-            <a:pPr>
-              <a:spcAft>
-                <a:spcPts val="1000"/>
-              </a:spcAft>
-              <a:defRPr sz="2200">
-                <a:solidFill>
-                  <a:srgbClr val="333333"/>
-                </a:solidFill>
-                <a:latin typeface="Calibri"/>
-              </a:defRPr>
-            </a:pPr>
-            <a:r>
-              <a:t>OpenClaw accepts BOTH — you choose during openclaw setup</a:t>
-            </a:r>
-          </a:p>
-          <a:p>
-            <a:pPr>
-              <a:spcAft>
-                <a:spcPts val="1000"/>
-              </a:spcAft>
-              <a:defRPr sz="2200">
-                <a:solidFill>
-                  <a:srgbClr val="333333"/>
-                </a:solidFill>
-                <a:latin typeface="Calibri"/>
-              </a:defRPr>
-            </a:pPr>
-            <a:r>
-              <a:t>Custom programs can ONLY use API keys (OAuth is not available)</a:t>
-            </a:r>
-          </a:p>
-        </p:txBody>
-      </p:sp>
-    </p:spTree>
-  </p:cSld>
-  <p:clrMapOvr>
-    <a:masterClrMapping/>
-  </p:clrMapOvr>
-</p:sld>
-</file>
-
-<file path=ppt/slides/slide12.xml><?xml version="1.0" encoding="utf-8"?>
-<p:sld xmlns:a="http://schemas.openxmlformats.org/drawingml/2006/main" xmlns:p="http://schemas.openxmlformats.org/presentationml/2006/main" xmlns:r="http://schemas.openxmlformats.org/officeDocument/2006/relationships">
-  <p:cSld>
-    <p:spTree>
-      <p:nvGrpSpPr>
-        <p:cNvPr id="1" name=""/>
-        <p:cNvGrpSpPr/>
-        <p:nvPr/>
-      </p:nvGrpSpPr>
-      <p:grpSpPr/>
-      <p:sp>
-        <p:nvSpPr>
-          <p:cNvPr id="2" name="Rectangle 1"/>
-          <p:cNvSpPr/>
+              </a:rPr>
+              <a:t>AI Superpowers (Live Demos)</a:t>
+            </a:r>
+          </a:p>
+        </p:txBody>
+      </p:sp>
+      <p:sp>
+        <p:nvSpPr>
+          <p:cNvPr id="4" name="TextBox 3"/>
+          <p:cNvSpPr txBox="1"/>
           <p:nvPr/>
         </p:nvSpPr>
         <p:spPr>
           <a:xfrm>
-            <a:off x="0" y="0"/>
-            <a:ext cx="12191695" cy="1097280"/>
-          </a:xfrm>
-          <a:prstGeom prst="rect">
-            <a:avLst/>
-          </a:prstGeom>
-          <a:solidFill>
-            <a:srgbClr val="1B2A4A"/>
-          </a:solidFill>
-          <a:ln>
-            <a:noFill/>
-          </a:ln>
-        </p:spPr>
-        <p:style>
-          <a:lnRef idx="1">
-            <a:schemeClr val="accent1"/>
-          </a:lnRef>
-          <a:fillRef idx="3">
-            <a:schemeClr val="accent1"/>
-          </a:fillRef>
-          <a:effectRef idx="2">
-            <a:schemeClr val="accent1"/>
-          </a:effectRef>
-          <a:fontRef idx="minor">
-            <a:schemeClr val="lt1"/>
-          </a:fontRef>
-        </p:style>
-        <p:txBody>
-          <a:bodyPr rtlCol="0" anchor="ctr" tIns="203200" lIns="508000"/>
-          <a:lstStyle/>
-          <a:p>
-            <a:pPr algn="ctr">
-              <a:defRPr sz="3200" b="1">
-                <a:solidFill>
-                  <a:srgbClr val="FFFFFF"/>
-                </a:solidFill>
-                <a:latin typeface="Calibri"/>
-              </a:defRPr>
-            </a:pPr>
-            <a:r>
-              <a:t>OAuth: How It Actually Works</a:t>
-            </a:r>
-          </a:p>
-        </p:txBody>
-      </p:sp>
-      <p:sp>
-        <p:nvSpPr>
-          <p:cNvPr id="3" name="TextBox 2"/>
-          <p:cNvSpPr txBox="1"/>
-          <p:nvPr/>
-        </p:nvSpPr>
-        <p:spPr>
-          <a:xfrm>
-            <a:off x="731520" y="1463040"/>
-            <a:ext cx="10515600" cy="4937760"/>
+            <a:off x="731520" y="1280160"/>
+            <a:ext cx="10515600" cy="5029200"/>
           </a:xfrm>
           <a:prstGeom prst="rect">
             <a:avLst/>
@@ -5966,15 +5859,15 @@
               <a:spcAft>
                 <a:spcPts val="1000"/>
               </a:spcAft>
-              <a:defRPr sz="2200">
-                <a:solidFill>
-                  <a:srgbClr val="333333"/>
+            </a:pPr>
+            <a:r>
+              <a:rPr sz="2200">
+                <a:solidFill>
+                  <a:srgbClr val="202020"/>
                 </a:solidFill>
                 <a:latin typeface="Calibri"/>
-              </a:defRPr>
-            </a:pPr>
-            <a:r>
-              <a:t>Available in official apps only: OpenClaw, Claude Code, Codex CLI</a:t>
+              </a:rPr>
+              <a:t>🎨 Image Generation — describe it, AI creates it (ChatGPT, Gemini)</a:t>
             </a:r>
           </a:p>
           <a:p>
@@ -5982,15 +5875,15 @@
               <a:spcAft>
                 <a:spcPts val="1000"/>
               </a:spcAft>
-              <a:defRPr sz="2200">
-                <a:solidFill>
-                  <a:srgbClr val="333333"/>
+            </a:pPr>
+            <a:r>
+              <a:rPr sz="2200">
+                <a:solidFill>
+                  <a:srgbClr val="202020"/>
                 </a:solidFill>
                 <a:latin typeface="Calibri"/>
-              </a:defRPr>
-            </a:pPr>
-            <a:r>
-              <a:t>The app gives you a link → you authorize in browser → get a code → paste it back</a:t>
+              </a:rPr>
+              <a:t>🎤 Voice — real-time conversation with AI (ChatGPT Advanced Voice)</a:t>
             </a:r>
           </a:p>
           <a:p>
@@ -5998,15 +5891,15 @@
               <a:spcAft>
                 <a:spcPts val="1000"/>
               </a:spcAft>
-              <a:defRPr sz="2200">
-                <a:solidFill>
-                  <a:srgbClr val="333333"/>
+            </a:pPr>
+            <a:r>
+              <a:rPr sz="2200">
+                <a:solidFill>
+                  <a:srgbClr val="202020"/>
                 </a:solidFill>
                 <a:latin typeface="Calibri"/>
-              </a:defRPr>
-            </a:pPr>
-            <a:r>
-              <a:t>Uses your existing Pro/Max plan — no extra charge</a:t>
+              </a:rPr>
+              <a:t>👁️ Vision — upload photos, AI understands them (all three)</a:t>
             </a:r>
           </a:p>
           <a:p>
@@ -6014,15 +5907,15 @@
               <a:spcAft>
                 <a:spcPts val="1000"/>
               </a:spcAft>
-              <a:defRPr sz="2200">
-                <a:solidFill>
-                  <a:srgbClr val="333333"/>
+            </a:pPr>
+            <a:r>
+              <a:rPr sz="2200">
+                <a:solidFill>
+                  <a:srgbClr val="202020"/>
                 </a:solidFill>
                 <a:latin typeface="Calibri"/>
-              </a:defRPr>
-            </a:pPr>
-            <a:r>
-              <a:t>Tokens count against your subscription limits</a:t>
+              </a:rPr>
+              <a:t>🔬 Deep Research — AI reads 100+ sources for you (Gemini, ChatGPT)</a:t>
             </a:r>
           </a:p>
           <a:p>
@@ -6030,31 +5923,15 @@
               <a:spcAft>
                 <a:spcPts val="1000"/>
               </a:spcAft>
-              <a:defRPr sz="2200">
-                <a:solidFill>
-                  <a:srgbClr val="333333"/>
+            </a:pPr>
+            <a:r>
+              <a:rPr sz="2200">
+                <a:solidFill>
+                  <a:srgbClr val="202020"/>
                 </a:solidFill>
                 <a:latin typeface="Calibri"/>
-              </a:defRPr>
-            </a:pPr>
-            <a:r>
-              <a:t>You see token usage only (no dollar cost shown)</a:t>
-            </a:r>
-          </a:p>
-          <a:p>
-            <a:pPr>
-              <a:spcAft>
-                <a:spcPts val="1000"/>
-              </a:spcAft>
-              <a:defRPr sz="2200">
-                <a:solidFill>
-                  <a:srgbClr val="333333"/>
-                </a:solidFill>
-                <a:latin typeface="Calibri"/>
-              </a:defRPr>
-            </a:pPr>
-            <a:r>
-              <a:t>Credentials stored locally (never sent to third parties)</a:t>
+              </a:rPr>
+              <a:t>🤖 Agents — AI that takes actions, not just answers (emerging)</a:t>
             </a:r>
           </a:p>
         </p:txBody>
@@ -6094,7 +5971,7 @@
         <p:spPr>
           <a:xfrm>
             <a:off x="914400" y="2011680"/>
-            <a:ext cx="10362895" cy="1371600"/>
+            <a:ext cx="10362895" cy="1828800"/>
           </a:xfrm>
           <a:prstGeom prst="rect">
             <a:avLst/>
@@ -6107,29 +5984,27 @@
           </a:bodyPr>
           <a:lstStyle/>
           <a:p>
-            <a:pPr algn="ctr">
-              <a:defRPr sz="4400" b="1">
+            <a:pPr algn="ctr"/>
+            <a:r>
+              <a:rPr sz="4400" b="1">
                 <a:solidFill>
                   <a:srgbClr val="FFFFFF"/>
                 </a:solidFill>
                 <a:latin typeface="Calibri"/>
-              </a:defRPr>
-            </a:pPr>
-            <a:r>
-              <a:t>Part 3: What AI Can Do</a:t>
-            </a:r>
-          </a:p>
-          <a:p>
-            <a:pPr algn="ctr">
-              <a:defRPr sz="2200">
+              </a:rPr>
+              <a:t>Part 4: What AI Gets Wrong</a:t>
+            </a:r>
+          </a:p>
+          <a:p>
+            <a:pPr algn="ctr"/>
+            <a:r>
+              <a:rPr sz="2400">
                 <a:solidFill>
                   <a:srgbClr val="0096D6"/>
                 </a:solidFill>
                 <a:latin typeface="Calibri"/>
-              </a:defRPr>
-            </a:pPr>
-            <a:r>
-              <a:t>Quick demos of real capabilities</a:t>
+              </a:rPr>
+              <a:t>Hallucinations &amp; privacy</a:t>
             </a:r>
           </a:p>
         </p:txBody>
@@ -6161,13 +6036,13 @@
         <p:spPr>
           <a:xfrm>
             <a:off x="0" y="0"/>
-            <a:ext cx="12191695" cy="1097280"/>
+            <a:ext cx="12191695" cy="73152"/>
           </a:xfrm>
           <a:prstGeom prst="rect">
             <a:avLst/>
           </a:prstGeom>
           <a:solidFill>
-            <a:srgbClr val="1B2A4A"/>
+            <a:srgbClr val="0096D6"/>
           </a:solidFill>
           <a:ln>
             <a:noFill/>
@@ -6188,20 +6063,10 @@
           </a:fontRef>
         </p:style>
         <p:txBody>
-          <a:bodyPr rtlCol="0" anchor="ctr" tIns="203200" lIns="508000"/>
-          <a:lstStyle/>
-          <a:p>
-            <a:pPr algn="ctr">
-              <a:defRPr sz="3200" b="1">
-                <a:solidFill>
-                  <a:srgbClr val="FFFFFF"/>
-                </a:solidFill>
-                <a:latin typeface="Calibri"/>
-              </a:defRPr>
-            </a:pPr>
-            <a:r>
-              <a:t>AI Capabilities in 2026</a:t>
-            </a:r>
+          <a:bodyPr rtlCol="0" anchor="ctr"/>
+          <a:lstStyle/>
+          <a:p>
+            <a:pPr algn="ctr"/>
           </a:p>
         </p:txBody>
       </p:sp>
@@ -6213,8 +6078,8 @@
         </p:nvSpPr>
         <p:spPr>
           <a:xfrm>
-            <a:off x="731520" y="1463040"/>
-            <a:ext cx="10515600" cy="4937760"/>
+            <a:off x="548640" y="274320"/>
+            <a:ext cx="10972800" cy="731520"/>
           </a:xfrm>
           <a:prstGeom prst="rect">
             <a:avLst/>
@@ -6222,6 +6087,40 @@
           <a:noFill/>
         </p:spPr>
         <p:txBody>
+          <a:bodyPr wrap="none">
+            <a:spAutoFit/>
+          </a:bodyPr>
+          <a:lstStyle/>
+          <a:p>
+            <a:r>
+              <a:rPr sz="3200" b="1">
+                <a:solidFill>
+                  <a:srgbClr val="1B2A4A"/>
+                </a:solidFill>
+                <a:latin typeface="Calibri"/>
+              </a:rPr>
+              <a:t>Hallucinations — When AI Is Confidently Wrong</a:t>
+            </a:r>
+          </a:p>
+        </p:txBody>
+      </p:sp>
+      <p:sp>
+        <p:nvSpPr>
+          <p:cNvPr id="4" name="TextBox 3"/>
+          <p:cNvSpPr txBox="1"/>
+          <p:nvPr/>
+        </p:nvSpPr>
+        <p:spPr>
+          <a:xfrm>
+            <a:off x="731520" y="1280160"/>
+            <a:ext cx="10515600" cy="5029200"/>
+          </a:xfrm>
+          <a:prstGeom prst="rect">
+            <a:avLst/>
+          </a:prstGeom>
+          <a:noFill/>
+        </p:spPr>
+        <p:txBody>
           <a:bodyPr wrap="square">
             <a:spAutoFit/>
           </a:bodyPr>
@@ -6231,15 +6130,15 @@
               <a:spcAft>
                 <a:spcPts val="1000"/>
               </a:spcAft>
-              <a:defRPr sz="2200">
-                <a:solidFill>
-                  <a:srgbClr val="333333"/>
+            </a:pPr>
+            <a:r>
+              <a:rPr sz="2200">
+                <a:solidFill>
+                  <a:srgbClr val="202020"/>
                 </a:solidFill>
                 <a:latin typeface="Calibri"/>
-              </a:defRPr>
-            </a:pPr>
-            <a:r>
-              <a:t>🎨 Image Generation — DALL-E 3 (ChatGPT), Imagen (Gemini)</a:t>
+              </a:rPr>
+              <a:t>🤥 AI can invent fake facts, citations, people, and URLs</a:t>
             </a:r>
           </a:p>
           <a:p>
@@ -6247,15 +6146,15 @@
               <a:spcAft>
                 <a:spcPts val="1000"/>
               </a:spcAft>
-              <a:defRPr sz="2200">
-                <a:solidFill>
-                  <a:srgbClr val="333333"/>
+            </a:pPr>
+            <a:r>
+              <a:rPr sz="2200">
+                <a:solidFill>
+                  <a:srgbClr val="202020"/>
                 </a:solidFill>
                 <a:latin typeface="Calibri"/>
-              </a:defRPr>
-            </a:pPr>
-            <a:r>
-              <a:t>🗣️ Voice — real-time conversation with ChatGPT Advanced Voice</a:t>
+              </a:rPr>
+              <a:t>📊 AI is great at THINKING, mediocre at REMEMBERING</a:t>
             </a:r>
           </a:p>
           <a:p>
@@ -6263,63 +6162,79 @@
               <a:spcAft>
                 <a:spcPts val="1000"/>
               </a:spcAft>
-              <a:defRPr sz="2200">
-                <a:solidFill>
-                  <a:srgbClr val="333333"/>
+            </a:pPr>
+            <a:r>
+              <a:rPr sz="2200">
+                <a:solidFill>
+                  <a:srgbClr val="202020"/>
                 </a:solidFill>
                 <a:latin typeface="Calibri"/>
-              </a:defRPr>
-            </a:pPr>
-            <a:r>
-              <a:t>👁️ Vision — upload photos, screenshots, documents for analysis</a:t>
-            </a:r>
-          </a:p>
-          <a:p>
-            <a:pPr>
+              </a:rPr>
+              <a:t>🔍 30-Second Verification Rule:</a:t>
+            </a:r>
+          </a:p>
+          <a:p>
+            <a:pPr lvl="1">
               <a:spcAft>
                 <a:spcPts val="1000"/>
               </a:spcAft>
-              <a:defRPr sz="2200">
-                <a:solidFill>
-                  <a:srgbClr val="333333"/>
+            </a:pPr>
+            <a:r>
+              <a:rPr sz="2000">
+                <a:solidFill>
+                  <a:srgbClr val="202020"/>
                 </a:solidFill>
                 <a:latin typeface="Calibri"/>
-              </a:defRPr>
-            </a:pPr>
-            <a:r>
-              <a:t>🔬 Deep Research — Gemini &amp; ChatGPT's multi-step research agents</a:t>
-            </a:r>
-          </a:p>
-          <a:p>
-            <a:pPr>
+              </a:rPr>
+              <a:t>  1. Google the specific claim</a:t>
+            </a:r>
+          </a:p>
+          <a:p>
+            <a:pPr lvl="1">
               <a:spcAft>
                 <a:spcPts val="1000"/>
               </a:spcAft>
-              <a:defRPr sz="2200">
-                <a:solidFill>
-                  <a:srgbClr val="333333"/>
+            </a:pPr>
+            <a:r>
+              <a:rPr sz="2000">
+                <a:solidFill>
+                  <a:srgbClr val="202020"/>
                 </a:solidFill>
                 <a:latin typeface="Calibri"/>
-              </a:defRPr>
-            </a:pPr>
-            <a:r>
-              <a:t>🤖 Agents — AI that can browse, code, and take actions for you</a:t>
-            </a:r>
-          </a:p>
-          <a:p>
-            <a:pPr>
+              </a:rPr>
+              <a:t>  2. Ask a second AI the same question</a:t>
+            </a:r>
+          </a:p>
+          <a:p>
+            <a:pPr lvl="1">
               <a:spcAft>
                 <a:spcPts val="1000"/>
               </a:spcAft>
-              <a:defRPr sz="2200">
-                <a:solidFill>
-                  <a:srgbClr val="333333"/>
+            </a:pPr>
+            <a:r>
+              <a:rPr sz="2000">
+                <a:solidFill>
+                  <a:srgbClr val="202020"/>
                 </a:solidFill>
                 <a:latin typeface="Calibri"/>
-              </a:defRPr>
+              </a:rPr>
+              <a:t>  3. Ask: "Are you sure? Can you provide a source?"</a:t>
+            </a:r>
+          </a:p>
+          <a:p>
+            <a:pPr lvl="1">
+              <a:spcAft>
+                <a:spcPts val="1000"/>
+              </a:spcAft>
             </a:pPr>
             <a:r>
-              <a:t>💻 Coding — GPT-5.2-Codex, Claude Code (Opus 4.6), full-project generation</a:t>
+              <a:rPr sz="2000">
+                <a:solidFill>
+                  <a:srgbClr val="202020"/>
+                </a:solidFill>
+                <a:latin typeface="Calibri"/>
+              </a:rPr>
+              <a:t>  4. For anything important: verify with a real source</a:t>
             </a:r>
           </a:p>
         </p:txBody>
@@ -6335,14 +6250,6 @@
 <file path=ppt/slides/slide15.xml><?xml version="1.0" encoding="utf-8"?>
 <p:sld xmlns:a="http://schemas.openxmlformats.org/drawingml/2006/main" xmlns:p="http://schemas.openxmlformats.org/presentationml/2006/main" xmlns:r="http://schemas.openxmlformats.org/officeDocument/2006/relationships">
   <p:cSld>
-    <p:bg>
-      <p:bgPr>
-        <a:solidFill>
-          <a:srgbClr val="1B2A4A"/>
-        </a:solidFill>
-        <a:effectLst/>
-      </p:bgPr>
-    </p:bg>
     <p:spTree>
       <p:nvGrpSpPr>
         <p:cNvPr id="1" name=""/>
@@ -6352,73 +6259,6 @@
       <p:grpSpPr/>
       <p:sp>
         <p:nvSpPr>
-          <p:cNvPr id="2" name="TextBox 1"/>
-          <p:cNvSpPr txBox="1"/>
-          <p:nvPr/>
-        </p:nvSpPr>
-        <p:spPr>
-          <a:xfrm>
-            <a:off x="914400" y="2011680"/>
-            <a:ext cx="10362895" cy="1371600"/>
-          </a:xfrm>
-          <a:prstGeom prst="rect">
-            <a:avLst/>
-          </a:prstGeom>
-          <a:noFill/>
-        </p:spPr>
-        <p:txBody>
-          <a:bodyPr wrap="square">
-            <a:spAutoFit/>
-          </a:bodyPr>
-          <a:lstStyle/>
-          <a:p>
-            <a:pPr algn="ctr">
-              <a:defRPr sz="4400" b="1">
-                <a:solidFill>
-                  <a:srgbClr val="FFFFFF"/>
-                </a:solidFill>
-                <a:latin typeface="Calibri"/>
-              </a:defRPr>
-            </a:pPr>
-            <a:r>
-              <a:t>Part 4: What AI Gets Wrong</a:t>
-            </a:r>
-          </a:p>
-          <a:p>
-            <a:pPr algn="ctr">
-              <a:defRPr sz="2200">
-                <a:solidFill>
-                  <a:srgbClr val="0096D6"/>
-                </a:solidFill>
-                <a:latin typeface="Calibri"/>
-              </a:defRPr>
-            </a:pPr>
-            <a:r>
-              <a:t>Hallucinations and privacy</a:t>
-            </a:r>
-          </a:p>
-        </p:txBody>
-      </p:sp>
-    </p:spTree>
-  </p:cSld>
-  <p:clrMapOvr>
-    <a:masterClrMapping/>
-  </p:clrMapOvr>
-</p:sld>
-</file>
-
-<file path=ppt/slides/slide16.xml><?xml version="1.0" encoding="utf-8"?>
-<p:sld xmlns:a="http://schemas.openxmlformats.org/drawingml/2006/main" xmlns:p="http://schemas.openxmlformats.org/presentationml/2006/main" xmlns:r="http://schemas.openxmlformats.org/officeDocument/2006/relationships">
-  <p:cSld>
-    <p:spTree>
-      <p:nvGrpSpPr>
-        <p:cNvPr id="1" name=""/>
-        <p:cNvGrpSpPr/>
-        <p:nvPr/>
-      </p:nvGrpSpPr>
-      <p:grpSpPr/>
-      <p:sp>
-        <p:nvSpPr>
           <p:cNvPr id="2" name="Rectangle 1"/>
           <p:cNvSpPr/>
           <p:nvPr/>
@@ -6426,13 +6266,13 @@
         <p:spPr>
           <a:xfrm>
             <a:off x="0" y="0"/>
-            <a:ext cx="12191695" cy="1097280"/>
+            <a:ext cx="12191695" cy="73152"/>
           </a:xfrm>
           <a:prstGeom prst="rect">
             <a:avLst/>
           </a:prstGeom>
           <a:solidFill>
-            <a:srgbClr val="1B2A4A"/>
+            <a:srgbClr val="0096D6"/>
           </a:solidFill>
           <a:ln>
             <a:noFill/>
@@ -6453,20 +6293,10 @@
           </a:fontRef>
         </p:style>
         <p:txBody>
-          <a:bodyPr rtlCol="0" anchor="ctr" tIns="203200" lIns="508000"/>
-          <a:lstStyle/>
-          <a:p>
-            <a:pPr algn="ctr">
-              <a:defRPr sz="3200" b="1">
-                <a:solidFill>
-                  <a:srgbClr val="FFFFFF"/>
-                </a:solidFill>
-                <a:latin typeface="Calibri"/>
-              </a:defRPr>
-            </a:pPr>
-            <a:r>
-              <a:t>Hallucinations: When AI Is Confidently Wrong</a:t>
-            </a:r>
+          <a:bodyPr rtlCol="0" anchor="ctr"/>
+          <a:lstStyle/>
+          <a:p>
+            <a:pPr algn="ctr"/>
           </a:p>
         </p:txBody>
       </p:sp>
@@ -6478,8 +6308,8 @@
         </p:nvSpPr>
         <p:spPr>
           <a:xfrm>
-            <a:off x="731520" y="1463040"/>
-            <a:ext cx="10515600" cy="4937760"/>
+            <a:off x="548640" y="274320"/>
+            <a:ext cx="10972800" cy="731520"/>
           </a:xfrm>
           <a:prstGeom prst="rect">
             <a:avLst/>
@@ -6487,6 +6317,40 @@
           <a:noFill/>
         </p:spPr>
         <p:txBody>
+          <a:bodyPr wrap="none">
+            <a:spAutoFit/>
+          </a:bodyPr>
+          <a:lstStyle/>
+          <a:p>
+            <a:r>
+              <a:rPr sz="3200" b="1">
+                <a:solidFill>
+                  <a:srgbClr val="1B2A4A"/>
+                </a:solidFill>
+                <a:latin typeface="Calibri"/>
+              </a:rPr>
+              <a:t>Privacy: Where Does Your Data Go?</a:t>
+            </a:r>
+          </a:p>
+        </p:txBody>
+      </p:sp>
+      <p:sp>
+        <p:nvSpPr>
+          <p:cNvPr id="4" name="TextBox 3"/>
+          <p:cNvSpPr txBox="1"/>
+          <p:nvPr/>
+        </p:nvSpPr>
+        <p:spPr>
+          <a:xfrm>
+            <a:off x="731520" y="1280160"/>
+            <a:ext cx="10515600" cy="5029200"/>
+          </a:xfrm>
+          <a:prstGeom prst="rect">
+            <a:avLst/>
+          </a:prstGeom>
+          <a:noFill/>
+        </p:spPr>
+        <p:txBody>
           <a:bodyPr wrap="square">
             <a:spAutoFit/>
           </a:bodyPr>
@@ -6496,15 +6360,15 @@
               <a:spcAft>
                 <a:spcPts val="1000"/>
               </a:spcAft>
-              <a:defRPr sz="2200">
-                <a:solidFill>
-                  <a:srgbClr val="333333"/>
+            </a:pPr>
+            <a:r>
+              <a:rPr sz="2200">
+                <a:solidFill>
+                  <a:srgbClr val="202020"/>
                 </a:solidFill>
                 <a:latin typeface="Calibri"/>
-              </a:defRPr>
-            </a:pPr>
-            <a:r>
-              <a:t>AI generates plausible-sounding text — but sometimes invents facts</a:t>
+              </a:rPr>
+              <a:t>⚠️ ALL providers train on your data by default — FREE AND PAID</a:t>
             </a:r>
           </a:p>
           <a:p>
@@ -6512,15 +6376,63 @@
               <a:spcAft>
                 <a:spcPts val="1000"/>
               </a:spcAft>
-              <a:defRPr sz="2200">
-                <a:solidFill>
-                  <a:srgbClr val="333333"/>
+            </a:pPr>
+            <a:r>
+              <a:rPr sz="2200">
+                <a:solidFill>
+                  <a:srgbClr val="202020"/>
                 </a:solidFill>
                 <a:latin typeface="Calibri"/>
-              </a:defRPr>
+              </a:rPr>
+              <a:t>You must OPT OUT manually on each platform:</a:t>
+            </a:r>
+          </a:p>
+          <a:p>
+            <a:pPr lvl="1">
+              <a:spcAft>
+                <a:spcPts val="1000"/>
+              </a:spcAft>
             </a:pPr>
             <a:r>
-              <a:t>It doesn't 'know' things — it predicts the next likely word</a:t>
+              <a:rPr sz="2000">
+                <a:solidFill>
+                  <a:srgbClr val="202020"/>
+                </a:solidFill>
+                <a:latin typeface="Calibri"/>
+              </a:rPr>
+              <a:t>  • ChatGPT: Settings &gt; Data Controls &gt; "Improve the model" → OFF</a:t>
+            </a:r>
+          </a:p>
+          <a:p>
+            <a:pPr lvl="1">
+              <a:spcAft>
+                <a:spcPts val="1000"/>
+              </a:spcAft>
+            </a:pPr>
+            <a:r>
+              <a:rPr sz="2000">
+                <a:solidFill>
+                  <a:srgbClr val="202020"/>
+                </a:solidFill>
+                <a:latin typeface="Calibri"/>
+              </a:rPr>
+              <a:t>  • Claude: Settings &gt; Privacy &gt; "Help improve Claude" → OFF</a:t>
+            </a:r>
+          </a:p>
+          <a:p>
+            <a:pPr lvl="1">
+              <a:spcAft>
+                <a:spcPts val="1000"/>
+              </a:spcAft>
+            </a:pPr>
+            <a:r>
+              <a:rPr sz="2000">
+                <a:solidFill>
+                  <a:srgbClr val="202020"/>
+                </a:solidFill>
+                <a:latin typeface="Calibri"/>
+              </a:rPr>
+              <a:t>  • Gemini: Profile &gt; Gemini Apps Activity → OFF</a:t>
             </a:r>
           </a:p>
           <a:p>
@@ -6528,63 +6440,15 @@
               <a:spcAft>
                 <a:spcPts val="1000"/>
               </a:spcAft>
-              <a:defRPr sz="2200">
-                <a:solidFill>
-                  <a:srgbClr val="333333"/>
+            </a:pPr>
+            <a:r>
+              <a:rPr sz="2200">
+                <a:solidFill>
+                  <a:srgbClr val="202020"/>
                 </a:solidFill>
                 <a:latin typeface="Calibri"/>
-              </a:defRPr>
-            </a:pPr>
-            <a:r>
-              <a:t>Especially dangerous: fake citations, made-up statistics, wrong dates</a:t>
-            </a:r>
-          </a:p>
-          <a:p>
-            <a:pPr>
-              <a:spcAft>
-                <a:spcPts val="1000"/>
-              </a:spcAft>
-              <a:defRPr sz="2200">
-                <a:solidFill>
-                  <a:srgbClr val="333333"/>
-                </a:solidFill>
-                <a:latin typeface="Calibri"/>
-              </a:defRPr>
-            </a:pPr>
-            <a:r>
-              <a:t>The 30-Second Check: Google the claim, ask a 2nd AI, ask for sources</a:t>
-            </a:r>
-          </a:p>
-          <a:p>
-            <a:pPr>
-              <a:spcAft>
-                <a:spcPts val="1000"/>
-              </a:spcAft>
-              <a:defRPr sz="2200">
-                <a:solidFill>
-                  <a:srgbClr val="333333"/>
-                </a:solidFill>
-                <a:latin typeface="Calibri"/>
-              </a:defRPr>
-            </a:pPr>
-            <a:r>
-              <a:t>AI is great at thinking, mediocre at remembering</a:t>
-            </a:r>
-          </a:p>
-          <a:p>
-            <a:pPr>
-              <a:spcAft>
-                <a:spcPts val="1000"/>
-              </a:spcAft>
-              <a:defRPr sz="2200">
-                <a:solidFill>
-                  <a:srgbClr val="333333"/>
-                </a:solidFill>
-                <a:latin typeface="Calibri"/>
-              </a:defRPr>
-            </a:pPr>
-            <a:r>
-              <a:t>Rule: never trust AI on facts without verification</a:t>
+              </a:rPr>
+              <a:t>Business/Enterprise tiers &amp; API usage generally excluded</a:t>
             </a:r>
           </a:p>
         </p:txBody>
@@ -6597,7 +6461,7 @@
 </p:sld>
 </file>
 
-<file path=ppt/slides/slide17.xml><?xml version="1.0" encoding="utf-8"?>
+<file path=ppt/slides/slide16.xml><?xml version="1.0" encoding="utf-8"?>
 <p:sld xmlns:a="http://schemas.openxmlformats.org/drawingml/2006/main" xmlns:p="http://schemas.openxmlformats.org/presentationml/2006/main" xmlns:r="http://schemas.openxmlformats.org/officeDocument/2006/relationships">
   <p:cSld>
     <p:spTree>
@@ -6616,13 +6480,13 @@
         <p:spPr>
           <a:xfrm>
             <a:off x="0" y="0"/>
-            <a:ext cx="12191695" cy="1097280"/>
+            <a:ext cx="12191695" cy="73152"/>
           </a:xfrm>
           <a:prstGeom prst="rect">
             <a:avLst/>
           </a:prstGeom>
           <a:solidFill>
-            <a:srgbClr val="1B2A4A"/>
+            <a:srgbClr val="0096D6"/>
           </a:solidFill>
           <a:ln>
             <a:noFill/>
@@ -6643,20 +6507,10 @@
           </a:fontRef>
         </p:style>
         <p:txBody>
-          <a:bodyPr rtlCol="0" anchor="ctr" tIns="203200" lIns="508000"/>
-          <a:lstStyle/>
-          <a:p>
-            <a:pPr algn="ctr">
-              <a:defRPr sz="3200" b="1">
-                <a:solidFill>
-                  <a:srgbClr val="FFFFFF"/>
-                </a:solidFill>
-                <a:latin typeface="Calibri"/>
-              </a:defRPr>
-            </a:pPr>
-            <a:r>
-              <a:t>Privacy &amp; Data: Where Does Your Stuff Go?</a:t>
-            </a:r>
+          <a:bodyPr rtlCol="0" anchor="ctr"/>
+          <a:lstStyle/>
+          <a:p>
+            <a:pPr algn="ctr"/>
           </a:p>
         </p:txBody>
       </p:sp>
@@ -6668,8 +6522,8 @@
         </p:nvSpPr>
         <p:spPr>
           <a:xfrm>
-            <a:off x="731520" y="1463040"/>
-            <a:ext cx="10515600" cy="4937760"/>
+            <a:off x="548640" y="274320"/>
+            <a:ext cx="10972800" cy="731520"/>
           </a:xfrm>
           <a:prstGeom prst="rect">
             <a:avLst/>
@@ -6677,6 +6531,40 @@
           <a:noFill/>
         </p:spPr>
         <p:txBody>
+          <a:bodyPr wrap="none">
+            <a:spAutoFit/>
+          </a:bodyPr>
+          <a:lstStyle/>
+          <a:p>
+            <a:r>
+              <a:rPr sz="3200" b="1">
+                <a:solidFill>
+                  <a:srgbClr val="1B2A4A"/>
+                </a:solidFill>
+                <a:latin typeface="Calibri"/>
+              </a:rPr>
+              <a:t>Never Paste These Into AI</a:t>
+            </a:r>
+          </a:p>
+        </p:txBody>
+      </p:sp>
+      <p:sp>
+        <p:nvSpPr>
+          <p:cNvPr id="4" name="TextBox 3"/>
+          <p:cNvSpPr txBox="1"/>
+          <p:nvPr/>
+        </p:nvSpPr>
+        <p:spPr>
+          <a:xfrm>
+            <a:off x="731520" y="1280160"/>
+            <a:ext cx="10515600" cy="5029200"/>
+          </a:xfrm>
+          <a:prstGeom prst="rect">
+            <a:avLst/>
+          </a:prstGeom>
+          <a:noFill/>
+        </p:spPr>
+        <p:txBody>
           <a:bodyPr wrap="square">
             <a:spAutoFit/>
           </a:bodyPr>
@@ -6686,15 +6574,15 @@
               <a:spcAft>
                 <a:spcPts val="1000"/>
               </a:spcAft>
-              <a:defRPr sz="2200">
-                <a:solidFill>
-                  <a:srgbClr val="333333"/>
+            </a:pPr>
+            <a:r>
+              <a:rPr sz="2200">
+                <a:solidFill>
+                  <a:srgbClr val="202020"/>
                 </a:solidFill>
                 <a:latin typeface="Calibri"/>
-              </a:defRPr>
-            </a:pPr>
-            <a:r>
-              <a:t>Free tiers: your conversations may train future models (opt-out available)</a:t>
+              </a:rPr>
+              <a:t>🚫 Passwords or API keys</a:t>
             </a:r>
           </a:p>
           <a:p>
@@ -6702,15 +6590,15 @@
               <a:spcAft>
                 <a:spcPts val="1000"/>
               </a:spcAft>
-              <a:defRPr sz="2200">
-                <a:solidFill>
-                  <a:srgbClr val="333333"/>
+            </a:pPr>
+            <a:r>
+              <a:rPr sz="2200">
+                <a:solidFill>
+                  <a:srgbClr val="202020"/>
                 </a:solidFill>
                 <a:latin typeface="Calibri"/>
-              </a:defRPr>
-            </a:pPr>
-            <a:r>
-              <a:t>Paid tiers: typically do NOT train on your data</a:t>
+              </a:rPr>
+              <a:t>🚫 Credit card or bank numbers</a:t>
             </a:r>
           </a:p>
           <a:p>
@@ -6718,15 +6606,15 @@
               <a:spcAft>
                 <a:spcPts val="1000"/>
               </a:spcAft>
-              <a:defRPr sz="2200">
-                <a:solidFill>
-                  <a:srgbClr val="333333"/>
+            </a:pPr>
+            <a:r>
+              <a:rPr sz="2200">
+                <a:solidFill>
+                  <a:srgbClr val="202020"/>
                 </a:solidFill>
                 <a:latin typeface="Calibri"/>
-              </a:defRPr>
-            </a:pPr>
-            <a:r>
-              <a:t>API usage: never used for training (all three providers)</a:t>
+              </a:rPr>
+              <a:t>🚫 Medical or legal records</a:t>
             </a:r>
           </a:p>
           <a:p>
@@ -6734,15 +6622,15 @@
               <a:spcAft>
                 <a:spcPts val="1000"/>
               </a:spcAft>
-              <a:defRPr sz="2200">
-                <a:solidFill>
-                  <a:srgbClr val="333333"/>
+            </a:pPr>
+            <a:r>
+              <a:rPr sz="2200">
+                <a:solidFill>
+                  <a:srgbClr val="202020"/>
                 </a:solidFill>
                 <a:latin typeface="Calibri"/>
-              </a:defRPr>
-            </a:pPr>
-            <a:r>
-              <a:t>Don't paste: passwords, SSNs, proprietary code, client data</a:t>
+              </a:rPr>
+              <a:t>🚫 Trade secrets or confidential business info</a:t>
             </a:r>
           </a:p>
           <a:p>
@@ -6750,15 +6638,15 @@
               <a:spcAft>
                 <a:spcPts val="1000"/>
               </a:spcAft>
-              <a:defRPr sz="2200">
-                <a:solidFill>
-                  <a:srgbClr val="333333"/>
+            </a:pPr>
+            <a:r>
+              <a:rPr sz="2200">
+                <a:solidFill>
+                  <a:srgbClr val="202020"/>
                 </a:solidFill>
                 <a:latin typeface="Calibri"/>
-              </a:defRPr>
-            </a:pPr>
-            <a:r>
-              <a:t>OpenClaw: your data goes directly to the AI provider — OpenClaw never sees content</a:t>
+              </a:rPr>
+              <a:t>🚫 Full Social Security / government ID numbers</a:t>
             </a:r>
           </a:p>
           <a:p>
@@ -6766,15 +6654,15 @@
               <a:spcAft>
                 <a:spcPts val="1000"/>
               </a:spcAft>
-              <a:defRPr sz="2200">
-                <a:solidFill>
-                  <a:srgbClr val="333333"/>
+            </a:pPr>
+            <a:r>
+              <a:rPr sz="2200">
+                <a:solidFill>
+                  <a:srgbClr val="202020"/>
                 </a:solidFill>
                 <a:latin typeface="Calibri"/>
-              </a:defRPr>
-            </a:pPr>
-            <a:r>
-              <a:t>Check each provider's data retention policy</a:t>
+              </a:rPr>
+              <a:t>💡 Even with opt-out, providers keep safety logs (~30 days)</a:t>
             </a:r>
           </a:p>
         </p:txBody>
@@ -6787,7 +6675,7 @@
 </p:sld>
 </file>
 
-<file path=ppt/slides/slide18.xml><?xml version="1.0" encoding="utf-8"?>
+<file path=ppt/slides/slide17.xml><?xml version="1.0" encoding="utf-8"?>
 <p:sld xmlns:a="http://schemas.openxmlformats.org/drawingml/2006/main" xmlns:p="http://schemas.openxmlformats.org/presentationml/2006/main" xmlns:r="http://schemas.openxmlformats.org/officeDocument/2006/relationships">
   <p:cSld>
     <p:bg>
@@ -6814,7 +6702,7 @@
         <p:spPr>
           <a:xfrm>
             <a:off x="914400" y="2011680"/>
-            <a:ext cx="10362895" cy="1371600"/>
+            <a:ext cx="10362895" cy="1828800"/>
           </a:xfrm>
           <a:prstGeom prst="rect">
             <a:avLst/>
@@ -6827,29 +6715,27 @@
           </a:bodyPr>
           <a:lstStyle/>
           <a:p>
-            <a:pPr algn="ctr">
-              <a:defRPr sz="4400" b="1">
+            <a:pPr algn="ctr"/>
+            <a:r>
+              <a:rPr sz="4400" b="1">
                 <a:solidFill>
                   <a:srgbClr val="FFFFFF"/>
                 </a:solidFill>
                 <a:latin typeface="Calibri"/>
-              </a:defRPr>
-            </a:pPr>
-            <a:r>
-              <a:t>Part 5: Hands-On Exercises</a:t>
-            </a:r>
-          </a:p>
-          <a:p>
-            <a:pPr algn="ctr">
-              <a:defRPr sz="2200">
+              </a:rPr>
+              <a:t>Part 5: Hands-On</a:t>
+            </a:r>
+          </a:p>
+          <a:p>
+            <a:pPr algn="ctr"/>
+            <a:r>
+              <a:rPr sz="2400">
                 <a:solidFill>
                   <a:srgbClr val="0096D6"/>
                 </a:solidFill>
                 <a:latin typeface="Calibri"/>
-              </a:defRPr>
-            </a:pPr>
-            <a:r>
-              <a:t>Time to try it yourself!</a:t>
+              </a:rPr>
+              <a:t>Try it yourself!</a:t>
             </a:r>
           </a:p>
         </p:txBody>
@@ -6862,7 +6748,7 @@
 </p:sld>
 </file>
 
-<file path=ppt/slides/slide19.xml><?xml version="1.0" encoding="utf-8"?>
+<file path=ppt/slides/slide18.xml><?xml version="1.0" encoding="utf-8"?>
 <p:sld xmlns:a="http://schemas.openxmlformats.org/drawingml/2006/main" xmlns:p="http://schemas.openxmlformats.org/presentationml/2006/main" xmlns:r="http://schemas.openxmlformats.org/officeDocument/2006/relationships">
   <p:cSld>
     <p:spTree>
@@ -6881,13 +6767,13 @@
         <p:spPr>
           <a:xfrm>
             <a:off x="0" y="0"/>
-            <a:ext cx="12191695" cy="1097280"/>
+            <a:ext cx="12191695" cy="73152"/>
           </a:xfrm>
           <a:prstGeom prst="rect">
             <a:avLst/>
           </a:prstGeom>
           <a:solidFill>
-            <a:srgbClr val="1B2A4A"/>
+            <a:srgbClr val="0096D6"/>
           </a:solidFill>
           <a:ln>
             <a:noFill/>
@@ -6908,20 +6794,10 @@
           </a:fontRef>
         </p:style>
         <p:txBody>
-          <a:bodyPr rtlCol="0" anchor="ctr" tIns="203200" lIns="508000"/>
-          <a:lstStyle/>
-          <a:p>
-            <a:pPr algn="ctr">
-              <a:defRPr sz="3200" b="1">
-                <a:solidFill>
-                  <a:srgbClr val="FFFFFF"/>
-                </a:solidFill>
-                <a:latin typeface="Calibri"/>
-              </a:defRPr>
-            </a:pPr>
-            <a:r>
-              <a:t>Exercise 1: Try Claude.ai + Gemini</a:t>
-            </a:r>
+          <a:bodyPr rtlCol="0" anchor="ctr"/>
+          <a:lstStyle/>
+          <a:p>
+            <a:pPr algn="ctr"/>
           </a:p>
         </p:txBody>
       </p:sp>
@@ -6933,8 +6809,8 @@
         </p:nvSpPr>
         <p:spPr>
           <a:xfrm>
-            <a:off x="731520" y="1463040"/>
-            <a:ext cx="10515600" cy="4937760"/>
+            <a:off x="548640" y="274320"/>
+            <a:ext cx="10972800" cy="731520"/>
           </a:xfrm>
           <a:prstGeom prst="rect">
             <a:avLst/>
@@ -6942,6 +6818,40 @@
           <a:noFill/>
         </p:spPr>
         <p:txBody>
+          <a:bodyPr wrap="none">
+            <a:spAutoFit/>
+          </a:bodyPr>
+          <a:lstStyle/>
+          <a:p>
+            <a:r>
+              <a:rPr sz="3200" b="1">
+                <a:solidFill>
+                  <a:srgbClr val="1B2A4A"/>
+                </a:solidFill>
+                <a:latin typeface="Calibri"/>
+              </a:rPr>
+              <a:t>Hands-On Exercises</a:t>
+            </a:r>
+          </a:p>
+        </p:txBody>
+      </p:sp>
+      <p:sp>
+        <p:nvSpPr>
+          <p:cNvPr id="4" name="TextBox 3"/>
+          <p:cNvSpPr txBox="1"/>
+          <p:nvPr/>
+        </p:nvSpPr>
+        <p:spPr>
+          <a:xfrm>
+            <a:off x="731520" y="1280160"/>
+            <a:ext cx="10515600" cy="5029200"/>
+          </a:xfrm>
+          <a:prstGeom prst="rect">
+            <a:avLst/>
+          </a:prstGeom>
+          <a:noFill/>
+        </p:spPr>
+        <p:txBody>
           <a:bodyPr wrap="square">
             <a:spAutoFit/>
           </a:bodyPr>
@@ -6951,15 +6861,15 @@
               <a:spcAft>
                 <a:spcPts val="1000"/>
               </a:spcAft>
-              <a:defRPr sz="2200">
-                <a:solidFill>
-                  <a:srgbClr val="333333"/>
+            </a:pPr>
+            <a:r>
+              <a:rPr sz="2200">
+                <a:solidFill>
+                  <a:srgbClr val="202020"/>
                 </a:solidFill>
                 <a:latin typeface="Calibri"/>
-              </a:defRPr>
-            </a:pPr>
-            <a:r>
-              <a:t>Go to claude.ai — sign up free (just need email)</a:t>
+              </a:rPr>
+              <a:t>1️⃣ Go to claude.ai → upload a document → ask for summary + issues</a:t>
             </a:r>
           </a:p>
           <a:p>
@@ -6967,15 +6877,15 @@
               <a:spcAft>
                 <a:spcPts val="1000"/>
               </a:spcAft>
-              <a:defRPr sz="2200">
-                <a:solidFill>
-                  <a:srgbClr val="333333"/>
+            </a:pPr>
+            <a:r>
+              <a:rPr sz="2200">
+                <a:solidFill>
+                  <a:srgbClr val="202020"/>
                 </a:solidFill>
                 <a:latin typeface="Calibri"/>
-              </a:defRPr>
-            </a:pPr>
-            <a:r>
-              <a:t>Go to gemini.google.com — sign in with Google account</a:t>
+              </a:rPr>
+              <a:t>2️⃣ Try the same task on ChatGPT, Claude, AND Gemini — compare!</a:t>
             </a:r>
           </a:p>
           <a:p>
@@ -6983,15 +6893,15 @@
               <a:spcAft>
                 <a:spcPts val="1000"/>
               </a:spcAft>
-              <a:defRPr sz="2200">
-                <a:solidFill>
-                  <a:srgbClr val="333333"/>
+            </a:pPr>
+            <a:r>
+              <a:rPr sz="2200">
+                <a:solidFill>
+                  <a:srgbClr val="202020"/>
                 </a:solidFill>
                 <a:latin typeface="Calibri"/>
-              </a:defRPr>
-            </a:pPr>
-            <a:r>
-              <a:t>Try this prompt on both: 'Explain [topic you know well] to a beginner'</a:t>
+              </a:rPr>
+              <a:t>3️⃣ Upload an image → ask AI to describe/analyze it</a:t>
             </a:r>
           </a:p>
           <a:p>
@@ -6999,15 +6909,15 @@
               <a:spcAft>
                 <a:spcPts val="1000"/>
               </a:spcAft>
-              <a:defRPr sz="2200">
-                <a:solidFill>
-                  <a:srgbClr val="333333"/>
+            </a:pPr>
+            <a:r>
+              <a:rPr sz="2200">
+                <a:solidFill>
+                  <a:srgbClr val="202020"/>
                 </a:solidFill>
                 <a:latin typeface="Calibri"/>
-              </a:defRPr>
-            </a:pPr>
-            <a:r>
-              <a:t>Compare: Which explanation was clearer? More accurate?</a:t>
+              </a:rPr>
+              <a:t>4️⃣ Try prompting tips: be specific, give context, iterate</a:t>
             </a:r>
           </a:p>
           <a:p>
@@ -7015,31 +6925,88 @@
               <a:spcAft>
                 <a:spcPts val="1000"/>
               </a:spcAft>
-              <a:defRPr sz="2200">
-                <a:solidFill>
-                  <a:srgbClr val="333333"/>
+            </a:pPr>
+            <a:r>
+              <a:rPr sz="2200">
+                <a:solidFill>
+                  <a:srgbClr val="202020"/>
                 </a:solidFill>
                 <a:latin typeface="Calibri"/>
-              </a:defRPr>
-            </a:pPr>
-            <a:r>
-              <a:t>Try follow-up: 'Now make it more concise' or 'Give me 3 examples'</a:t>
-            </a:r>
-          </a:p>
-          <a:p>
-            <a:pPr>
-              <a:spcAft>
-                <a:spcPts val="1000"/>
-              </a:spcAft>
-              <a:defRPr sz="2200">
-                <a:solidFill>
-                  <a:srgbClr val="333333"/>
+              </a:rPr>
+              <a:t>5️⃣ Find a hallucination — ask AI about a niche topic you know well</a:t>
+            </a:r>
+          </a:p>
+        </p:txBody>
+      </p:sp>
+    </p:spTree>
+  </p:cSld>
+  <p:clrMapOvr>
+    <a:masterClrMapping/>
+  </p:clrMapOvr>
+</p:sld>
+</file>
+
+<file path=ppt/slides/slide19.xml><?xml version="1.0" encoding="utf-8"?>
+<p:sld xmlns:a="http://schemas.openxmlformats.org/drawingml/2006/main" xmlns:p="http://schemas.openxmlformats.org/presentationml/2006/main" xmlns:r="http://schemas.openxmlformats.org/officeDocument/2006/relationships">
+  <p:cSld>
+    <p:bg>
+      <p:bgPr>
+        <a:solidFill>
+          <a:srgbClr val="1B2A4A"/>
+        </a:solidFill>
+        <a:effectLst/>
+      </p:bgPr>
+    </p:bg>
+    <p:spTree>
+      <p:nvGrpSpPr>
+        <p:cNvPr id="1" name=""/>
+        <p:cNvGrpSpPr/>
+        <p:nvPr/>
+      </p:nvGrpSpPr>
+      <p:grpSpPr/>
+      <p:sp>
+        <p:nvSpPr>
+          <p:cNvPr id="2" name="TextBox 1"/>
+          <p:cNvSpPr txBox="1"/>
+          <p:nvPr/>
+        </p:nvSpPr>
+        <p:spPr>
+          <a:xfrm>
+            <a:off x="914400" y="2011680"/>
+            <a:ext cx="10362895" cy="1828800"/>
+          </a:xfrm>
+          <a:prstGeom prst="rect">
+            <a:avLst/>
+          </a:prstGeom>
+          <a:noFill/>
+        </p:spPr>
+        <p:txBody>
+          <a:bodyPr wrap="square">
+            <a:spAutoFit/>
+          </a:bodyPr>
+          <a:lstStyle/>
+          <a:p>
+            <a:pPr algn="ctr"/>
+            <a:r>
+              <a:rPr sz="4400" b="1">
+                <a:solidFill>
+                  <a:srgbClr val="FFFFFF"/>
                 </a:solidFill>
                 <a:latin typeface="Calibri"/>
-              </a:defRPr>
-            </a:pPr>
-            <a:r>
-              <a:t>Notice how they handle conversation differently</a:t>
+              </a:rPr>
+              <a:t>Part 6: Getting Ready for OpenClaw</a:t>
+            </a:r>
+          </a:p>
+          <a:p>
+            <a:pPr algn="ctr"/>
+            <a:r>
+              <a:rPr sz="2400">
+                <a:solidFill>
+                  <a:srgbClr val="0096D6"/>
+                </a:solidFill>
+                <a:latin typeface="Calibri"/>
+              </a:rPr>
+              <a:t>Terminal basics &amp; setup</a:t>
             </a:r>
           </a:p>
         </p:txBody>
@@ -7079,7 +7046,7 @@
         <p:spPr>
           <a:xfrm>
             <a:off x="914400" y="2011680"/>
-            <a:ext cx="10362895" cy="1371600"/>
+            <a:ext cx="10362895" cy="1828800"/>
           </a:xfrm>
           <a:prstGeom prst="rect">
             <a:avLst/>
@@ -7092,28 +7059,26 @@
           </a:bodyPr>
           <a:lstStyle/>
           <a:p>
-            <a:pPr algn="ctr">
-              <a:defRPr sz="4400" b="1">
+            <a:pPr algn="ctr"/>
+            <a:r>
+              <a:rPr sz="4400" b="1">
                 <a:solidFill>
                   <a:srgbClr val="FFFFFF"/>
                 </a:solidFill>
                 <a:latin typeface="Calibri"/>
-              </a:defRPr>
-            </a:pPr>
-            <a:r>
+              </a:rPr>
               <a:t>Part 1: The Landscape</a:t>
             </a:r>
           </a:p>
           <a:p>
-            <a:pPr algn="ctr">
-              <a:defRPr sz="2200">
+            <a:pPr algn="ctr"/>
+            <a:r>
+              <a:rPr sz="2400">
                 <a:solidFill>
                   <a:srgbClr val="0096D6"/>
                 </a:solidFill>
                 <a:latin typeface="Calibri"/>
-              </a:defRPr>
-            </a:pPr>
-            <a:r>
+              </a:rPr>
               <a:t>There's more than ChatGPT</a:t>
             </a:r>
           </a:p>
@@ -7146,13 +7111,13 @@
         <p:spPr>
           <a:xfrm>
             <a:off x="0" y="0"/>
-            <a:ext cx="12191695" cy="1097280"/>
+            <a:ext cx="12191695" cy="73152"/>
           </a:xfrm>
           <a:prstGeom prst="rect">
             <a:avLst/>
           </a:prstGeom>
           <a:solidFill>
-            <a:srgbClr val="1B2A4A"/>
+            <a:srgbClr val="0096D6"/>
           </a:solidFill>
           <a:ln>
             <a:noFill/>
@@ -7173,20 +7138,10 @@
           </a:fontRef>
         </p:style>
         <p:txBody>
-          <a:bodyPr rtlCol="0" anchor="ctr" tIns="203200" lIns="508000"/>
-          <a:lstStyle/>
-          <a:p>
-            <a:pPr algn="ctr">
-              <a:defRPr sz="3200" b="1">
-                <a:solidFill>
-                  <a:srgbClr val="FFFFFF"/>
-                </a:solidFill>
-                <a:latin typeface="Calibri"/>
-              </a:defRPr>
-            </a:pPr>
-            <a:r>
-              <a:t>Exercise 2: Same Task, Three AIs</a:t>
-            </a:r>
+          <a:bodyPr rtlCol="0" anchor="ctr"/>
+          <a:lstStyle/>
+          <a:p>
+            <a:pPr algn="ctr"/>
           </a:p>
         </p:txBody>
       </p:sp>
@@ -7198,8 +7153,8 @@
         </p:nvSpPr>
         <p:spPr>
           <a:xfrm>
-            <a:off x="731520" y="1463040"/>
-            <a:ext cx="10515600" cy="4937760"/>
+            <a:off x="548640" y="274320"/>
+            <a:ext cx="10972800" cy="731520"/>
           </a:xfrm>
           <a:prstGeom prst="rect">
             <a:avLst/>
@@ -7207,6 +7162,40 @@
           <a:noFill/>
         </p:spPr>
         <p:txBody>
+          <a:bodyPr wrap="none">
+            <a:spAutoFit/>
+          </a:bodyPr>
+          <a:lstStyle/>
+          <a:p>
+            <a:r>
+              <a:rPr sz="3200" b="1">
+                <a:solidFill>
+                  <a:srgbClr val="1B2A4A"/>
+                </a:solidFill>
+                <a:latin typeface="Calibri"/>
+              </a:rPr>
+              <a:t>What is a Markdown File?</a:t>
+            </a:r>
+          </a:p>
+        </p:txBody>
+      </p:sp>
+      <p:sp>
+        <p:nvSpPr>
+          <p:cNvPr id="4" name="TextBox 3"/>
+          <p:cNvSpPr txBox="1"/>
+          <p:nvPr/>
+        </p:nvSpPr>
+        <p:spPr>
+          <a:xfrm>
+            <a:off x="731520" y="1280160"/>
+            <a:ext cx="10515600" cy="5029200"/>
+          </a:xfrm>
+          <a:prstGeom prst="rect">
+            <a:avLst/>
+          </a:prstGeom>
+          <a:noFill/>
+        </p:spPr>
+        <p:txBody>
           <a:bodyPr wrap="square">
             <a:spAutoFit/>
           </a:bodyPr>
@@ -7216,15 +7205,15 @@
               <a:spcAft>
                 <a:spcPts val="1000"/>
               </a:spcAft>
-              <a:defRPr sz="2200">
-                <a:solidFill>
-                  <a:srgbClr val="333333"/>
+            </a:pPr>
+            <a:r>
+              <a:rPr sz="2200">
+                <a:solidFill>
+                  <a:srgbClr val="202020"/>
                 </a:solidFill>
                 <a:latin typeface="Calibri"/>
-              </a:defRPr>
-            </a:pPr>
-            <a:r>
-              <a:t>Pick a real task: draft an email, summarize a concept, plan a trip</a:t>
+              </a:rPr>
+              <a:t>📝 Plain text with simple formatting: # headings, **bold**, - lists</a:t>
             </a:r>
           </a:p>
           <a:p>
@@ -7232,15 +7221,15 @@
               <a:spcAft>
                 <a:spcPts val="1000"/>
               </a:spcAft>
-              <a:defRPr sz="2200">
-                <a:solidFill>
-                  <a:srgbClr val="333333"/>
+            </a:pPr>
+            <a:r>
+              <a:rPr sz="2200">
+                <a:solidFill>
+                  <a:srgbClr val="202020"/>
                 </a:solidFill>
                 <a:latin typeface="Calibri"/>
-              </a:defRPr>
-            </a:pPr>
-            <a:r>
-              <a:t>Send the EXACT same prompt to ChatGPT, Claude, and Gemini</a:t>
+              </a:rPr>
+              <a:t>💡 Why AI tools love it: lightweight, no proprietary format</a:t>
             </a:r>
           </a:p>
           <a:p>
@@ -7248,15 +7237,15 @@
               <a:spcAft>
                 <a:spcPts val="1000"/>
               </a:spcAft>
-              <a:defRPr sz="2200">
-                <a:solidFill>
-                  <a:srgbClr val="333333"/>
+            </a:pPr>
+            <a:r>
+              <a:rPr sz="2200">
+                <a:solidFill>
+                  <a:srgbClr val="202020"/>
                 </a:solidFill>
                 <a:latin typeface="Calibri"/>
-              </a:defRPr>
-            </a:pPr>
-            <a:r>
-              <a:t>Score each on: accuracy, tone, usefulness, format</a:t>
+              </a:rPr>
+              <a:t>📄 Files end in .md — you can edit in any text editor</a:t>
             </a:r>
           </a:p>
           <a:p>
@@ -7264,15 +7253,15 @@
               <a:spcAft>
                 <a:spcPts val="1000"/>
               </a:spcAft>
-              <a:defRPr sz="2200">
-                <a:solidFill>
-                  <a:srgbClr val="333333"/>
+            </a:pPr>
+            <a:r>
+              <a:rPr sz="2200">
+                <a:solidFill>
+                  <a:srgbClr val="202020"/>
                 </a:solidFill>
                 <a:latin typeface="Calibri"/>
-              </a:defRPr>
-            </a:pPr>
-            <a:r>
-              <a:t>Which would you actually use? Why?</a:t>
+              </a:rPr>
+              <a:t>🔧 Used everywhere: GitHub, documentation, OpenClaw config</a:t>
             </a:r>
           </a:p>
           <a:p>
@@ -7280,15 +7269,15 @@
               <a:spcAft>
                 <a:spcPts val="1000"/>
               </a:spcAft>
-              <a:defRPr sz="2200">
-                <a:solidFill>
-                  <a:srgbClr val="333333"/>
+            </a:pPr>
+            <a:r>
+              <a:rPr sz="2200">
+                <a:solidFill>
+                  <a:srgbClr val="202020"/>
                 </a:solidFill>
                 <a:latin typeface="Calibri"/>
-              </a:defRPr>
-            </a:pPr>
-            <a:r>
-              <a:t>Try: 'Write a 100-word email to a client explaining a 2-week delay'</a:t>
+              </a:rPr>
+              <a:t>✅ You already know it — this cheat sheet is written in Markdown!</a:t>
             </a:r>
           </a:p>
         </p:txBody>
@@ -7320,13 +7309,13 @@
         <p:spPr>
           <a:xfrm>
             <a:off x="0" y="0"/>
-            <a:ext cx="12191695" cy="1097280"/>
+            <a:ext cx="12191695" cy="73152"/>
           </a:xfrm>
           <a:prstGeom prst="rect">
             <a:avLst/>
           </a:prstGeom>
           <a:solidFill>
-            <a:srgbClr val="1B2A4A"/>
+            <a:srgbClr val="0096D6"/>
           </a:solidFill>
           <a:ln>
             <a:noFill/>
@@ -7347,20 +7336,10 @@
           </a:fontRef>
         </p:style>
         <p:txBody>
-          <a:bodyPr rtlCol="0" anchor="ctr" tIns="203200" lIns="508000"/>
-          <a:lstStyle/>
-          <a:p>
-            <a:pPr algn="ctr">
-              <a:defRPr sz="3200" b="1">
-                <a:solidFill>
-                  <a:srgbClr val="FFFFFF"/>
-                </a:solidFill>
-                <a:latin typeface="Calibri"/>
-              </a:defRPr>
-            </a:pPr>
-            <a:r>
-              <a:t>Exercise 3: Upload a Document + Image</a:t>
-            </a:r>
+          <a:bodyPr rtlCol="0" anchor="ctr"/>
+          <a:lstStyle/>
+          <a:p>
+            <a:pPr algn="ctr"/>
           </a:p>
         </p:txBody>
       </p:sp>
@@ -7372,8 +7351,8 @@
         </p:nvSpPr>
         <p:spPr>
           <a:xfrm>
-            <a:off x="731520" y="1463040"/>
-            <a:ext cx="10515600" cy="4937760"/>
+            <a:off x="548640" y="274320"/>
+            <a:ext cx="10972800" cy="731520"/>
           </a:xfrm>
           <a:prstGeom prst="rect">
             <a:avLst/>
@@ -7381,92 +7360,526 @@
           <a:noFill/>
         </p:spPr>
         <p:txBody>
-          <a:bodyPr wrap="square">
+          <a:bodyPr wrap="none">
             <a:spAutoFit/>
           </a:bodyPr>
           <a:lstStyle/>
           <a:p>
-            <a:pPr>
-              <a:spcAft>
-                <a:spcPts val="1000"/>
-              </a:spcAft>
-              <a:defRPr sz="2200">
-                <a:solidFill>
-                  <a:srgbClr val="333333"/>
+            <a:r>
+              <a:rPr sz="3200" b="1">
+                <a:solidFill>
+                  <a:srgbClr val="1B2A4A"/>
                 </a:solidFill>
                 <a:latin typeface="Calibri"/>
-              </a:defRPr>
-            </a:pPr>
-            <a:r>
-              <a:t>Upload a PDF, Word doc, or photo to Claude or Gemini</a:t>
-            </a:r>
-          </a:p>
-          <a:p>
-            <a:pPr>
-              <a:spcAft>
-                <a:spcPts val="1000"/>
-              </a:spcAft>
-              <a:defRPr sz="2200">
-                <a:solidFill>
-                  <a:srgbClr val="333333"/>
-                </a:solidFill>
-                <a:latin typeface="Calibri"/>
-              </a:defRPr>
-            </a:pPr>
-            <a:r>
-              <a:t>Ask: 'Summarize this document in 5 bullet points'</a:t>
-            </a:r>
-          </a:p>
-          <a:p>
-            <a:pPr>
-              <a:spcAft>
-                <a:spcPts val="1000"/>
-              </a:spcAft>
-              <a:defRPr sz="2200">
-                <a:solidFill>
-                  <a:srgbClr val="333333"/>
-                </a:solidFill>
-                <a:latin typeface="Calibri"/>
-              </a:defRPr>
-            </a:pPr>
-            <a:r>
-              <a:t>Ask: 'What are the main issues or concerns in this document?'</a:t>
-            </a:r>
-          </a:p>
-          <a:p>
-            <a:pPr>
-              <a:spcAft>
-                <a:spcPts val="1000"/>
-              </a:spcAft>
-              <a:defRPr sz="2200">
-                <a:solidFill>
-                  <a:srgbClr val="333333"/>
-                </a:solidFill>
-                <a:latin typeface="Calibri"/>
-              </a:defRPr>
-            </a:pPr>
-            <a:r>
-              <a:t>Try uploading a photo: 'What's in this image? Describe everything.'</a:t>
-            </a:r>
-          </a:p>
-          <a:p>
-            <a:pPr>
-              <a:spcAft>
-                <a:spcPts val="1000"/>
-              </a:spcAft>
-              <a:defRPr sz="2200">
-                <a:solidFill>
-                  <a:srgbClr val="333333"/>
-                </a:solidFill>
-                <a:latin typeface="Calibri"/>
-              </a:defRPr>
-            </a:pPr>
-            <a:r>
-              <a:t>This is where AI becomes a real productivity tool</a:t>
-            </a:r>
-          </a:p>
-        </p:txBody>
-      </p:sp>
+              </a:rPr>
+              <a:t>Linux Survival Kit</a:t>
+            </a:r>
+          </a:p>
+        </p:txBody>
+      </p:sp>
+      <p:graphicFrame>
+        <p:nvGraphicFramePr>
+          <p:cNvPr id="4" name="Table 3"/>
+          <p:cNvGraphicFramePr>
+            <a:graphicFrameLocks noGrp="1"/>
+          </p:cNvGraphicFramePr>
+          <p:nvPr/>
+        </p:nvGraphicFramePr>
+        <p:xfrm>
+          <a:off x="822960" y="1280160"/>
+          <a:ext cx="10515600" cy="3520440"/>
+        </p:xfrm>
+        <a:graphic>
+          <a:graphicData uri="http://schemas.openxmlformats.org/drawingml/2006/table">
+            <a:tbl>
+              <a:tblPr firstRow="1" bandRow="1">
+                <a:tableStyleId>{5C22544A-7EE6-4342-B048-85BDC9FD1C3A}</a:tableStyleId>
+              </a:tblPr>
+              <a:tblGrid>
+                <a:gridCol w="3505200"/>
+                <a:gridCol w="3505200"/>
+                <a:gridCol w="3505200"/>
+              </a:tblGrid>
+              <a:tr h="502920">
+                <a:tc>
+                  <a:txBody>
+                    <a:bodyPr/>
+                    <a:lstStyle/>
+                    <a:p>
+                      <a:r>
+                        <a:rPr sz="1800" b="1">
+                          <a:solidFill>
+                            <a:srgbClr val="FFFFFF"/>
+                          </a:solidFill>
+                          <a:latin typeface="Calibri"/>
+                        </a:rPr>
+                        <a:t>Command</a:t>
+                      </a:r>
+                    </a:p>
+                  </a:txBody>
+                  <a:tcPr>
+                    <a:solidFill>
+                      <a:srgbClr val="1B2A4A"/>
+                    </a:solidFill>
+                  </a:tcPr>
+                </a:tc>
+                <a:tc>
+                  <a:txBody>
+                    <a:bodyPr/>
+                    <a:lstStyle/>
+                    <a:p>
+                      <a:r>
+                        <a:rPr sz="1800" b="1">
+                          <a:solidFill>
+                            <a:srgbClr val="FFFFFF"/>
+                          </a:solidFill>
+                          <a:latin typeface="Calibri"/>
+                        </a:rPr>
+                        <a:t>What It Does</a:t>
+                      </a:r>
+                    </a:p>
+                  </a:txBody>
+                  <a:tcPr>
+                    <a:solidFill>
+                      <a:srgbClr val="1B2A4A"/>
+                    </a:solidFill>
+                  </a:tcPr>
+                </a:tc>
+                <a:tc>
+                  <a:txBody>
+                    <a:bodyPr/>
+                    <a:lstStyle/>
+                    <a:p>
+                      <a:r>
+                        <a:rPr sz="1800" b="1">
+                          <a:solidFill>
+                            <a:srgbClr val="FFFFFF"/>
+                          </a:solidFill>
+                          <a:latin typeface="Calibri"/>
+                        </a:rPr>
+                        <a:t>Example</a:t>
+                      </a:r>
+                    </a:p>
+                  </a:txBody>
+                  <a:tcPr>
+                    <a:solidFill>
+                      <a:srgbClr val="1B2A4A"/>
+                    </a:solidFill>
+                  </a:tcPr>
+                </a:tc>
+              </a:tr>
+              <a:tr h="502920">
+                <a:tc>
+                  <a:txBody>
+                    <a:bodyPr/>
+                    <a:lstStyle/>
+                    <a:p>
+                      <a:r>
+                        <a:rPr sz="1800" b="0">
+                          <a:solidFill>
+                            <a:srgbClr val="202020"/>
+                          </a:solidFill>
+                          <a:latin typeface="Calibri"/>
+                        </a:rPr>
+                        <a:t>cd</a:t>
+                      </a:r>
+                    </a:p>
+                  </a:txBody>
+                  <a:tcPr>
+                    <a:solidFill>
+                      <a:srgbClr val="FFFFFF"/>
+                    </a:solidFill>
+                  </a:tcPr>
+                </a:tc>
+                <a:tc>
+                  <a:txBody>
+                    <a:bodyPr/>
+                    <a:lstStyle/>
+                    <a:p>
+                      <a:r>
+                        <a:rPr sz="1800" b="0">
+                          <a:solidFill>
+                            <a:srgbClr val="202020"/>
+                          </a:solidFill>
+                          <a:latin typeface="Calibri"/>
+                        </a:rPr>
+                        <a:t>Change directory</a:t>
+                      </a:r>
+                    </a:p>
+                  </a:txBody>
+                  <a:tcPr>
+                    <a:solidFill>
+                      <a:srgbClr val="FFFFFF"/>
+                    </a:solidFill>
+                  </a:tcPr>
+                </a:tc>
+                <a:tc>
+                  <a:txBody>
+                    <a:bodyPr/>
+                    <a:lstStyle/>
+                    <a:p>
+                      <a:r>
+                        <a:rPr sz="1800" b="0">
+                          <a:solidFill>
+                            <a:srgbClr val="202020"/>
+                          </a:solidFill>
+                          <a:latin typeface="Calibri"/>
+                        </a:rPr>
+                        <a:t>cd ~/Documents</a:t>
+                      </a:r>
+                    </a:p>
+                  </a:txBody>
+                  <a:tcPr>
+                    <a:solidFill>
+                      <a:srgbClr val="FFFFFF"/>
+                    </a:solidFill>
+                  </a:tcPr>
+                </a:tc>
+              </a:tr>
+              <a:tr h="502920">
+                <a:tc>
+                  <a:txBody>
+                    <a:bodyPr/>
+                    <a:lstStyle/>
+                    <a:p>
+                      <a:r>
+                        <a:rPr sz="1800" b="0">
+                          <a:solidFill>
+                            <a:srgbClr val="202020"/>
+                          </a:solidFill>
+                          <a:latin typeface="Calibri"/>
+                        </a:rPr>
+                        <a:t>ls</a:t>
+                      </a:r>
+                    </a:p>
+                  </a:txBody>
+                  <a:tcPr>
+                    <a:solidFill>
+                      <a:srgbClr val="F5F7FA"/>
+                    </a:solidFill>
+                  </a:tcPr>
+                </a:tc>
+                <a:tc>
+                  <a:txBody>
+                    <a:bodyPr/>
+                    <a:lstStyle/>
+                    <a:p>
+                      <a:r>
+                        <a:rPr sz="1800" b="0">
+                          <a:solidFill>
+                            <a:srgbClr val="202020"/>
+                          </a:solidFill>
+                          <a:latin typeface="Calibri"/>
+                        </a:rPr>
+                        <a:t>List files</a:t>
+                      </a:r>
+                    </a:p>
+                  </a:txBody>
+                  <a:tcPr>
+                    <a:solidFill>
+                      <a:srgbClr val="F5F7FA"/>
+                    </a:solidFill>
+                  </a:tcPr>
+                </a:tc>
+                <a:tc>
+                  <a:txBody>
+                    <a:bodyPr/>
+                    <a:lstStyle/>
+                    <a:p>
+                      <a:r>
+                        <a:rPr sz="1800" b="0">
+                          <a:solidFill>
+                            <a:srgbClr val="202020"/>
+                          </a:solidFill>
+                          <a:latin typeface="Calibri"/>
+                        </a:rPr>
+                        <a:t>ls -la</a:t>
+                      </a:r>
+                    </a:p>
+                  </a:txBody>
+                  <a:tcPr>
+                    <a:solidFill>
+                      <a:srgbClr val="F5F7FA"/>
+                    </a:solidFill>
+                  </a:tcPr>
+                </a:tc>
+              </a:tr>
+              <a:tr h="502920">
+                <a:tc>
+                  <a:txBody>
+                    <a:bodyPr/>
+                    <a:lstStyle/>
+                    <a:p>
+                      <a:r>
+                        <a:rPr sz="1800" b="0">
+                          <a:solidFill>
+                            <a:srgbClr val="202020"/>
+                          </a:solidFill>
+                          <a:latin typeface="Calibri"/>
+                        </a:rPr>
+                        <a:t>cat</a:t>
+                      </a:r>
+                    </a:p>
+                  </a:txBody>
+                  <a:tcPr>
+                    <a:solidFill>
+                      <a:srgbClr val="FFFFFF"/>
+                    </a:solidFill>
+                  </a:tcPr>
+                </a:tc>
+                <a:tc>
+                  <a:txBody>
+                    <a:bodyPr/>
+                    <a:lstStyle/>
+                    <a:p>
+                      <a:r>
+                        <a:rPr sz="1800" b="0">
+                          <a:solidFill>
+                            <a:srgbClr val="202020"/>
+                          </a:solidFill>
+                          <a:latin typeface="Calibri"/>
+                        </a:rPr>
+                        <a:t>Show file contents</a:t>
+                      </a:r>
+                    </a:p>
+                  </a:txBody>
+                  <a:tcPr>
+                    <a:solidFill>
+                      <a:srgbClr val="FFFFFF"/>
+                    </a:solidFill>
+                  </a:tcPr>
+                </a:tc>
+                <a:tc>
+                  <a:txBody>
+                    <a:bodyPr/>
+                    <a:lstStyle/>
+                    <a:p>
+                      <a:r>
+                        <a:rPr sz="1800" b="0">
+                          <a:solidFill>
+                            <a:srgbClr val="202020"/>
+                          </a:solidFill>
+                          <a:latin typeface="Calibri"/>
+                        </a:rPr>
+                        <a:t>cat notes.md</a:t>
+                      </a:r>
+                    </a:p>
+                  </a:txBody>
+                  <a:tcPr>
+                    <a:solidFill>
+                      <a:srgbClr val="FFFFFF"/>
+                    </a:solidFill>
+                  </a:tcPr>
+                </a:tc>
+              </a:tr>
+              <a:tr h="502920">
+                <a:tc>
+                  <a:txBody>
+                    <a:bodyPr/>
+                    <a:lstStyle/>
+                    <a:p>
+                      <a:r>
+                        <a:rPr sz="1800" b="0">
+                          <a:solidFill>
+                            <a:srgbClr val="202020"/>
+                          </a:solidFill>
+                          <a:latin typeface="Calibri"/>
+                        </a:rPr>
+                        <a:t>nano</a:t>
+                      </a:r>
+                    </a:p>
+                  </a:txBody>
+                  <a:tcPr>
+                    <a:solidFill>
+                      <a:srgbClr val="F5F7FA"/>
+                    </a:solidFill>
+                  </a:tcPr>
+                </a:tc>
+                <a:tc>
+                  <a:txBody>
+                    <a:bodyPr/>
+                    <a:lstStyle/>
+                    <a:p>
+                      <a:r>
+                        <a:rPr sz="1800" b="0">
+                          <a:solidFill>
+                            <a:srgbClr val="202020"/>
+                          </a:solidFill>
+                          <a:latin typeface="Calibri"/>
+                        </a:rPr>
+                        <a:t>Simple text editor</a:t>
+                      </a:r>
+                    </a:p>
+                  </a:txBody>
+                  <a:tcPr>
+                    <a:solidFill>
+                      <a:srgbClr val="F5F7FA"/>
+                    </a:solidFill>
+                  </a:tcPr>
+                </a:tc>
+                <a:tc>
+                  <a:txBody>
+                    <a:bodyPr/>
+                    <a:lstStyle/>
+                    <a:p>
+                      <a:r>
+                        <a:rPr sz="1800" b="0">
+                          <a:solidFill>
+                            <a:srgbClr val="202020"/>
+                          </a:solidFill>
+                          <a:latin typeface="Calibri"/>
+                        </a:rPr>
+                        <a:t>nano config.yaml</a:t>
+                      </a:r>
+                    </a:p>
+                  </a:txBody>
+                  <a:tcPr>
+                    <a:solidFill>
+                      <a:srgbClr val="F5F7FA"/>
+                    </a:solidFill>
+                  </a:tcPr>
+                </a:tc>
+              </a:tr>
+              <a:tr h="502920">
+                <a:tc>
+                  <a:txBody>
+                    <a:bodyPr/>
+                    <a:lstStyle/>
+                    <a:p>
+                      <a:r>
+                        <a:rPr sz="1800" b="0">
+                          <a:solidFill>
+                            <a:srgbClr val="202020"/>
+                          </a:solidFill>
+                          <a:latin typeface="Calibri"/>
+                        </a:rPr>
+                        <a:t>pwd</a:t>
+                      </a:r>
+                    </a:p>
+                  </a:txBody>
+                  <a:tcPr>
+                    <a:solidFill>
+                      <a:srgbClr val="FFFFFF"/>
+                    </a:solidFill>
+                  </a:tcPr>
+                </a:tc>
+                <a:tc>
+                  <a:txBody>
+                    <a:bodyPr/>
+                    <a:lstStyle/>
+                    <a:p>
+                      <a:r>
+                        <a:rPr sz="1800" b="0">
+                          <a:solidFill>
+                            <a:srgbClr val="202020"/>
+                          </a:solidFill>
+                          <a:latin typeface="Calibri"/>
+                        </a:rPr>
+                        <a:t>Where am I?</a:t>
+                      </a:r>
+                    </a:p>
+                  </a:txBody>
+                  <a:tcPr>
+                    <a:solidFill>
+                      <a:srgbClr val="FFFFFF"/>
+                    </a:solidFill>
+                  </a:tcPr>
+                </a:tc>
+                <a:tc>
+                  <a:txBody>
+                    <a:bodyPr/>
+                    <a:lstStyle/>
+                    <a:p>
+                      <a:r>
+                        <a:rPr sz="1800" b="0">
+                          <a:solidFill>
+                            <a:srgbClr val="202020"/>
+                          </a:solidFill>
+                          <a:latin typeface="Calibri"/>
+                        </a:rPr>
+                        <a:t>pwd → /home/you</a:t>
+                      </a:r>
+                    </a:p>
+                  </a:txBody>
+                  <a:tcPr>
+                    <a:solidFill>
+                      <a:srgbClr val="FFFFFF"/>
+                    </a:solidFill>
+                  </a:tcPr>
+                </a:tc>
+              </a:tr>
+              <a:tr h="502920">
+                <a:tc>
+                  <a:txBody>
+                    <a:bodyPr/>
+                    <a:lstStyle/>
+                    <a:p>
+                      <a:r>
+                        <a:rPr sz="1800" b="0">
+                          <a:solidFill>
+                            <a:srgbClr val="202020"/>
+                          </a:solidFill>
+                          <a:latin typeface="Calibri"/>
+                        </a:rPr>
+                        <a:t>mkdir</a:t>
+                      </a:r>
+                    </a:p>
+                  </a:txBody>
+                  <a:tcPr>
+                    <a:solidFill>
+                      <a:srgbClr val="F5F7FA"/>
+                    </a:solidFill>
+                  </a:tcPr>
+                </a:tc>
+                <a:tc>
+                  <a:txBody>
+                    <a:bodyPr/>
+                    <a:lstStyle/>
+                    <a:p>
+                      <a:r>
+                        <a:rPr sz="1800" b="0">
+                          <a:solidFill>
+                            <a:srgbClr val="202020"/>
+                          </a:solidFill>
+                          <a:latin typeface="Calibri"/>
+                        </a:rPr>
+                        <a:t>Create a folder</a:t>
+                      </a:r>
+                    </a:p>
+                  </a:txBody>
+                  <a:tcPr>
+                    <a:solidFill>
+                      <a:srgbClr val="F5F7FA"/>
+                    </a:solidFill>
+                  </a:tcPr>
+                </a:tc>
+                <a:tc>
+                  <a:txBody>
+                    <a:bodyPr/>
+                    <a:lstStyle/>
+                    <a:p>
+                      <a:r>
+                        <a:rPr sz="1800" b="0">
+                          <a:solidFill>
+                            <a:srgbClr val="202020"/>
+                          </a:solidFill>
+                          <a:latin typeface="Calibri"/>
+                        </a:rPr>
+                        <a:t>mkdir projects</a:t>
+                      </a:r>
+                    </a:p>
+                  </a:txBody>
+                  <a:tcPr>
+                    <a:solidFill>
+                      <a:srgbClr val="F5F7FA"/>
+                    </a:solidFill>
+                  </a:tcPr>
+                </a:tc>
+              </a:tr>
+            </a:tbl>
+          </a:graphicData>
+        </a:graphic>
+      </p:graphicFrame>
     </p:spTree>
   </p:cSld>
   <p:clrMapOvr>
@@ -7478,14 +7891,6 @@
 <file path=ppt/slides/slide22.xml><?xml version="1.0" encoding="utf-8"?>
 <p:sld xmlns:a="http://schemas.openxmlformats.org/drawingml/2006/main" xmlns:p="http://schemas.openxmlformats.org/presentationml/2006/main" xmlns:r="http://schemas.openxmlformats.org/officeDocument/2006/relationships">
   <p:cSld>
-    <p:bg>
-      <p:bgPr>
-        <a:solidFill>
-          <a:srgbClr val="1B2A4A"/>
-        </a:solidFill>
-        <a:effectLst/>
-      </p:bgPr>
-    </p:bg>
     <p:spTree>
       <p:nvGrpSpPr>
         <p:cNvPr id="1" name=""/>
@@ -7495,73 +7900,6 @@
       <p:grpSpPr/>
       <p:sp>
         <p:nvSpPr>
-          <p:cNvPr id="2" name="TextBox 1"/>
-          <p:cNvSpPr txBox="1"/>
-          <p:nvPr/>
-        </p:nvSpPr>
-        <p:spPr>
-          <a:xfrm>
-            <a:off x="914400" y="2011680"/>
-            <a:ext cx="10362895" cy="1371600"/>
-          </a:xfrm>
-          <a:prstGeom prst="rect">
-            <a:avLst/>
-          </a:prstGeom>
-          <a:noFill/>
-        </p:spPr>
-        <p:txBody>
-          <a:bodyPr wrap="square">
-            <a:spAutoFit/>
-          </a:bodyPr>
-          <a:lstStyle/>
-          <a:p>
-            <a:pPr algn="ctr">
-              <a:defRPr sz="4400" b="1">
-                <a:solidFill>
-                  <a:srgbClr val="FFFFFF"/>
-                </a:solidFill>
-                <a:latin typeface="Calibri"/>
-              </a:defRPr>
-            </a:pPr>
-            <a:r>
-              <a:t>Part 6: Getting Ready for OpenClaw</a:t>
-            </a:r>
-          </a:p>
-          <a:p>
-            <a:pPr algn="ctr">
-              <a:defRPr sz="2200">
-                <a:solidFill>
-                  <a:srgbClr val="0096D6"/>
-                </a:solidFill>
-                <a:latin typeface="Calibri"/>
-              </a:defRPr>
-            </a:pPr>
-            <a:r>
-              <a:t>Markdown, Linux basics, and setup</a:t>
-            </a:r>
-          </a:p>
-        </p:txBody>
-      </p:sp>
-    </p:spTree>
-  </p:cSld>
-  <p:clrMapOvr>
-    <a:masterClrMapping/>
-  </p:clrMapOvr>
-</p:sld>
-</file>
-
-<file path=ppt/slides/slide23.xml><?xml version="1.0" encoding="utf-8"?>
-<p:sld xmlns:a="http://schemas.openxmlformats.org/drawingml/2006/main" xmlns:p="http://schemas.openxmlformats.org/presentationml/2006/main" xmlns:r="http://schemas.openxmlformats.org/officeDocument/2006/relationships">
-  <p:cSld>
-    <p:spTree>
-      <p:nvGrpSpPr>
-        <p:cNvPr id="1" name=""/>
-        <p:cNvGrpSpPr/>
-        <p:nvPr/>
-      </p:nvGrpSpPr>
-      <p:grpSpPr/>
-      <p:sp>
-        <p:nvSpPr>
           <p:cNvPr id="2" name="Rectangle 1"/>
           <p:cNvSpPr/>
           <p:nvPr/>
@@ -7569,13 +7907,13 @@
         <p:spPr>
           <a:xfrm>
             <a:off x="0" y="0"/>
-            <a:ext cx="12191695" cy="1097280"/>
+            <a:ext cx="12191695" cy="73152"/>
           </a:xfrm>
           <a:prstGeom prst="rect">
             <a:avLst/>
           </a:prstGeom>
           <a:solidFill>
-            <a:srgbClr val="1B2A4A"/>
+            <a:srgbClr val="0096D6"/>
           </a:solidFill>
           <a:ln>
             <a:noFill/>
@@ -7596,20 +7934,10 @@
           </a:fontRef>
         </p:style>
         <p:txBody>
-          <a:bodyPr rtlCol="0" anchor="ctr" tIns="203200" lIns="508000"/>
-          <a:lstStyle/>
-          <a:p>
-            <a:pPr algn="ctr">
-              <a:defRPr sz="3200" b="1">
-                <a:solidFill>
-                  <a:srgbClr val="FFFFFF"/>
-                </a:solidFill>
-                <a:latin typeface="Calibri"/>
-              </a:defRPr>
-            </a:pPr>
-            <a:r>
-              <a:t>What Is Markdown? (And Why AI Loves It)</a:t>
-            </a:r>
+          <a:bodyPr rtlCol="0" anchor="ctr"/>
+          <a:lstStyle/>
+          <a:p>
+            <a:pPr algn="ctr"/>
           </a:p>
         </p:txBody>
       </p:sp>
@@ -7621,8 +7949,8 @@
         </p:nvSpPr>
         <p:spPr>
           <a:xfrm>
-            <a:off x="731520" y="1463040"/>
-            <a:ext cx="10515600" cy="4937760"/>
+            <a:off x="548640" y="274320"/>
+            <a:ext cx="10972800" cy="731520"/>
           </a:xfrm>
           <a:prstGeom prst="rect">
             <a:avLst/>
@@ -7630,6 +7958,40 @@
           <a:noFill/>
         </p:spPr>
         <p:txBody>
+          <a:bodyPr wrap="none">
+            <a:spAutoFit/>
+          </a:bodyPr>
+          <a:lstStyle/>
+          <a:p>
+            <a:r>
+              <a:rPr sz="3200" b="1">
+                <a:solidFill>
+                  <a:srgbClr val="1B2A4A"/>
+                </a:solidFill>
+                <a:latin typeface="Calibri"/>
+              </a:rPr>
+              <a:t>Meet OpenClaw — Live Demo</a:t>
+            </a:r>
+          </a:p>
+        </p:txBody>
+      </p:sp>
+      <p:sp>
+        <p:nvSpPr>
+          <p:cNvPr id="4" name="TextBox 3"/>
+          <p:cNvSpPr txBox="1"/>
+          <p:nvPr/>
+        </p:nvSpPr>
+        <p:spPr>
+          <a:xfrm>
+            <a:off x="731520" y="1280160"/>
+            <a:ext cx="10515600" cy="5029200"/>
+          </a:xfrm>
+          <a:prstGeom prst="rect">
+            <a:avLst/>
+          </a:prstGeom>
+          <a:noFill/>
+        </p:spPr>
+        <p:txBody>
           <a:bodyPr wrap="square">
             <a:spAutoFit/>
           </a:bodyPr>
@@ -7639,15 +8001,15 @@
               <a:spcAft>
                 <a:spcPts val="1000"/>
               </a:spcAft>
-              <a:defRPr sz="2200">
-                <a:solidFill>
-                  <a:srgbClr val="333333"/>
+            </a:pPr>
+            <a:r>
+              <a:rPr sz="2200">
+                <a:solidFill>
+                  <a:srgbClr val="202020"/>
                 </a:solidFill>
                 <a:latin typeface="Calibri"/>
-              </a:defRPr>
-            </a:pPr>
-            <a:r>
-              <a:t>Plain text with simple formatting: # heading, **bold**, - bullet</a:t>
+              </a:rPr>
+              <a:t>🤖 One app → access ALL AI models (ChatGPT, Claude, Gemini)</a:t>
             </a:r>
           </a:p>
           <a:p>
@@ -7655,15 +8017,15 @@
               <a:spcAft>
                 <a:spcPts val="1000"/>
               </a:spcAft>
-              <a:defRPr sz="2200">
-                <a:solidFill>
-                  <a:srgbClr val="333333"/>
+            </a:pPr>
+            <a:r>
+              <a:rPr sz="2200">
+                <a:solidFill>
+                  <a:srgbClr val="202020"/>
                 </a:solidFill>
                 <a:latin typeface="Calibri"/>
-              </a:defRPr>
-            </a:pPr>
-            <a:r>
-              <a:t>Every AI reads and writes Markdown natively</a:t>
+              </a:rPr>
+              <a:t>💬 Works on phone, desktop, Discord, terminal</a:t>
             </a:r>
           </a:p>
           <a:p>
@@ -7671,15 +8033,15 @@
               <a:spcAft>
                 <a:spcPts val="1000"/>
               </a:spcAft>
-              <a:defRPr sz="2200">
-                <a:solidFill>
-                  <a:srgbClr val="333333"/>
+            </a:pPr>
+            <a:r>
+              <a:rPr sz="2200">
+                <a:solidFill>
+                  <a:srgbClr val="202020"/>
                 </a:solidFill>
                 <a:latin typeface="Calibri"/>
-              </a:defRPr>
-            </a:pPr>
-            <a:r>
-              <a:t>OpenClaw's config files, notes, and outputs use Markdown</a:t>
+              </a:rPr>
+              <a:t>🔄 Switch models mid-conversation</a:t>
             </a:r>
           </a:p>
           <a:p>
@@ -7687,15 +8049,15 @@
               <a:spcAft>
                 <a:spcPts val="1000"/>
               </a:spcAft>
-              <a:defRPr sz="2200">
-                <a:solidFill>
-                  <a:srgbClr val="333333"/>
+            </a:pPr>
+            <a:r>
+              <a:rPr sz="2200">
+                <a:solidFill>
+                  <a:srgbClr val="202020"/>
                 </a:solidFill>
                 <a:latin typeface="Calibri"/>
-              </a:defRPr>
-            </a:pPr>
-            <a:r>
-              <a:t>You're already reading it — this cheat sheet is Markdown!</a:t>
+              </a:rPr>
+              <a:t>💰 See exact costs (API) or use your subscription (OAuth)</a:t>
             </a:r>
           </a:p>
           <a:p>
@@ -7703,31 +8065,15 @@
               <a:spcAft>
                 <a:spcPts val="1000"/>
               </a:spcAft>
-              <a:defRPr sz="2200">
-                <a:solidFill>
-                  <a:srgbClr val="333333"/>
+            </a:pPr>
+            <a:r>
+              <a:rPr sz="2200">
+                <a:solidFill>
+                  <a:srgbClr val="202020"/>
                 </a:solidFill>
                 <a:latin typeface="Calibri"/>
-              </a:defRPr>
-            </a:pPr>
-            <a:r>
-              <a:t>No special software needed — any text editor works</a:t>
-            </a:r>
-          </a:p>
-          <a:p>
-            <a:pPr>
-              <a:spcAft>
-                <a:spcPts val="1000"/>
-              </a:spcAft>
-              <a:defRPr sz="2200">
-                <a:solidFill>
-                  <a:srgbClr val="333333"/>
-                </a:solidFill>
-                <a:latin typeface="Calibri"/>
-              </a:defRPr>
-            </a:pPr>
-            <a:r>
-              <a:t>Learn 5 symbols and you're fluent: # * - ** ``</a:t>
+              </a:rPr>
+              <a:t>🛠️ Extensible: tools, agents, automations</a:t>
             </a:r>
           </a:p>
         </p:txBody>
@@ -7740,7 +8086,7 @@
 </p:sld>
 </file>
 
-<file path=ppt/slides/slide24.xml><?xml version="1.0" encoding="utf-8"?>
+<file path=ppt/slides/slide23.xml><?xml version="1.0" encoding="utf-8"?>
 <p:sld xmlns:a="http://schemas.openxmlformats.org/drawingml/2006/main" xmlns:p="http://schemas.openxmlformats.org/presentationml/2006/main" xmlns:r="http://schemas.openxmlformats.org/officeDocument/2006/relationships">
   <p:cSld>
     <p:spTree>
@@ -7759,13 +8105,13 @@
         <p:spPr>
           <a:xfrm>
             <a:off x="0" y="0"/>
-            <a:ext cx="12191695" cy="1097280"/>
+            <a:ext cx="12191695" cy="73152"/>
           </a:xfrm>
           <a:prstGeom prst="rect">
             <a:avLst/>
           </a:prstGeom>
           <a:solidFill>
-            <a:srgbClr val="1B2A4A"/>
+            <a:srgbClr val="0096D6"/>
           </a:solidFill>
           <a:ln>
             <a:noFill/>
@@ -7786,20 +8132,10 @@
           </a:fontRef>
         </p:style>
         <p:txBody>
-          <a:bodyPr rtlCol="0" anchor="ctr" tIns="203200" lIns="508000"/>
-          <a:lstStyle/>
-          <a:p>
-            <a:pPr algn="ctr">
-              <a:defRPr sz="3200" b="1">
-                <a:solidFill>
-                  <a:srgbClr val="FFFFFF"/>
-                </a:solidFill>
-                <a:latin typeface="Calibri"/>
-              </a:defRPr>
-            </a:pPr>
-            <a:r>
-              <a:t>Linux Survival Kit: Terminal Basics</a:t>
-            </a:r>
+          <a:bodyPr rtlCol="0" anchor="ctr"/>
+          <a:lstStyle/>
+          <a:p>
+            <a:pPr algn="ctr"/>
           </a:p>
         </p:txBody>
       </p:sp>
@@ -7811,8 +8147,8 @@
         </p:nvSpPr>
         <p:spPr>
           <a:xfrm>
-            <a:off x="731520" y="1463040"/>
-            <a:ext cx="10515600" cy="4937760"/>
+            <a:off x="548640" y="274320"/>
+            <a:ext cx="10972800" cy="731520"/>
           </a:xfrm>
           <a:prstGeom prst="rect">
             <a:avLst/>
@@ -7820,6 +8156,40 @@
           <a:noFill/>
         </p:spPr>
         <p:txBody>
+          <a:bodyPr wrap="none">
+            <a:spAutoFit/>
+          </a:bodyPr>
+          <a:lstStyle/>
+          <a:p>
+            <a:r>
+              <a:rPr sz="3200" b="1">
+                <a:solidFill>
+                  <a:srgbClr val="1B2A4A"/>
+                </a:solidFill>
+                <a:latin typeface="Calibri"/>
+              </a:rPr>
+              <a:t>OpenClaw Setup Guide</a:t>
+            </a:r>
+          </a:p>
+        </p:txBody>
+      </p:sp>
+      <p:sp>
+        <p:nvSpPr>
+          <p:cNvPr id="4" name="TextBox 3"/>
+          <p:cNvSpPr txBox="1"/>
+          <p:nvPr/>
+        </p:nvSpPr>
+        <p:spPr>
+          <a:xfrm>
+            <a:off x="548640" y="1280160"/>
+            <a:ext cx="5303520" cy="5029200"/>
+          </a:xfrm>
+          <a:prstGeom prst="rect">
+            <a:avLst/>
+          </a:prstGeom>
+          <a:noFill/>
+        </p:spPr>
+        <p:txBody>
           <a:bodyPr wrap="square">
             <a:spAutoFit/>
           </a:bodyPr>
@@ -7827,97 +8197,223 @@
           <a:p>
             <a:pPr>
               <a:spcAft>
-                <a:spcPts val="1000"/>
+                <a:spcPts val="800"/>
               </a:spcAft>
-              <a:defRPr sz="2200">
-                <a:solidFill>
-                  <a:srgbClr val="333333"/>
+            </a:pPr>
+            <a:r>
+              <a:rPr sz="2000">
+                <a:solidFill>
+                  <a:srgbClr val="202020"/>
                 </a:solidFill>
                 <a:latin typeface="Calibri"/>
-              </a:defRPr>
-            </a:pPr>
-            <a:r>
-              <a:t>cd folder — change directory  •  cd .. — go up one level</a:t>
+              </a:rPr>
+              <a:t>🍎 macOS:</a:t>
             </a:r>
           </a:p>
           <a:p>
             <a:pPr>
               <a:spcAft>
-                <a:spcPts val="1000"/>
+                <a:spcPts val="800"/>
               </a:spcAft>
-              <a:defRPr sz="2200">
-                <a:solidFill>
-                  <a:srgbClr val="333333"/>
+            </a:pPr>
+            <a:r>
+              <a:rPr sz="2000">
+                <a:solidFill>
+                  <a:srgbClr val="202020"/>
                 </a:solidFill>
                 <a:latin typeface="Calibri"/>
-              </a:defRPr>
-            </a:pPr>
-            <a:r>
-              <a:t>ls — list files  •  ls -la — list with details</a:t>
+              </a:rPr>
+              <a:t>  brew install node</a:t>
             </a:r>
           </a:p>
           <a:p>
             <a:pPr>
               <a:spcAft>
-                <a:spcPts val="1000"/>
+                <a:spcPts val="800"/>
               </a:spcAft>
-              <a:defRPr sz="2200">
-                <a:solidFill>
-                  <a:srgbClr val="333333"/>
+            </a:pPr>
+            <a:r>
+              <a:rPr sz="2000">
+                <a:solidFill>
+                  <a:srgbClr val="202020"/>
                 </a:solidFill>
                 <a:latin typeface="Calibri"/>
-              </a:defRPr>
-            </a:pPr>
-            <a:r>
-              <a:t>cat file.txt — display file contents</a:t>
+              </a:rPr>
+              <a:t>  npm i -g openclaw</a:t>
             </a:r>
           </a:p>
           <a:p>
             <a:pPr>
               <a:spcAft>
-                <a:spcPts val="1000"/>
+                <a:spcPts val="800"/>
               </a:spcAft>
-              <a:defRPr sz="2200">
-                <a:solidFill>
-                  <a:srgbClr val="333333"/>
+            </a:pPr>
+            <a:r>
+              <a:rPr sz="2000">
+                <a:solidFill>
+                  <a:srgbClr val="202020"/>
                 </a:solidFill>
                 <a:latin typeface="Calibri"/>
-              </a:defRPr>
-            </a:pPr>
-            <a:r>
-              <a:t>nano file.txt — simple text editor (Ctrl+O save, Ctrl+X exit)</a:t>
+              </a:rPr>
+              <a:t>  openclaw setup</a:t>
             </a:r>
           </a:p>
           <a:p>
             <a:pPr>
               <a:spcAft>
-                <a:spcPts val="1000"/>
+                <a:spcPts val="800"/>
               </a:spcAft>
-              <a:defRPr sz="2200">
-                <a:solidFill>
-                  <a:srgbClr val="333333"/>
-                </a:solidFill>
-                <a:latin typeface="Calibri"/>
-              </a:defRPr>
             </a:pPr>
-            <a:r>
-              <a:t>pwd — where am I?  •  clear — clean up the screen</a:t>
-            </a:r>
           </a:p>
           <a:p>
             <a:pPr>
               <a:spcAft>
-                <a:spcPts val="1000"/>
+                <a:spcPts val="800"/>
               </a:spcAft>
-              <a:defRPr sz="2200">
-                <a:solidFill>
-                  <a:srgbClr val="333333"/>
+            </a:pPr>
+            <a:r>
+              <a:rPr sz="2000">
+                <a:solidFill>
+                  <a:srgbClr val="202020"/>
                 </a:solidFill>
                 <a:latin typeface="Calibri"/>
-              </a:defRPr>
+              </a:rPr>
+              <a:t>Choose auth: OAuth or API Key</a:t>
+            </a:r>
+          </a:p>
+        </p:txBody>
+      </p:sp>
+      <p:sp>
+        <p:nvSpPr>
+          <p:cNvPr id="5" name="TextBox 4"/>
+          <p:cNvSpPr txBox="1"/>
+          <p:nvPr/>
+        </p:nvSpPr>
+        <p:spPr>
+          <a:xfrm>
+            <a:off x="6217920" y="1280160"/>
+            <a:ext cx="5303520" cy="5029200"/>
+          </a:xfrm>
+          <a:prstGeom prst="rect">
+            <a:avLst/>
+          </a:prstGeom>
+          <a:noFill/>
+        </p:spPr>
+        <p:txBody>
+          <a:bodyPr wrap="square">
+            <a:spAutoFit/>
+          </a:bodyPr>
+          <a:lstStyle/>
+          <a:p>
+            <a:pPr>
+              <a:spcAft>
+                <a:spcPts val="800"/>
+              </a:spcAft>
             </a:pPr>
             <a:r>
-              <a:t>Tab key = autocomplete  •  ↑ arrow = previous command</a:t>
+              <a:rPr sz="2000">
+                <a:solidFill>
+                  <a:srgbClr val="202020"/>
+                </a:solidFill>
+                <a:latin typeface="Calibri"/>
+              </a:rPr>
+              <a:t>🪟 Windows (PowerShell Admin):</a:t>
+            </a:r>
+          </a:p>
+          <a:p>
+            <a:pPr>
+              <a:spcAft>
+                <a:spcPts val="800"/>
+              </a:spcAft>
+            </a:pPr>
+            <a:r>
+              <a:rPr sz="2000">
+                <a:solidFill>
+                  <a:srgbClr val="202020"/>
+                </a:solidFill>
+                <a:latin typeface="Calibri"/>
+              </a:rPr>
+              <a:t>  wsl --install → restart</a:t>
+            </a:r>
+          </a:p>
+          <a:p>
+            <a:pPr>
+              <a:spcAft>
+                <a:spcPts val="800"/>
+              </a:spcAft>
+            </a:pPr>
+            <a:r>
+              <a:rPr sz="2000">
+                <a:solidFill>
+                  <a:srgbClr val="202020"/>
+                </a:solidFill>
+                <a:latin typeface="Calibri"/>
+              </a:rPr>
+              <a:t>  Open Ubuntu terminal:</a:t>
+            </a:r>
+          </a:p>
+          <a:p>
+            <a:pPr>
+              <a:spcAft>
+                <a:spcPts val="800"/>
+              </a:spcAft>
+            </a:pPr>
+            <a:r>
+              <a:rPr sz="2000">
+                <a:solidFill>
+                  <a:srgbClr val="202020"/>
+                </a:solidFill>
+                <a:latin typeface="Calibri"/>
+              </a:rPr>
+              <a:t>  sudo apt update &amp;&amp; sudo apt upgrade -y</a:t>
+            </a:r>
+          </a:p>
+          <a:p>
+            <a:pPr>
+              <a:spcAft>
+                <a:spcPts val="800"/>
+              </a:spcAft>
+            </a:pPr>
+            <a:r>
+              <a:rPr sz="2000">
+                <a:solidFill>
+                  <a:srgbClr val="202020"/>
+                </a:solidFill>
+                <a:latin typeface="Calibri"/>
+              </a:rPr>
+              <a:t>  curl -fsSL https://deb.nodesource.com/setup_22.x | sudo -E bash -</a:t>
+            </a:r>
+          </a:p>
+          <a:p>
+            <a:pPr>
+              <a:spcAft>
+                <a:spcPts val="800"/>
+              </a:spcAft>
+            </a:pPr>
+            <a:r>
+              <a:rPr sz="2000">
+                <a:solidFill>
+                  <a:srgbClr val="202020"/>
+                </a:solidFill>
+                <a:latin typeface="Calibri"/>
+              </a:rPr>
+              <a:t>  sudo apt install -y nodejs</a:t>
+            </a:r>
+          </a:p>
+          <a:p>
+            <a:pPr>
+              <a:spcAft>
+                <a:spcPts val="800"/>
+              </a:spcAft>
+            </a:pPr>
+            <a:r>
+              <a:rPr sz="2000">
+                <a:solidFill>
+                  <a:srgbClr val="202020"/>
+                </a:solidFill>
+                <a:latin typeface="Calibri"/>
+              </a:rPr>
+              <a:t>  npm i -g openclaw &amp;&amp; openclaw setup</a:t>
             </a:r>
           </a:p>
         </p:txBody>
@@ -7930,7 +8426,7 @@
 </p:sld>
 </file>
 
-<file path=ppt/slides/slide25.xml><?xml version="1.0" encoding="utf-8"?>
+<file path=ppt/slides/slide24.xml><?xml version="1.0" encoding="utf-8"?>
 <p:sld xmlns:a="http://schemas.openxmlformats.org/drawingml/2006/main" xmlns:p="http://schemas.openxmlformats.org/presentationml/2006/main" xmlns:r="http://schemas.openxmlformats.org/officeDocument/2006/relationships">
   <p:cSld>
     <p:spTree>
@@ -7949,13 +8445,13 @@
         <p:spPr>
           <a:xfrm>
             <a:off x="0" y="0"/>
-            <a:ext cx="12191695" cy="1097280"/>
+            <a:ext cx="12191695" cy="73152"/>
           </a:xfrm>
           <a:prstGeom prst="rect">
             <a:avLst/>
           </a:prstGeom>
           <a:solidFill>
-            <a:srgbClr val="1B2A4A"/>
+            <a:srgbClr val="0096D6"/>
           </a:solidFill>
           <a:ln>
             <a:noFill/>
@@ -7976,20 +8472,10 @@
           </a:fontRef>
         </p:style>
         <p:txBody>
-          <a:bodyPr rtlCol="0" anchor="ctr" tIns="203200" lIns="508000"/>
-          <a:lstStyle/>
-          <a:p>
-            <a:pPr algn="ctr">
-              <a:defRPr sz="3200" b="1">
-                <a:solidFill>
-                  <a:srgbClr val="FFFFFF"/>
-                </a:solidFill>
-                <a:latin typeface="Calibri"/>
-              </a:defRPr>
-            </a:pPr>
-            <a:r>
-              <a:t>Meet OpenClaw — Live Demo</a:t>
-            </a:r>
+          <a:bodyPr rtlCol="0" anchor="ctr"/>
+          <a:lstStyle/>
+          <a:p>
+            <a:pPr algn="ctr"/>
           </a:p>
         </p:txBody>
       </p:sp>
@@ -8001,8 +8487,8 @@
         </p:nvSpPr>
         <p:spPr>
           <a:xfrm>
-            <a:off x="731520" y="1463040"/>
-            <a:ext cx="10515600" cy="4937760"/>
+            <a:off x="548640" y="274320"/>
+            <a:ext cx="10972800" cy="731520"/>
           </a:xfrm>
           <a:prstGeom prst="rect">
             <a:avLst/>
@@ -8010,6 +8496,40 @@
           <a:noFill/>
         </p:spPr>
         <p:txBody>
+          <a:bodyPr wrap="none">
+            <a:spAutoFit/>
+          </a:bodyPr>
+          <a:lstStyle/>
+          <a:p>
+            <a:r>
+              <a:rPr sz="3200" b="1">
+                <a:solidFill>
+                  <a:srgbClr val="1B2A4A"/>
+                </a:solidFill>
+                <a:latin typeface="Calibri"/>
+              </a:rPr>
+              <a:t>What to Try First</a:t>
+            </a:r>
+          </a:p>
+        </p:txBody>
+      </p:sp>
+      <p:sp>
+        <p:nvSpPr>
+          <p:cNvPr id="4" name="TextBox 3"/>
+          <p:cNvSpPr txBox="1"/>
+          <p:nvPr/>
+        </p:nvSpPr>
+        <p:spPr>
+          <a:xfrm>
+            <a:off x="731520" y="1280160"/>
+            <a:ext cx="10515600" cy="5029200"/>
+          </a:xfrm>
+          <a:prstGeom prst="rect">
+            <a:avLst/>
+          </a:prstGeom>
+          <a:noFill/>
+        </p:spPr>
+        <p:txBody>
           <a:bodyPr wrap="square">
             <a:spAutoFit/>
           </a:bodyPr>
@@ -8019,15 +8539,15 @@
               <a:spcAft>
                 <a:spcPts val="1000"/>
               </a:spcAft>
-              <a:defRPr sz="2200">
-                <a:solidFill>
-                  <a:srgbClr val="333333"/>
+            </a:pPr>
+            <a:r>
+              <a:rPr sz="2200">
+                <a:solidFill>
+                  <a:srgbClr val="202020"/>
                 </a:solidFill>
                 <a:latin typeface="Calibri"/>
-              </a:defRPr>
-            </a:pPr>
-            <a:r>
-              <a:t>One interface for ALL AI models (OpenAI, Anthropic, Google, xAI, etc.)</a:t>
+              </a:rPr>
+              <a:t>🟢 Right Now (free): claude.ai → upload a doc → summarize + find issues</a:t>
             </a:r>
           </a:p>
           <a:p>
@@ -8035,15 +8555,15 @@
               <a:spcAft>
                 <a:spcPts val="1000"/>
               </a:spcAft>
-              <a:defRPr sz="2200">
-                <a:solidFill>
-                  <a:srgbClr val="333333"/>
+            </a:pPr>
+            <a:r>
+              <a:rPr sz="2200">
+                <a:solidFill>
+                  <a:srgbClr val="202020"/>
                 </a:solidFill>
                 <a:latin typeface="Calibri"/>
-              </a:defRPr>
-            </a:pPr>
-            <a:r>
-              <a:t>Switch models mid-conversation — compare on the fly</a:t>
+              </a:rPr>
+              <a:t>📅 This Week: same task on all 3 AIs — find your favorite</a:t>
             </a:r>
           </a:p>
           <a:p>
@@ -8051,15 +8571,15 @@
               <a:spcAft>
                 <a:spcPts val="1000"/>
               </a:spcAft>
-              <a:defRPr sz="2200">
-                <a:solidFill>
-                  <a:srgbClr val="333333"/>
+            </a:pPr>
+            <a:r>
+              <a:rPr sz="2200">
+                <a:solidFill>
+                  <a:srgbClr val="202020"/>
                 </a:solidFill>
                 <a:latin typeface="Calibri"/>
-              </a:defRPr>
-            </a:pPr>
-            <a:r>
-              <a:t>See real-time cost per message when using API keys</a:t>
+              </a:rPr>
+              <a:t>🚀 When Ready: set up OpenClaw → any model, one place, pay only for use</a:t>
             </a:r>
           </a:p>
           <a:p>
@@ -8067,47 +8587,70 @@
               <a:spcAft>
                 <a:spcPts val="1000"/>
               </a:spcAft>
-              <a:defRPr sz="2200">
-                <a:solidFill>
-                  <a:srgbClr val="333333"/>
-                </a:solidFill>
-                <a:latin typeface="Calibri"/>
-              </a:defRPr>
             </a:pPr>
-            <a:r>
-              <a:t>Works on phone, tablet, desktop — runs anywhere Node.js does</a:t>
-            </a:r>
           </a:p>
           <a:p>
             <a:pPr>
               <a:spcAft>
                 <a:spcPts val="1000"/>
               </a:spcAft>
-              <a:defRPr sz="2200">
-                <a:solidFill>
-                  <a:srgbClr val="333333"/>
+            </a:pPr>
+            <a:r>
+              <a:rPr sz="2200">
+                <a:solidFill>
+                  <a:srgbClr val="202020"/>
                 </a:solidFill>
                 <a:latin typeface="Calibri"/>
-              </a:defRPr>
-            </a:pPr>
-            <a:r>
-              <a:t>Accepts BOTH OAuth and API keys — choose during setup</a:t>
-            </a:r>
-          </a:p>
-          <a:p>
-            <a:pPr>
+              </a:rPr>
+              <a:t>📚 Keep Learning:</a:t>
+            </a:r>
+          </a:p>
+          <a:p>
+            <a:pPr lvl="1">
               <a:spcAft>
                 <a:spcPts val="1000"/>
               </a:spcAft>
-              <a:defRPr sz="2200">
-                <a:solidFill>
-                  <a:srgbClr val="333333"/>
+            </a:pPr>
+            <a:r>
+              <a:rPr sz="2000">
+                <a:solidFill>
+                  <a:srgbClr val="202020"/>
                 </a:solidFill>
                 <a:latin typeface="Calibri"/>
-              </a:defRPr>
+              </a:rPr>
+              <a:t>  • Simon Willison's blog — simonwillison.net (best AI commentary)</a:t>
+            </a:r>
+          </a:p>
+          <a:p>
+            <a:pPr lvl="1">
+              <a:spcAft>
+                <a:spcPts val="1000"/>
+              </a:spcAft>
             </a:pPr>
             <a:r>
-              <a:t>Demo: phone demo showing model switching and cost tracking</a:t>
+              <a:rPr sz="2000">
+                <a:solidFill>
+                  <a:srgbClr val="202020"/>
+                </a:solidFill>
+                <a:latin typeface="Calibri"/>
+              </a:rPr>
+              <a:t>  • The Verge AI — theverge.com/ai</a:t>
+            </a:r>
+          </a:p>
+          <a:p>
+            <a:pPr lvl="1">
+              <a:spcAft>
+                <a:spcPts val="1000"/>
+              </a:spcAft>
+            </a:pPr>
+            <a:r>
+              <a:rPr sz="2000">
+                <a:solidFill>
+                  <a:srgbClr val="202020"/>
+                </a:solidFill>
+                <a:latin typeface="Calibri"/>
+              </a:rPr>
+              <a:t>  • Just use it! 10 min/day → fluent in a month</a:t>
             </a:r>
           </a:p>
         </p:txBody>
@@ -8120,7 +8663,80 @@
 </p:sld>
 </file>
 
-<file path=ppt/slides/slide26.xml><?xml version="1.0" encoding="utf-8"?>
+<file path=ppt/slides/slide25.xml><?xml version="1.0" encoding="utf-8"?>
+<p:sld xmlns:a="http://schemas.openxmlformats.org/drawingml/2006/main" xmlns:p="http://schemas.openxmlformats.org/presentationml/2006/main" xmlns:r="http://schemas.openxmlformats.org/officeDocument/2006/relationships">
+  <p:cSld>
+    <p:bg>
+      <p:bgPr>
+        <a:solidFill>
+          <a:srgbClr val="1B2A4A"/>
+        </a:solidFill>
+        <a:effectLst/>
+      </p:bgPr>
+    </p:bg>
+    <p:spTree>
+      <p:nvGrpSpPr>
+        <p:cNvPr id="1" name=""/>
+        <p:cNvGrpSpPr/>
+        <p:nvPr/>
+      </p:nvGrpSpPr>
+      <p:grpSpPr/>
+      <p:sp>
+        <p:nvSpPr>
+          <p:cNvPr id="2" name="TextBox 1"/>
+          <p:cNvSpPr txBox="1"/>
+          <p:nvPr/>
+        </p:nvSpPr>
+        <p:spPr>
+          <a:xfrm>
+            <a:off x="914400" y="2011680"/>
+            <a:ext cx="10362895" cy="1828800"/>
+          </a:xfrm>
+          <a:prstGeom prst="rect">
+            <a:avLst/>
+          </a:prstGeom>
+          <a:noFill/>
+        </p:spPr>
+        <p:txBody>
+          <a:bodyPr wrap="square">
+            <a:spAutoFit/>
+          </a:bodyPr>
+          <a:lstStyle/>
+          <a:p>
+            <a:pPr algn="ctr"/>
+            <a:r>
+              <a:rPr sz="4400" b="1">
+                <a:solidFill>
+                  <a:srgbClr val="FFFFFF"/>
+                </a:solidFill>
+                <a:latin typeface="Calibri"/>
+              </a:rPr>
+              <a:t>Questions &amp; Next Steps</a:t>
+            </a:r>
+          </a:p>
+          <a:p>
+            <a:pPr algn="ctr"/>
+            <a:r>
+              <a:rPr sz="2400">
+                <a:solidFill>
+                  <a:srgbClr val="0096D6"/>
+                </a:solidFill>
+                <a:latin typeface="Calibri"/>
+              </a:rPr>
+              <a:t>Cheat sheet handout • OpenClaw setup help • Keep experimenting!</a:t>
+            </a:r>
+          </a:p>
+        </p:txBody>
+      </p:sp>
+    </p:spTree>
+  </p:cSld>
+  <p:clrMapOvr>
+    <a:masterClrMapping/>
+  </p:clrMapOvr>
+</p:sld>
+</file>
+
+<file path=ppt/slides/slide3.xml><?xml version="1.0" encoding="utf-8"?>
 <p:sld xmlns:a="http://schemas.openxmlformats.org/drawingml/2006/main" xmlns:p="http://schemas.openxmlformats.org/presentationml/2006/main" xmlns:r="http://schemas.openxmlformats.org/officeDocument/2006/relationships">
   <p:cSld>
     <p:spTree>
@@ -8139,13 +8755,13 @@
         <p:spPr>
           <a:xfrm>
             <a:off x="0" y="0"/>
-            <a:ext cx="12191695" cy="1097280"/>
+            <a:ext cx="12191695" cy="73152"/>
           </a:xfrm>
           <a:prstGeom prst="rect">
             <a:avLst/>
           </a:prstGeom>
           <a:solidFill>
-            <a:srgbClr val="1B2A4A"/>
+            <a:srgbClr val="0096D6"/>
           </a:solidFill>
           <a:ln>
             <a:noFill/>
@@ -8166,20 +8782,10 @@
           </a:fontRef>
         </p:style>
         <p:txBody>
-          <a:bodyPr rtlCol="0" anchor="ctr" tIns="203200" lIns="508000"/>
-          <a:lstStyle/>
-          <a:p>
-            <a:pPr algn="ctr">
-              <a:defRPr sz="3200" b="1">
-                <a:solidFill>
-                  <a:srgbClr val="FFFFFF"/>
-                </a:solidFill>
-                <a:latin typeface="Calibri"/>
-              </a:defRPr>
-            </a:pPr>
-            <a:r>
-              <a:t>Setup: Windows (WSL) + macOS</a:t>
-            </a:r>
+          <a:bodyPr rtlCol="0" anchor="ctr"/>
+          <a:lstStyle/>
+          <a:p>
+            <a:pPr algn="ctr"/>
           </a:p>
         </p:txBody>
       </p:sp>
@@ -8191,8 +8797,8 @@
         </p:nvSpPr>
         <p:spPr>
           <a:xfrm>
-            <a:off x="731520" y="1463040"/>
-            <a:ext cx="10515600" cy="4937760"/>
+            <a:off x="548640" y="274320"/>
+            <a:ext cx="10972800" cy="731520"/>
           </a:xfrm>
           <a:prstGeom prst="rect">
             <a:avLst/>
@@ -8200,108 +8806,411 @@
           <a:noFill/>
         </p:spPr>
         <p:txBody>
-          <a:bodyPr wrap="square">
+          <a:bodyPr wrap="none">
             <a:spAutoFit/>
           </a:bodyPr>
           <a:lstStyle/>
           <a:p>
-            <a:pPr>
-              <a:spcAft>
-                <a:spcPts val="1000"/>
-              </a:spcAft>
-              <a:defRPr sz="2200">
-                <a:solidFill>
-                  <a:srgbClr val="333333"/>
+            <a:r>
+              <a:rPr sz="3200" b="1">
+                <a:solidFill>
+                  <a:srgbClr val="1B2A4A"/>
                 </a:solidFill>
                 <a:latin typeface="Calibri"/>
-              </a:defRPr>
-            </a:pPr>
-            <a:r>
-              <a:t>Windows: PowerShell (Admin) → wsl --install → restart → open Ubuntu</a:t>
-            </a:r>
-          </a:p>
-          <a:p>
-            <a:pPr>
-              <a:spcAft>
-                <a:spcPts val="1000"/>
-              </a:spcAft>
-              <a:defRPr sz="2200">
-                <a:solidFill>
-                  <a:srgbClr val="333333"/>
-                </a:solidFill>
-                <a:latin typeface="Calibri"/>
-              </a:defRPr>
-            </a:pPr>
-            <a:r>
-              <a:t>Then: sudo apt update &amp;&amp; sudo apt upgrade -y</a:t>
-            </a:r>
-          </a:p>
-          <a:p>
-            <a:pPr>
-              <a:spcAft>
-                <a:spcPts val="1000"/>
-              </a:spcAft>
-              <a:defRPr sz="2200">
-                <a:solidFill>
-                  <a:srgbClr val="333333"/>
-                </a:solidFill>
-                <a:latin typeface="Calibri"/>
-              </a:defRPr>
-            </a:pPr>
-            <a:r>
-              <a:t>Install Node.js: curl script → sudo apt install nodejs</a:t>
-            </a:r>
-          </a:p>
-          <a:p>
-            <a:pPr>
-              <a:spcAft>
-                <a:spcPts val="1000"/>
-              </a:spcAft>
-              <a:defRPr sz="2200">
-                <a:solidFill>
-                  <a:srgbClr val="333333"/>
-                </a:solidFill>
-                <a:latin typeface="Calibri"/>
-              </a:defRPr>
-            </a:pPr>
-            <a:r>
-              <a:t>Both platforms: npm i -g openclaw → openclaw setup</a:t>
-            </a:r>
-          </a:p>
-          <a:p>
-            <a:pPr>
-              <a:spcAft>
-                <a:spcPts val="1000"/>
-              </a:spcAft>
-              <a:defRPr sz="2200">
-                <a:solidFill>
-                  <a:srgbClr val="333333"/>
-                </a:solidFill>
-                <a:latin typeface="Calibri"/>
-              </a:defRPr>
-            </a:pPr>
-            <a:r>
-              <a:t>During setup: choose OAuth (use subscription) or API key (pay-as-you-go)</a:t>
-            </a:r>
-          </a:p>
-          <a:p>
-            <a:pPr>
-              <a:spcAft>
-                <a:spcPts val="1000"/>
-              </a:spcAft>
-              <a:defRPr sz="2200">
-                <a:solidFill>
-                  <a:srgbClr val="333333"/>
-                </a:solidFill>
-                <a:latin typeface="Calibri"/>
-              </a:defRPr>
-            </a:pPr>
-            <a:r>
-              <a:t>macOS: brew install node → npm i -g openclaw → openclaw setup</a:t>
-            </a:r>
-          </a:p>
-        </p:txBody>
-      </p:sp>
+              </a:rPr>
+              <a:t>The Big Three AIs</a:t>
+            </a:r>
+          </a:p>
+        </p:txBody>
+      </p:sp>
+      <p:graphicFrame>
+        <p:nvGraphicFramePr>
+          <p:cNvPr id="4" name="Table 3"/>
+          <p:cNvGraphicFramePr>
+            <a:graphicFrameLocks noGrp="1"/>
+          </p:cNvGraphicFramePr>
+          <p:nvPr/>
+        </p:nvGraphicFramePr>
+        <p:xfrm>
+          <a:off x="822960" y="1280160"/>
+          <a:ext cx="10515600" cy="2011680"/>
+        </p:xfrm>
+        <a:graphic>
+          <a:graphicData uri="http://schemas.openxmlformats.org/drawingml/2006/table">
+            <a:tbl>
+              <a:tblPr firstRow="1" bandRow="1">
+                <a:tableStyleId>{5C22544A-7EE6-4342-B048-85BDC9FD1C3A}</a:tableStyleId>
+              </a:tblPr>
+              <a:tblGrid>
+                <a:gridCol w="2628900"/>
+                <a:gridCol w="2628900"/>
+                <a:gridCol w="2628900"/>
+                <a:gridCol w="2628900"/>
+              </a:tblGrid>
+              <a:tr h="502920">
+                <a:tc>
+                  <a:txBody>
+                    <a:bodyPr/>
+                    <a:lstStyle/>
+                    <a:p>
+                      <a:r>
+                        <a:rPr sz="1800" b="1">
+                          <a:solidFill>
+                            <a:srgbClr val="FFFFFF"/>
+                          </a:solidFill>
+                          <a:latin typeface="Calibri"/>
+                        </a:rPr>
+                        <a:t>AI</a:t>
+                      </a:r>
+                    </a:p>
+                  </a:txBody>
+                  <a:tcPr>
+                    <a:solidFill>
+                      <a:srgbClr val="1B2A4A"/>
+                    </a:solidFill>
+                  </a:tcPr>
+                </a:tc>
+                <a:tc>
+                  <a:txBody>
+                    <a:bodyPr/>
+                    <a:lstStyle/>
+                    <a:p>
+                      <a:r>
+                        <a:rPr sz="1800" b="1">
+                          <a:solidFill>
+                            <a:srgbClr val="FFFFFF"/>
+                          </a:solidFill>
+                          <a:latin typeface="Calibri"/>
+                        </a:rPr>
+                        <a:t>Made By</a:t>
+                      </a:r>
+                    </a:p>
+                  </a:txBody>
+                  <a:tcPr>
+                    <a:solidFill>
+                      <a:srgbClr val="1B2A4A"/>
+                    </a:solidFill>
+                  </a:tcPr>
+                </a:tc>
+                <a:tc>
+                  <a:txBody>
+                    <a:bodyPr/>
+                    <a:lstStyle/>
+                    <a:p>
+                      <a:r>
+                        <a:rPr sz="1800" b="1">
+                          <a:solidFill>
+                            <a:srgbClr val="FFFFFF"/>
+                          </a:solidFill>
+                          <a:latin typeface="Calibri"/>
+                        </a:rPr>
+                        <a:t>Best At</a:t>
+                      </a:r>
+                    </a:p>
+                  </a:txBody>
+                  <a:tcPr>
+                    <a:solidFill>
+                      <a:srgbClr val="1B2A4A"/>
+                    </a:solidFill>
+                  </a:tcPr>
+                </a:tc>
+                <a:tc>
+                  <a:txBody>
+                    <a:bodyPr/>
+                    <a:lstStyle/>
+                    <a:p>
+                      <a:r>
+                        <a:rPr sz="1800" b="1">
+                          <a:solidFill>
+                            <a:srgbClr val="FFFFFF"/>
+                          </a:solidFill>
+                          <a:latin typeface="Calibri"/>
+                        </a:rPr>
+                        <a:t>Sign Up</a:t>
+                      </a:r>
+                    </a:p>
+                  </a:txBody>
+                  <a:tcPr>
+                    <a:solidFill>
+                      <a:srgbClr val="1B2A4A"/>
+                    </a:solidFill>
+                  </a:tcPr>
+                </a:tc>
+              </a:tr>
+              <a:tr h="502920">
+                <a:tc>
+                  <a:txBody>
+                    <a:bodyPr/>
+                    <a:lstStyle/>
+                    <a:p>
+                      <a:r>
+                        <a:rPr sz="1800" b="0">
+                          <a:solidFill>
+                            <a:srgbClr val="202020"/>
+                          </a:solidFill>
+                          <a:latin typeface="Calibri"/>
+                        </a:rPr>
+                        <a:t>ChatGPT</a:t>
+                      </a:r>
+                    </a:p>
+                  </a:txBody>
+                  <a:tcPr>
+                    <a:solidFill>
+                      <a:srgbClr val="FFFFFF"/>
+                    </a:solidFill>
+                  </a:tcPr>
+                </a:tc>
+                <a:tc>
+                  <a:txBody>
+                    <a:bodyPr/>
+                    <a:lstStyle/>
+                    <a:p>
+                      <a:r>
+                        <a:rPr sz="1800" b="0">
+                          <a:solidFill>
+                            <a:srgbClr val="202020"/>
+                          </a:solidFill>
+                          <a:latin typeface="Calibri"/>
+                        </a:rPr>
+                        <a:t>OpenAI</a:t>
+                      </a:r>
+                    </a:p>
+                  </a:txBody>
+                  <a:tcPr>
+                    <a:solidFill>
+                      <a:srgbClr val="FFFFFF"/>
+                    </a:solidFill>
+                  </a:tcPr>
+                </a:tc>
+                <a:tc>
+                  <a:txBody>
+                    <a:bodyPr/>
+                    <a:lstStyle/>
+                    <a:p>
+                      <a:r>
+                        <a:rPr sz="1800" b="0">
+                          <a:solidFill>
+                            <a:srgbClr val="202020"/>
+                          </a:solidFill>
+                          <a:latin typeface="Calibri"/>
+                        </a:rPr>
+                        <a:t>Image gen, all-rounder, coding (GPT-5.2-Codex)</a:t>
+                      </a:r>
+                    </a:p>
+                  </a:txBody>
+                  <a:tcPr>
+                    <a:solidFill>
+                      <a:srgbClr val="FFFFFF"/>
+                    </a:solidFill>
+                  </a:tcPr>
+                </a:tc>
+                <a:tc>
+                  <a:txBody>
+                    <a:bodyPr/>
+                    <a:lstStyle/>
+                    <a:p>
+                      <a:r>
+                        <a:rPr sz="1800" b="0">
+                          <a:solidFill>
+                            <a:srgbClr val="202020"/>
+                          </a:solidFill>
+                          <a:latin typeface="Calibri"/>
+                        </a:rPr>
+                        <a:t>chatgpt.com</a:t>
+                      </a:r>
+                    </a:p>
+                  </a:txBody>
+                  <a:tcPr>
+                    <a:solidFill>
+                      <a:srgbClr val="FFFFFF"/>
+                    </a:solidFill>
+                  </a:tcPr>
+                </a:tc>
+              </a:tr>
+              <a:tr h="502920">
+                <a:tc>
+                  <a:txBody>
+                    <a:bodyPr/>
+                    <a:lstStyle/>
+                    <a:p>
+                      <a:r>
+                        <a:rPr sz="1800" b="0">
+                          <a:solidFill>
+                            <a:srgbClr val="202020"/>
+                          </a:solidFill>
+                          <a:latin typeface="Calibri"/>
+                        </a:rPr>
+                        <a:t>Claude</a:t>
+                      </a:r>
+                    </a:p>
+                  </a:txBody>
+                  <a:tcPr>
+                    <a:solidFill>
+                      <a:srgbClr val="F5F7FA"/>
+                    </a:solidFill>
+                  </a:tcPr>
+                </a:tc>
+                <a:tc>
+                  <a:txBody>
+                    <a:bodyPr/>
+                    <a:lstStyle/>
+                    <a:p>
+                      <a:r>
+                        <a:rPr sz="1800" b="0">
+                          <a:solidFill>
+                            <a:srgbClr val="202020"/>
+                          </a:solidFill>
+                          <a:latin typeface="Calibri"/>
+                        </a:rPr>
+                        <a:t>Anthropic</a:t>
+                      </a:r>
+                    </a:p>
+                  </a:txBody>
+                  <a:tcPr>
+                    <a:solidFill>
+                      <a:srgbClr val="F5F7FA"/>
+                    </a:solidFill>
+                  </a:tcPr>
+                </a:tc>
+                <a:tc>
+                  <a:txBody>
+                    <a:bodyPr/>
+                    <a:lstStyle/>
+                    <a:p>
+                      <a:r>
+                        <a:rPr sz="1800" b="0">
+                          <a:solidFill>
+                            <a:srgbClr val="202020"/>
+                          </a:solidFill>
+                          <a:latin typeface="Calibri"/>
+                        </a:rPr>
+                        <a:t>Writing, analysis, long docs (1M tokens)</a:t>
+                      </a:r>
+                    </a:p>
+                  </a:txBody>
+                  <a:tcPr>
+                    <a:solidFill>
+                      <a:srgbClr val="F5F7FA"/>
+                    </a:solidFill>
+                  </a:tcPr>
+                </a:tc>
+                <a:tc>
+                  <a:txBody>
+                    <a:bodyPr/>
+                    <a:lstStyle/>
+                    <a:p>
+                      <a:r>
+                        <a:rPr sz="1800" b="0">
+                          <a:solidFill>
+                            <a:srgbClr val="202020"/>
+                          </a:solidFill>
+                          <a:latin typeface="Calibri"/>
+                        </a:rPr>
+                        <a:t>claude.ai</a:t>
+                      </a:r>
+                    </a:p>
+                  </a:txBody>
+                  <a:tcPr>
+                    <a:solidFill>
+                      <a:srgbClr val="F5F7FA"/>
+                    </a:solidFill>
+                  </a:tcPr>
+                </a:tc>
+              </a:tr>
+              <a:tr h="502920">
+                <a:tc>
+                  <a:txBody>
+                    <a:bodyPr/>
+                    <a:lstStyle/>
+                    <a:p>
+                      <a:r>
+                        <a:rPr sz="1800" b="0">
+                          <a:solidFill>
+                            <a:srgbClr val="202020"/>
+                          </a:solidFill>
+                          <a:latin typeface="Calibri"/>
+                        </a:rPr>
+                        <a:t>Gemini</a:t>
+                      </a:r>
+                    </a:p>
+                  </a:txBody>
+                  <a:tcPr>
+                    <a:solidFill>
+                      <a:srgbClr val="FFFFFF"/>
+                    </a:solidFill>
+                  </a:tcPr>
+                </a:tc>
+                <a:tc>
+                  <a:txBody>
+                    <a:bodyPr/>
+                    <a:lstStyle/>
+                    <a:p>
+                      <a:r>
+                        <a:rPr sz="1800" b="0">
+                          <a:solidFill>
+                            <a:srgbClr val="202020"/>
+                          </a:solidFill>
+                          <a:latin typeface="Calibri"/>
+                        </a:rPr>
+                        <a:t>Google</a:t>
+                      </a:r>
+                    </a:p>
+                  </a:txBody>
+                  <a:tcPr>
+                    <a:solidFill>
+                      <a:srgbClr val="FFFFFF"/>
+                    </a:solidFill>
+                  </a:tcPr>
+                </a:tc>
+                <a:tc>
+                  <a:txBody>
+                    <a:bodyPr/>
+                    <a:lstStyle/>
+                    <a:p>
+                      <a:r>
+                        <a:rPr sz="1800" b="0">
+                          <a:solidFill>
+                            <a:srgbClr val="202020"/>
+                          </a:solidFill>
+                          <a:latin typeface="Calibri"/>
+                        </a:rPr>
+                        <a:t>Google integration, Deep Research, generous free tier</a:t>
+                      </a:r>
+                    </a:p>
+                  </a:txBody>
+                  <a:tcPr>
+                    <a:solidFill>
+                      <a:srgbClr val="FFFFFF"/>
+                    </a:solidFill>
+                  </a:tcPr>
+                </a:tc>
+                <a:tc>
+                  <a:txBody>
+                    <a:bodyPr/>
+                    <a:lstStyle/>
+                    <a:p>
+                      <a:r>
+                        <a:rPr sz="1800" b="0">
+                          <a:solidFill>
+                            <a:srgbClr val="202020"/>
+                          </a:solidFill>
+                          <a:latin typeface="Calibri"/>
+                        </a:rPr>
+                        <a:t>gemini.google.com</a:t>
+                      </a:r>
+                    </a:p>
+                  </a:txBody>
+                  <a:tcPr>
+                    <a:solidFill>
+                      <a:srgbClr val="FFFFFF"/>
+                    </a:solidFill>
+                  </a:tcPr>
+                </a:tc>
+              </a:tr>
+            </a:tbl>
+          </a:graphicData>
+        </a:graphic>
+      </p:graphicFrame>
     </p:spTree>
   </p:cSld>
   <p:clrMapOvr>
@@ -8310,7 +9219,7 @@
 </p:sld>
 </file>
 
-<file path=ppt/slides/slide27.xml><?xml version="1.0" encoding="utf-8"?>
+<file path=ppt/slides/slide4.xml><?xml version="1.0" encoding="utf-8"?>
 <p:sld xmlns:a="http://schemas.openxmlformats.org/drawingml/2006/main" xmlns:p="http://schemas.openxmlformats.org/presentationml/2006/main" xmlns:r="http://schemas.openxmlformats.org/officeDocument/2006/relationships">
   <p:cSld>
     <p:spTree>
@@ -8329,13 +9238,13 @@
         <p:spPr>
           <a:xfrm>
             <a:off x="0" y="0"/>
-            <a:ext cx="12191695" cy="1097280"/>
+            <a:ext cx="12191695" cy="73152"/>
           </a:xfrm>
           <a:prstGeom prst="rect">
             <a:avLst/>
           </a:prstGeom>
           <a:solidFill>
-            <a:srgbClr val="1B2A4A"/>
+            <a:srgbClr val="0096D6"/>
           </a:solidFill>
           <a:ln>
             <a:noFill/>
@@ -8356,20 +9265,10 @@
           </a:fontRef>
         </p:style>
         <p:txBody>
-          <a:bodyPr rtlCol="0" anchor="ctr" tIns="203200" lIns="508000"/>
-          <a:lstStyle/>
-          <a:p>
-            <a:pPr algn="ctr">
-              <a:defRPr sz="3200" b="1">
-                <a:solidFill>
-                  <a:srgbClr val="FFFFFF"/>
-                </a:solidFill>
-                <a:latin typeface="Calibri"/>
-              </a:defRPr>
-            </a:pPr>
-            <a:r>
-              <a:t>Your Cheat Sheet — Key Takeaways</a:t>
-            </a:r>
+          <a:bodyPr rtlCol="0" anchor="ctr"/>
+          <a:lstStyle/>
+          <a:p>
+            <a:pPr algn="ctr"/>
           </a:p>
         </p:txBody>
       </p:sp>
@@ -8381,8 +9280,8 @@
         </p:nvSpPr>
         <p:spPr>
           <a:xfrm>
-            <a:off x="731520" y="1463040"/>
-            <a:ext cx="10515600" cy="4937760"/>
+            <a:off x="548640" y="274320"/>
+            <a:ext cx="10972800" cy="731520"/>
           </a:xfrm>
           <a:prstGeom prst="rect">
             <a:avLst/>
@@ -8390,6 +9289,40 @@
           <a:noFill/>
         </p:spPr>
         <p:txBody>
+          <a:bodyPr wrap="none">
+            <a:spAutoFit/>
+          </a:bodyPr>
+          <a:lstStyle/>
+          <a:p>
+            <a:r>
+              <a:rPr sz="3200" b="1">
+                <a:solidFill>
+                  <a:srgbClr val="1B2A4A"/>
+                </a:solidFill>
+                <a:latin typeface="Calibri"/>
+              </a:rPr>
+              <a:t>The Brain vs The App</a:t>
+            </a:r>
+          </a:p>
+        </p:txBody>
+      </p:sp>
+      <p:sp>
+        <p:nvSpPr>
+          <p:cNvPr id="4" name="TextBox 3"/>
+          <p:cNvSpPr txBox="1"/>
+          <p:nvPr/>
+        </p:nvSpPr>
+        <p:spPr>
+          <a:xfrm>
+            <a:off x="731520" y="1280160"/>
+            <a:ext cx="10515600" cy="5029200"/>
+          </a:xfrm>
+          <a:prstGeom prst="rect">
+            <a:avLst/>
+          </a:prstGeom>
+          <a:noFill/>
+        </p:spPr>
+        <p:txBody>
           <a:bodyPr wrap="square">
             <a:spAutoFit/>
           </a:bodyPr>
@@ -8399,15 +9332,15 @@
               <a:spcAft>
                 <a:spcPts val="1000"/>
               </a:spcAft>
-              <a:defRPr sz="2200">
-                <a:solidFill>
-                  <a:srgbClr val="333333"/>
+            </a:pPr>
+            <a:r>
+              <a:rPr sz="2200">
+                <a:solidFill>
+                  <a:srgbClr val="202020"/>
                 </a:solidFill>
                 <a:latin typeface="Calibri"/>
-              </a:defRPr>
-            </a:pPr>
-            <a:r>
-              <a:t>3 AIs worth knowing: ChatGPT, Claude, Gemini — try all free tiers</a:t>
+              </a:rPr>
+              <a:t>🧠 Model = the brain (GPT-5.2, Sonnet 4.6, Gemini 2.5 Pro)</a:t>
             </a:r>
           </a:p>
           <a:p>
@@ -8415,15 +9348,15 @@
               <a:spcAft>
                 <a:spcPts val="1000"/>
               </a:spcAft>
-              <a:defRPr sz="2200">
-                <a:solidFill>
-                  <a:srgbClr val="333333"/>
+            </a:pPr>
+            <a:r>
+              <a:rPr sz="2200">
+                <a:solidFill>
+                  <a:srgbClr val="202020"/>
                 </a:solidFill>
                 <a:latin typeface="Calibri"/>
-              </a:defRPr>
-            </a:pPr>
-            <a:r>
-              <a:t>Start mid-tier model, go up only for complex tasks</a:t>
+              </a:rPr>
+              <a:t>💻 App = the interface (ChatGPT website, Claude.ai, OpenClaw)</a:t>
             </a:r>
           </a:p>
           <a:p>
@@ -8431,15 +9364,15 @@
               <a:spcAft>
                 <a:spcPts val="1000"/>
               </a:spcAft>
-              <a:defRPr sz="2200">
-                <a:solidFill>
-                  <a:srgbClr val="333333"/>
+            </a:pPr>
+            <a:r>
+              <a:rPr sz="2200">
+                <a:solidFill>
+                  <a:srgbClr val="202020"/>
                 </a:solidFill>
                 <a:latin typeface="Calibri"/>
-              </a:defRPr>
-            </a:pPr>
-            <a:r>
-              <a:t>Verify facts: Google it, ask 2nd AI, request sources</a:t>
+              </a:rPr>
+              <a:t>Same brain can power different apps</a:t>
             </a:r>
           </a:p>
           <a:p>
@@ -8447,15 +9380,15 @@
               <a:spcAft>
                 <a:spcPts val="1000"/>
               </a:spcAft>
-              <a:defRPr sz="2200">
-                <a:solidFill>
-                  <a:srgbClr val="333333"/>
+            </a:pPr>
+            <a:r>
+              <a:rPr sz="2200">
+                <a:solidFill>
+                  <a:srgbClr val="202020"/>
                 </a:solidFill>
                 <a:latin typeface="Calibri"/>
-              </a:defRPr>
-            </a:pPr>
-            <a:r>
-              <a:t>API key = pay per token, see exact cost, works everywhere</a:t>
+              </a:rPr>
+              <a:t>OpenClaw lets you use ALL brains from one place</a:t>
             </a:r>
           </a:p>
           <a:p>
@@ -8463,31 +9396,15 @@
               <a:spcAft>
                 <a:spcPts val="1000"/>
               </a:spcAft>
-              <a:defRPr sz="2200">
-                <a:solidFill>
-                  <a:srgbClr val="333333"/>
+            </a:pPr>
+            <a:r>
+              <a:rPr sz="2200">
+                <a:solidFill>
+                  <a:srgbClr val="202020"/>
                 </a:solidFill>
                 <a:latin typeface="Calibri"/>
-              </a:defRPr>
-            </a:pPr>
-            <a:r>
-              <a:t>OAuth = use your subscription, no extra cost, official apps only</a:t>
-            </a:r>
-          </a:p>
-          <a:p>
-            <a:pPr>
-              <a:spcAft>
-                <a:spcPts val="1000"/>
-              </a:spcAft>
-              <a:defRPr sz="2200">
-                <a:solidFill>
-                  <a:srgbClr val="333333"/>
-                </a:solidFill>
-                <a:latin typeface="Calibri"/>
-              </a:defRPr>
-            </a:pPr>
-            <a:r>
-              <a:t>Best path: free tiers → one $20 sub → OpenClaw + API</a:t>
+              </a:rPr>
+              <a:t>Why this matters: you're not locked into one app</a:t>
             </a:r>
           </a:p>
         </p:txBody>
@@ -8500,7 +9417,7 @@
 </p:sld>
 </file>
 
-<file path=ppt/slides/slide28.xml><?xml version="1.0" encoding="utf-8"?>
+<file path=ppt/slides/slide5.xml><?xml version="1.0" encoding="utf-8"?>
 <p:sld xmlns:a="http://schemas.openxmlformats.org/drawingml/2006/main" xmlns:p="http://schemas.openxmlformats.org/presentationml/2006/main" xmlns:r="http://schemas.openxmlformats.org/officeDocument/2006/relationships">
   <p:cSld>
     <p:bg>
@@ -8527,7 +9444,7 @@
         <p:spPr>
           <a:xfrm>
             <a:off x="914400" y="2011680"/>
-            <a:ext cx="10362895" cy="1371600"/>
+            <a:ext cx="10362895" cy="1828800"/>
           </a:xfrm>
           <a:prstGeom prst="rect">
             <a:avLst/>
@@ -8540,29 +9457,27 @@
           </a:bodyPr>
           <a:lstStyle/>
           <a:p>
-            <a:pPr algn="ctr">
-              <a:defRPr sz="4400" b="1">
+            <a:pPr algn="ctr"/>
+            <a:r>
+              <a:rPr sz="4400" b="1">
                 <a:solidFill>
                   <a:srgbClr val="FFFFFF"/>
                 </a:solidFill>
                 <a:latin typeface="Calibri"/>
-              </a:defRPr>
-            </a:pPr>
-            <a:r>
-              <a:t>Questions &amp; Next Steps</a:t>
-            </a:r>
-          </a:p>
-          <a:p>
-            <a:pPr algn="ctr">
-              <a:defRPr sz="2200">
+              </a:rPr>
+              <a:t>Part 2: How It Works</a:t>
+            </a:r>
+          </a:p>
+          <a:p>
+            <a:pPr algn="ctr"/>
+            <a:r>
+              <a:rPr sz="2400">
                 <a:solidFill>
                   <a:srgbClr val="0096D6"/>
                 </a:solidFill>
                 <a:latin typeface="Calibri"/>
-              </a:defRPr>
-            </a:pPr>
-            <a:r>
-              <a:t>Thank you! 🎉</a:t>
+              </a:rPr>
+              <a:t>Models, pricing, and access</a:t>
             </a:r>
           </a:p>
         </p:txBody>
@@ -8575,7 +9490,7 @@
 </p:sld>
 </file>
 
-<file path=ppt/slides/slide3.xml><?xml version="1.0" encoding="utf-8"?>
+<file path=ppt/slides/slide6.xml><?xml version="1.0" encoding="utf-8"?>
 <p:sld xmlns:a="http://schemas.openxmlformats.org/drawingml/2006/main" xmlns:p="http://schemas.openxmlformats.org/presentationml/2006/main" xmlns:r="http://schemas.openxmlformats.org/officeDocument/2006/relationships">
   <p:cSld>
     <p:spTree>
@@ -8594,13 +9509,13 @@
         <p:spPr>
           <a:xfrm>
             <a:off x="0" y="0"/>
-            <a:ext cx="12191695" cy="1097280"/>
+            <a:ext cx="12191695" cy="73152"/>
           </a:xfrm>
           <a:prstGeom prst="rect">
             <a:avLst/>
           </a:prstGeom>
           <a:solidFill>
-            <a:srgbClr val="1B2A4A"/>
+            <a:srgbClr val="0096D6"/>
           </a:solidFill>
           <a:ln>
             <a:noFill/>
@@ -8621,20 +9536,10 @@
           </a:fontRef>
         </p:style>
         <p:txBody>
-          <a:bodyPr rtlCol="0" anchor="ctr" tIns="203200" lIns="508000"/>
-          <a:lstStyle/>
-          <a:p>
-            <a:pPr algn="ctr">
-              <a:defRPr sz="3200" b="1">
-                <a:solidFill>
-                  <a:srgbClr val="FFFFFF"/>
-                </a:solidFill>
-                <a:latin typeface="Calibri"/>
-              </a:defRPr>
-            </a:pPr>
-            <a:r>
-              <a:t>There's More Than ChatGPT</a:t>
-            </a:r>
+          <a:bodyPr rtlCol="0" anchor="ctr"/>
+          <a:lstStyle/>
+          <a:p>
+            <a:pPr algn="ctr"/>
           </a:p>
         </p:txBody>
       </p:sp>
@@ -8646,8 +9551,8 @@
         </p:nvSpPr>
         <p:spPr>
           <a:xfrm>
-            <a:off x="731520" y="1463040"/>
-            <a:ext cx="10515600" cy="4937760"/>
+            <a:off x="548640" y="274320"/>
+            <a:ext cx="10972800" cy="731520"/>
           </a:xfrm>
           <a:prstGeom prst="rect">
             <a:avLst/>
@@ -8655,92 +9560,411 @@
           <a:noFill/>
         </p:spPr>
         <p:txBody>
-          <a:bodyPr wrap="square">
+          <a:bodyPr wrap="none">
             <a:spAutoFit/>
           </a:bodyPr>
           <a:lstStyle/>
           <a:p>
-            <a:pPr>
-              <a:spcAft>
-                <a:spcPts val="1000"/>
-              </a:spcAft>
-              <a:defRPr sz="2200">
-                <a:solidFill>
-                  <a:srgbClr val="333333"/>
+            <a:r>
+              <a:rPr sz="3200" b="1">
+                <a:solidFill>
+                  <a:srgbClr val="1B2A4A"/>
                 </a:solidFill>
                 <a:latin typeface="Calibri"/>
-              </a:defRPr>
-            </a:pPr>
-            <a:r>
-              <a:t>ChatGPT (OpenAI) — the one everyone knows. Image gen, plugins, coding</a:t>
-            </a:r>
-          </a:p>
-          <a:p>
-            <a:pPr>
-              <a:spcAft>
-                <a:spcPts val="1000"/>
-              </a:spcAft>
-              <a:defRPr sz="2200">
-                <a:solidFill>
-                  <a:srgbClr val="333333"/>
-                </a:solidFill>
-                <a:latin typeface="Calibri"/>
-              </a:defRPr>
-            </a:pPr>
-            <a:r>
-              <a:t>Claude (Anthropic) — best at writing, analysis, long documents (1M tokens)</a:t>
-            </a:r>
-          </a:p>
-          <a:p>
-            <a:pPr>
-              <a:spcAft>
-                <a:spcPts val="1000"/>
-              </a:spcAft>
-              <a:defRPr sz="2200">
-                <a:solidFill>
-                  <a:srgbClr val="333333"/>
-                </a:solidFill>
-                <a:latin typeface="Calibri"/>
-              </a:defRPr>
-            </a:pPr>
-            <a:r>
-              <a:t>Gemini (Google) — Deep Research, Google integration, generous free tier</a:t>
-            </a:r>
-          </a:p>
-          <a:p>
-            <a:pPr>
-              <a:spcAft>
-                <a:spcPts val="1000"/>
-              </a:spcAft>
-              <a:defRPr sz="2200">
-                <a:solidFill>
-                  <a:srgbClr val="333333"/>
-                </a:solidFill>
-                <a:latin typeface="Calibri"/>
-              </a:defRPr>
-            </a:pPr>
-            <a:r>
-              <a:t>Others: DeepSeek V4, Llama 4 (Meta, open-source), Grok 4 (xAI)</a:t>
-            </a:r>
-          </a:p>
-          <a:p>
-            <a:pPr>
-              <a:spcAft>
-                <a:spcPts val="1000"/>
-              </a:spcAft>
-              <a:defRPr sz="2200">
-                <a:solidFill>
-                  <a:srgbClr val="333333"/>
-                </a:solidFill>
-                <a:latin typeface="Calibri"/>
-              </a:defRPr>
-            </a:pPr>
-            <a:r>
-              <a:t>Each has strengths — using only one is like owning one tool</a:t>
-            </a:r>
-          </a:p>
-        </p:txBody>
-      </p:sp>
+              </a:rPr>
+              <a:t>Models: Pick the Right Brain</a:t>
+            </a:r>
+          </a:p>
+        </p:txBody>
+      </p:sp>
+      <p:graphicFrame>
+        <p:nvGraphicFramePr>
+          <p:cNvPr id="4" name="Table 3"/>
+          <p:cNvGraphicFramePr>
+            <a:graphicFrameLocks noGrp="1"/>
+          </p:cNvGraphicFramePr>
+          <p:nvPr/>
+        </p:nvGraphicFramePr>
+        <p:xfrm>
+          <a:off x="822960" y="1280160"/>
+          <a:ext cx="10515600" cy="2011680"/>
+        </p:xfrm>
+        <a:graphic>
+          <a:graphicData uri="http://schemas.openxmlformats.org/drawingml/2006/table">
+            <a:tbl>
+              <a:tblPr firstRow="1" bandRow="1">
+                <a:tableStyleId>{5C22544A-7EE6-4342-B048-85BDC9FD1C3A}</a:tableStyleId>
+              </a:tblPr>
+              <a:tblGrid>
+                <a:gridCol w="2628900"/>
+                <a:gridCol w="2628900"/>
+                <a:gridCol w="2628900"/>
+                <a:gridCol w="2628900"/>
+              </a:tblGrid>
+              <a:tr h="502920">
+                <a:tc>
+                  <a:txBody>
+                    <a:bodyPr/>
+                    <a:lstStyle/>
+                    <a:p>
+                      <a:r>
+                        <a:rPr sz="1800" b="1">
+                          <a:solidFill>
+                            <a:srgbClr val="FFFFFF"/>
+                          </a:solidFill>
+                          <a:latin typeface="Calibri"/>
+                        </a:rPr>
+                        <a:t>Need</a:t>
+                      </a:r>
+                    </a:p>
+                  </a:txBody>
+                  <a:tcPr>
+                    <a:solidFill>
+                      <a:srgbClr val="1B2A4A"/>
+                    </a:solidFill>
+                  </a:tcPr>
+                </a:tc>
+                <a:tc>
+                  <a:txBody>
+                    <a:bodyPr/>
+                    <a:lstStyle/>
+                    <a:p>
+                      <a:r>
+                        <a:rPr sz="1800" b="1">
+                          <a:solidFill>
+                            <a:srgbClr val="FFFFFF"/>
+                          </a:solidFill>
+                          <a:latin typeface="Calibri"/>
+                        </a:rPr>
+                        <a:t>OpenAI</a:t>
+                      </a:r>
+                    </a:p>
+                  </a:txBody>
+                  <a:tcPr>
+                    <a:solidFill>
+                      <a:srgbClr val="1B2A4A"/>
+                    </a:solidFill>
+                  </a:tcPr>
+                </a:tc>
+                <a:tc>
+                  <a:txBody>
+                    <a:bodyPr/>
+                    <a:lstStyle/>
+                    <a:p>
+                      <a:r>
+                        <a:rPr sz="1800" b="1">
+                          <a:solidFill>
+                            <a:srgbClr val="FFFFFF"/>
+                          </a:solidFill>
+                          <a:latin typeface="Calibri"/>
+                        </a:rPr>
+                        <a:t>Anthropic</a:t>
+                      </a:r>
+                    </a:p>
+                  </a:txBody>
+                  <a:tcPr>
+                    <a:solidFill>
+                      <a:srgbClr val="1B2A4A"/>
+                    </a:solidFill>
+                  </a:tcPr>
+                </a:tc>
+                <a:tc>
+                  <a:txBody>
+                    <a:bodyPr/>
+                    <a:lstStyle/>
+                    <a:p>
+                      <a:r>
+                        <a:rPr sz="1800" b="1">
+                          <a:solidFill>
+                            <a:srgbClr val="FFFFFF"/>
+                          </a:solidFill>
+                          <a:latin typeface="Calibri"/>
+                        </a:rPr>
+                        <a:t>Google</a:t>
+                      </a:r>
+                    </a:p>
+                  </a:txBody>
+                  <a:tcPr>
+                    <a:solidFill>
+                      <a:srgbClr val="1B2A4A"/>
+                    </a:solidFill>
+                  </a:tcPr>
+                </a:tc>
+              </a:tr>
+              <a:tr h="502920">
+                <a:tc>
+                  <a:txBody>
+                    <a:bodyPr/>
+                    <a:lstStyle/>
+                    <a:p>
+                      <a:r>
+                        <a:rPr sz="1800" b="0">
+                          <a:solidFill>
+                            <a:srgbClr val="202020"/>
+                          </a:solidFill>
+                          <a:latin typeface="Calibri"/>
+                        </a:rPr>
+                        <a:t>Quick &amp; cheap</a:t>
+                      </a:r>
+                    </a:p>
+                  </a:txBody>
+                  <a:tcPr>
+                    <a:solidFill>
+                      <a:srgbClr val="FFFFFF"/>
+                    </a:solidFill>
+                  </a:tcPr>
+                </a:tc>
+                <a:tc>
+                  <a:txBody>
+                    <a:bodyPr/>
+                    <a:lstStyle/>
+                    <a:p>
+                      <a:r>
+                        <a:rPr sz="1800" b="0">
+                          <a:solidFill>
+                            <a:srgbClr val="202020"/>
+                          </a:solidFill>
+                          <a:latin typeface="Calibri"/>
+                        </a:rPr>
+                        <a:t>GPT-4.1-nano / GPT-5-mini</a:t>
+                      </a:r>
+                    </a:p>
+                  </a:txBody>
+                  <a:tcPr>
+                    <a:solidFill>
+                      <a:srgbClr val="FFFFFF"/>
+                    </a:solidFill>
+                  </a:tcPr>
+                </a:tc>
+                <a:tc>
+                  <a:txBody>
+                    <a:bodyPr/>
+                    <a:lstStyle/>
+                    <a:p>
+                      <a:r>
+                        <a:rPr sz="1800" b="0">
+                          <a:solidFill>
+                            <a:srgbClr val="202020"/>
+                          </a:solidFill>
+                          <a:latin typeface="Calibri"/>
+                        </a:rPr>
+                        <a:t>Haiku 3.5</a:t>
+                      </a:r>
+                    </a:p>
+                  </a:txBody>
+                  <a:tcPr>
+                    <a:solidFill>
+                      <a:srgbClr val="FFFFFF"/>
+                    </a:solidFill>
+                  </a:tcPr>
+                </a:tc>
+                <a:tc>
+                  <a:txBody>
+                    <a:bodyPr/>
+                    <a:lstStyle/>
+                    <a:p>
+                      <a:r>
+                        <a:rPr sz="1800" b="0">
+                          <a:solidFill>
+                            <a:srgbClr val="202020"/>
+                          </a:solidFill>
+                          <a:latin typeface="Calibri"/>
+                        </a:rPr>
+                        <a:t>Gemini 2.5 Flash</a:t>
+                      </a:r>
+                    </a:p>
+                  </a:txBody>
+                  <a:tcPr>
+                    <a:solidFill>
+                      <a:srgbClr val="FFFFFF"/>
+                    </a:solidFill>
+                  </a:tcPr>
+                </a:tc>
+              </a:tr>
+              <a:tr h="502920">
+                <a:tc>
+                  <a:txBody>
+                    <a:bodyPr/>
+                    <a:lstStyle/>
+                    <a:p>
+                      <a:r>
+                        <a:rPr sz="1800" b="0">
+                          <a:solidFill>
+                            <a:srgbClr val="202020"/>
+                          </a:solidFill>
+                          <a:latin typeface="Calibri"/>
+                        </a:rPr>
+                        <a:t>Everyday work</a:t>
+                      </a:r>
+                    </a:p>
+                  </a:txBody>
+                  <a:tcPr>
+                    <a:solidFill>
+                      <a:srgbClr val="F5F7FA"/>
+                    </a:solidFill>
+                  </a:tcPr>
+                </a:tc>
+                <a:tc>
+                  <a:txBody>
+                    <a:bodyPr/>
+                    <a:lstStyle/>
+                    <a:p>
+                      <a:r>
+                        <a:rPr sz="1800" b="0">
+                          <a:solidFill>
+                            <a:srgbClr val="202020"/>
+                          </a:solidFill>
+                          <a:latin typeface="Calibri"/>
+                        </a:rPr>
+                        <a:t>GPT-4.1 / GPT-5.2</a:t>
+                      </a:r>
+                    </a:p>
+                  </a:txBody>
+                  <a:tcPr>
+                    <a:solidFill>
+                      <a:srgbClr val="F5F7FA"/>
+                    </a:solidFill>
+                  </a:tcPr>
+                </a:tc>
+                <a:tc>
+                  <a:txBody>
+                    <a:bodyPr/>
+                    <a:lstStyle/>
+                    <a:p>
+                      <a:r>
+                        <a:rPr sz="1800" b="0">
+                          <a:solidFill>
+                            <a:srgbClr val="202020"/>
+                          </a:solidFill>
+                          <a:latin typeface="Calibri"/>
+                        </a:rPr>
+                        <a:t>Sonnet 4.6 ⭐</a:t>
+                      </a:r>
+                    </a:p>
+                  </a:txBody>
+                  <a:tcPr>
+                    <a:solidFill>
+                      <a:srgbClr val="F5F7FA"/>
+                    </a:solidFill>
+                  </a:tcPr>
+                </a:tc>
+                <a:tc>
+                  <a:txBody>
+                    <a:bodyPr/>
+                    <a:lstStyle/>
+                    <a:p>
+                      <a:r>
+                        <a:rPr sz="1800" b="0">
+                          <a:solidFill>
+                            <a:srgbClr val="202020"/>
+                          </a:solidFill>
+                          <a:latin typeface="Calibri"/>
+                        </a:rPr>
+                        <a:t>Gemini 2.5 Pro</a:t>
+                      </a:r>
+                    </a:p>
+                  </a:txBody>
+                  <a:tcPr>
+                    <a:solidFill>
+                      <a:srgbClr val="F5F7FA"/>
+                    </a:solidFill>
+                  </a:tcPr>
+                </a:tc>
+              </a:tr>
+              <a:tr h="502920">
+                <a:tc>
+                  <a:txBody>
+                    <a:bodyPr/>
+                    <a:lstStyle/>
+                    <a:p>
+                      <a:r>
+                        <a:rPr sz="1800" b="0">
+                          <a:solidFill>
+                            <a:srgbClr val="202020"/>
+                          </a:solidFill>
+                          <a:latin typeface="Calibri"/>
+                        </a:rPr>
+                        <a:t>Maximum power</a:t>
+                      </a:r>
+                    </a:p>
+                  </a:txBody>
+                  <a:tcPr>
+                    <a:solidFill>
+                      <a:srgbClr val="FFFFFF"/>
+                    </a:solidFill>
+                  </a:tcPr>
+                </a:tc>
+                <a:tc>
+                  <a:txBody>
+                    <a:bodyPr/>
+                    <a:lstStyle/>
+                    <a:p>
+                      <a:r>
+                        <a:rPr sz="1800" b="0">
+                          <a:solidFill>
+                            <a:srgbClr val="202020"/>
+                          </a:solidFill>
+                          <a:latin typeface="Calibri"/>
+                        </a:rPr>
+                        <a:t>GPT-5.2-Codex</a:t>
+                      </a:r>
+                    </a:p>
+                  </a:txBody>
+                  <a:tcPr>
+                    <a:solidFill>
+                      <a:srgbClr val="FFFFFF"/>
+                    </a:solidFill>
+                  </a:tcPr>
+                </a:tc>
+                <a:tc>
+                  <a:txBody>
+                    <a:bodyPr/>
+                    <a:lstStyle/>
+                    <a:p>
+                      <a:r>
+                        <a:rPr sz="1800" b="0">
+                          <a:solidFill>
+                            <a:srgbClr val="202020"/>
+                          </a:solidFill>
+                          <a:latin typeface="Calibri"/>
+                        </a:rPr>
+                        <a:t>Opus 4.6</a:t>
+                      </a:r>
+                    </a:p>
+                  </a:txBody>
+                  <a:tcPr>
+                    <a:solidFill>
+                      <a:srgbClr val="FFFFFF"/>
+                    </a:solidFill>
+                  </a:tcPr>
+                </a:tc>
+                <a:tc>
+                  <a:txBody>
+                    <a:bodyPr/>
+                    <a:lstStyle/>
+                    <a:p>
+                      <a:r>
+                        <a:rPr sz="1800" b="0">
+                          <a:solidFill>
+                            <a:srgbClr val="202020"/>
+                          </a:solidFill>
+                          <a:latin typeface="Calibri"/>
+                        </a:rPr>
+                        <a:t>Gemini 2.5 Pro (Thinking)</a:t>
+                      </a:r>
+                    </a:p>
+                  </a:txBody>
+                  <a:tcPr>
+                    <a:solidFill>
+                      <a:srgbClr val="FFFFFF"/>
+                    </a:solidFill>
+                  </a:tcPr>
+                </a:tc>
+              </a:tr>
+            </a:tbl>
+          </a:graphicData>
+        </a:graphic>
+      </p:graphicFrame>
     </p:spTree>
   </p:cSld>
   <p:clrMapOvr>
@@ -8749,7 +9973,7 @@
 </p:sld>
 </file>
 
-<file path=ppt/slides/slide4.xml><?xml version="1.0" encoding="utf-8"?>
+<file path=ppt/slides/slide7.xml><?xml version="1.0" encoding="utf-8"?>
 <p:sld xmlns:a="http://schemas.openxmlformats.org/drawingml/2006/main" xmlns:p="http://schemas.openxmlformats.org/presentationml/2006/main" xmlns:r="http://schemas.openxmlformats.org/officeDocument/2006/relationships">
   <p:cSld>
     <p:spTree>
@@ -8768,13 +9992,13 @@
         <p:spPr>
           <a:xfrm>
             <a:off x="0" y="0"/>
-            <a:ext cx="12191695" cy="1097280"/>
+            <a:ext cx="12191695" cy="73152"/>
           </a:xfrm>
           <a:prstGeom prst="rect">
             <a:avLst/>
           </a:prstGeom>
           <a:solidFill>
-            <a:srgbClr val="1B2A4A"/>
+            <a:srgbClr val="0096D6"/>
           </a:solidFill>
           <a:ln>
             <a:noFill/>
@@ -8795,20 +10019,10 @@
           </a:fontRef>
         </p:style>
         <p:txBody>
-          <a:bodyPr rtlCol="0" anchor="ctr" tIns="203200" lIns="508000"/>
-          <a:lstStyle/>
-          <a:p>
-            <a:pPr algn="ctr">
-              <a:defRPr sz="3200" b="1">
-                <a:solidFill>
-                  <a:srgbClr val="FFFFFF"/>
-                </a:solidFill>
-                <a:latin typeface="Calibri"/>
-              </a:defRPr>
-            </a:pPr>
-            <a:r>
-              <a:t>Live Comparison: Same Prompt, 3 AIs</a:t>
-            </a:r>
+          <a:bodyPr rtlCol="0" anchor="ctr"/>
+          <a:lstStyle/>
+          <a:p>
+            <a:pPr algn="ctr"/>
           </a:p>
         </p:txBody>
       </p:sp>
@@ -8820,8 +10034,8 @@
         </p:nvSpPr>
         <p:spPr>
           <a:xfrm>
-            <a:off x="731520" y="1463040"/>
-            <a:ext cx="10515600" cy="4937760"/>
+            <a:off x="548640" y="274320"/>
+            <a:ext cx="10972800" cy="731520"/>
           </a:xfrm>
           <a:prstGeom prst="rect">
             <a:avLst/>
@@ -8829,423 +10043,34 @@
           <a:noFill/>
         </p:spPr>
         <p:txBody>
-          <a:bodyPr wrap="square">
+          <a:bodyPr wrap="none">
             <a:spAutoFit/>
           </a:bodyPr>
           <a:lstStyle/>
           <a:p>
-            <a:pPr>
-              <a:spcAft>
-                <a:spcPts val="1000"/>
-              </a:spcAft>
-              <a:defRPr sz="2200">
-                <a:solidFill>
-                  <a:srgbClr val="333333"/>
+            <a:r>
+              <a:rPr sz="3200" b="1">
+                <a:solidFill>
+                  <a:srgbClr val="1B2A4A"/>
                 </a:solidFill>
                 <a:latin typeface="Calibri"/>
-              </a:defRPr>
-            </a:pPr>
-            <a:r>
-              <a:t>We'll send the exact same prompt to ChatGPT, Claude, and Gemini</a:t>
-            </a:r>
-          </a:p>
-          <a:p>
-            <a:pPr>
-              <a:spcAft>
-                <a:spcPts val="1000"/>
-              </a:spcAft>
-              <a:defRPr sz="2200">
-                <a:solidFill>
-                  <a:srgbClr val="333333"/>
-                </a:solidFill>
-                <a:latin typeface="Calibri"/>
-              </a:defRPr>
-            </a:pPr>
-            <a:r>
-              <a:t>Watch how each interprets it differently</a:t>
-            </a:r>
-          </a:p>
-          <a:p>
-            <a:pPr>
-              <a:spcAft>
-                <a:spcPts val="1000"/>
-              </a:spcAft>
-              <a:defRPr sz="2200">
-                <a:solidFill>
-                  <a:srgbClr val="333333"/>
-                </a:solidFill>
-                <a:latin typeface="Calibri"/>
-              </a:defRPr>
-            </a:pPr>
-            <a:r>
-              <a:t>Notice: tone, structure, detail level, confidence</a:t>
-            </a:r>
-          </a:p>
-          <a:p>
-            <a:pPr>
-              <a:spcAft>
-                <a:spcPts val="1000"/>
-              </a:spcAft>
-              <a:defRPr sz="2200">
-                <a:solidFill>
-                  <a:srgbClr val="333333"/>
-                </a:solidFill>
-                <a:latin typeface="Calibri"/>
-              </a:defRPr>
-            </a:pPr>
-            <a:r>
-              <a:t>No single AI is 'best' — it depends on the task</a:t>
-            </a:r>
-          </a:p>
-          <a:p>
-            <a:pPr>
-              <a:spcAft>
-                <a:spcPts val="1000"/>
-              </a:spcAft>
-              <a:defRPr sz="2200">
-                <a:solidFill>
-                  <a:srgbClr val="333333"/>
-                </a:solidFill>
-                <a:latin typeface="Calibri"/>
-              </a:defRPr>
-            </a:pPr>
-            <a:r>
-              <a:t>💡 This is why power users switch between models</a:t>
-            </a:r>
-          </a:p>
-        </p:txBody>
-      </p:sp>
-    </p:spTree>
-  </p:cSld>
-  <p:clrMapOvr>
-    <a:masterClrMapping/>
-  </p:clrMapOvr>
-</p:sld>
-</file>
-
-<file path=ppt/slides/slide5.xml><?xml version="1.0" encoding="utf-8"?>
-<p:sld xmlns:a="http://schemas.openxmlformats.org/drawingml/2006/main" xmlns:p="http://schemas.openxmlformats.org/presentationml/2006/main" xmlns:r="http://schemas.openxmlformats.org/officeDocument/2006/relationships">
-  <p:cSld>
-    <p:spTree>
-      <p:nvGrpSpPr>
-        <p:cNvPr id="1" name=""/>
-        <p:cNvGrpSpPr/>
-        <p:nvPr/>
-      </p:nvGrpSpPr>
-      <p:grpSpPr/>
-      <p:sp>
-        <p:nvSpPr>
-          <p:cNvPr id="2" name="Rectangle 1"/>
-          <p:cNvSpPr/>
-          <p:nvPr/>
-        </p:nvSpPr>
-        <p:spPr>
-          <a:xfrm>
-            <a:off x="0" y="0"/>
-            <a:ext cx="12191695" cy="1097280"/>
-          </a:xfrm>
-          <a:prstGeom prst="rect">
-            <a:avLst/>
-          </a:prstGeom>
-          <a:solidFill>
-            <a:srgbClr val="1B2A4A"/>
-          </a:solidFill>
-          <a:ln>
-            <a:noFill/>
-          </a:ln>
-        </p:spPr>
-        <p:style>
-          <a:lnRef idx="1">
-            <a:schemeClr val="accent1"/>
-          </a:lnRef>
-          <a:fillRef idx="3">
-            <a:schemeClr val="accent1"/>
-          </a:fillRef>
-          <a:effectRef idx="2">
-            <a:schemeClr val="accent1"/>
-          </a:effectRef>
-          <a:fontRef idx="minor">
-            <a:schemeClr val="lt1"/>
-          </a:fontRef>
-        </p:style>
-        <p:txBody>
-          <a:bodyPr rtlCol="0" anchor="ctr" tIns="203200" lIns="508000"/>
-          <a:lstStyle/>
-          <a:p>
-            <a:pPr algn="ctr">
-              <a:defRPr sz="3200" b="1">
-                <a:solidFill>
-                  <a:srgbClr val="FFFFFF"/>
-                </a:solidFill>
-                <a:latin typeface="Calibri"/>
-              </a:defRPr>
-            </a:pPr>
-            <a:r>
-              <a:t>The Brain vs The App</a:t>
-            </a:r>
-          </a:p>
-        </p:txBody>
-      </p:sp>
-      <p:sp>
-        <p:nvSpPr>
-          <p:cNvPr id="3" name="TextBox 2"/>
-          <p:cNvSpPr txBox="1"/>
-          <p:nvPr/>
-        </p:nvSpPr>
-        <p:spPr>
-          <a:xfrm>
-            <a:off x="731520" y="1463040"/>
-            <a:ext cx="10515600" cy="4937760"/>
-          </a:xfrm>
-          <a:prstGeom prst="rect">
-            <a:avLst/>
-          </a:prstGeom>
-          <a:noFill/>
-        </p:spPr>
-        <p:txBody>
-          <a:bodyPr wrap="square">
-            <a:spAutoFit/>
-          </a:bodyPr>
-          <a:lstStyle/>
-          <a:p>
-            <a:pPr>
-              <a:spcAft>
-                <a:spcPts val="1000"/>
-              </a:spcAft>
-              <a:defRPr sz="2200">
-                <a:solidFill>
-                  <a:srgbClr val="333333"/>
-                </a:solidFill>
-                <a:latin typeface="Calibri"/>
-              </a:defRPr>
-            </a:pPr>
-            <a:r>
-              <a:t>Model = the brain (GPT-5.2, Sonnet 4.6, Gemini 2.5 Pro)</a:t>
-            </a:r>
-          </a:p>
-          <a:p>
-            <a:pPr>
-              <a:spcAft>
-                <a:spcPts val="1000"/>
-              </a:spcAft>
-              <a:defRPr sz="2200">
-                <a:solidFill>
-                  <a:srgbClr val="333333"/>
-                </a:solidFill>
-                <a:latin typeface="Calibri"/>
-              </a:defRPr>
-            </a:pPr>
-            <a:r>
-              <a:t>App = the interface (ChatGPT, Claude.ai, Gemini, OpenClaw)</a:t>
-            </a:r>
-          </a:p>
-          <a:p>
-            <a:pPr>
-              <a:spcAft>
-                <a:spcPts val="1000"/>
-              </a:spcAft>
-              <a:defRPr sz="2200">
-                <a:solidFill>
-                  <a:srgbClr val="333333"/>
-                </a:solidFill>
-                <a:latin typeface="Calibri"/>
-              </a:defRPr>
-            </a:pPr>
-            <a:r>
-              <a:t>Same model can power different apps</a:t>
-            </a:r>
-          </a:p>
-          <a:p>
-            <a:pPr>
-              <a:spcAft>
-                <a:spcPts val="1000"/>
-              </a:spcAft>
-              <a:defRPr sz="2200">
-                <a:solidFill>
-                  <a:srgbClr val="333333"/>
-                </a:solidFill>
-                <a:latin typeface="Calibri"/>
-              </a:defRPr>
-            </a:pPr>
-            <a:r>
-              <a:t>OpenClaw lets you use ANY model through ONE interface</a:t>
-            </a:r>
-          </a:p>
-          <a:p>
-            <a:pPr>
-              <a:spcAft>
-                <a:spcPts val="1000"/>
-              </a:spcAft>
-              <a:defRPr sz="2200">
-                <a:solidFill>
-                  <a:srgbClr val="333333"/>
-                </a:solidFill>
-                <a:latin typeface="Calibri"/>
-              </a:defRPr>
-            </a:pPr>
-            <a:r>
-              <a:t>The app decides what features you see; the model decides how smart it is</a:t>
-            </a:r>
-          </a:p>
-        </p:txBody>
-      </p:sp>
-    </p:spTree>
-  </p:cSld>
-  <p:clrMapOvr>
-    <a:masterClrMapping/>
-  </p:clrMapOvr>
-</p:sld>
-</file>
-
-<file path=ppt/slides/slide6.xml><?xml version="1.0" encoding="utf-8"?>
-<p:sld xmlns:a="http://schemas.openxmlformats.org/drawingml/2006/main" xmlns:p="http://schemas.openxmlformats.org/presentationml/2006/main" xmlns:r="http://schemas.openxmlformats.org/officeDocument/2006/relationships">
-  <p:cSld>
-    <p:bg>
-      <p:bgPr>
-        <a:solidFill>
-          <a:srgbClr val="1B2A4A"/>
-        </a:solidFill>
-        <a:effectLst/>
-      </p:bgPr>
-    </p:bg>
-    <p:spTree>
-      <p:nvGrpSpPr>
-        <p:cNvPr id="1" name=""/>
-        <p:cNvGrpSpPr/>
-        <p:nvPr/>
-      </p:nvGrpSpPr>
-      <p:grpSpPr/>
-      <p:sp>
-        <p:nvSpPr>
-          <p:cNvPr id="2" name="TextBox 1"/>
-          <p:cNvSpPr txBox="1"/>
-          <p:nvPr/>
-        </p:nvSpPr>
-        <p:spPr>
-          <a:xfrm>
-            <a:off x="914400" y="2011680"/>
-            <a:ext cx="10362895" cy="1371600"/>
-          </a:xfrm>
-          <a:prstGeom prst="rect">
-            <a:avLst/>
-          </a:prstGeom>
-          <a:noFill/>
-        </p:spPr>
-        <p:txBody>
-          <a:bodyPr wrap="square">
-            <a:spAutoFit/>
-          </a:bodyPr>
-          <a:lstStyle/>
-          <a:p>
-            <a:pPr algn="ctr">
-              <a:defRPr sz="4400" b="1">
-                <a:solidFill>
-                  <a:srgbClr val="FFFFFF"/>
-                </a:solidFill>
-                <a:latin typeface="Calibri"/>
-              </a:defRPr>
-            </a:pPr>
-            <a:r>
-              <a:t>Part 2: How It Works</a:t>
-            </a:r>
-          </a:p>
-          <a:p>
-            <a:pPr algn="ctr">
-              <a:defRPr sz="2200">
-                <a:solidFill>
-                  <a:srgbClr val="0096D6"/>
-                </a:solidFill>
-                <a:latin typeface="Calibri"/>
-              </a:defRPr>
-            </a:pPr>
-            <a:r>
-              <a:t>Models, pricing, and access methods</a:t>
-            </a:r>
-          </a:p>
-        </p:txBody>
-      </p:sp>
-    </p:spTree>
-  </p:cSld>
-  <p:clrMapOvr>
-    <a:masterClrMapping/>
-  </p:clrMapOvr>
-</p:sld>
-</file>
-
-<file path=ppt/slides/slide7.xml><?xml version="1.0" encoding="utf-8"?>
-<p:sld xmlns:a="http://schemas.openxmlformats.org/drawingml/2006/main" xmlns:p="http://schemas.openxmlformats.org/presentationml/2006/main" xmlns:r="http://schemas.openxmlformats.org/officeDocument/2006/relationships">
-  <p:cSld>
-    <p:spTree>
-      <p:nvGrpSpPr>
-        <p:cNvPr id="1" name=""/>
-        <p:cNvGrpSpPr/>
-        <p:nvPr/>
-      </p:nvGrpSpPr>
-      <p:grpSpPr/>
-      <p:sp>
-        <p:nvSpPr>
-          <p:cNvPr id="2" name="Rectangle 1"/>
-          <p:cNvSpPr/>
-          <p:nvPr/>
-        </p:nvSpPr>
-        <p:spPr>
-          <a:xfrm>
-            <a:off x="0" y="0"/>
-            <a:ext cx="12191695" cy="1097280"/>
-          </a:xfrm>
-          <a:prstGeom prst="rect">
-            <a:avLst/>
-          </a:prstGeom>
-          <a:solidFill>
-            <a:srgbClr val="1B2A4A"/>
-          </a:solidFill>
-          <a:ln>
-            <a:noFill/>
-          </a:ln>
-        </p:spPr>
-        <p:style>
-          <a:lnRef idx="1">
-            <a:schemeClr val="accent1"/>
-          </a:lnRef>
-          <a:fillRef idx="3">
-            <a:schemeClr val="accent1"/>
-          </a:fillRef>
-          <a:effectRef idx="2">
-            <a:schemeClr val="accent1"/>
-          </a:effectRef>
-          <a:fontRef idx="minor">
-            <a:schemeClr val="lt1"/>
-          </a:fontRef>
-        </p:style>
-        <p:txBody>
-          <a:bodyPr rtlCol="0" anchor="ctr" tIns="203200" lIns="508000"/>
-          <a:lstStyle/>
-          <a:p>
-            <a:pPr algn="ctr">
-              <a:defRPr sz="3200" b="1">
-                <a:solidFill>
-                  <a:srgbClr val="FFFFFF"/>
-                </a:solidFill>
-                <a:latin typeface="Calibri"/>
-              </a:defRPr>
-            </a:pPr>
-            <a:r>
-              <a:t>Models: Pick the Right Brain</a:t>
+              </a:rPr>
+              <a:t>What Things Actually Cost</a:t>
             </a:r>
           </a:p>
         </p:txBody>
       </p:sp>
       <p:graphicFrame>
         <p:nvGraphicFramePr>
-          <p:cNvPr id="3" name="Table 2"/>
+          <p:cNvPr id="4" name="Table 3"/>
           <p:cNvGraphicFramePr>
             <a:graphicFrameLocks noGrp="1"/>
           </p:cNvGraphicFramePr>
           <p:nvPr/>
         </p:nvGraphicFramePr>
         <p:xfrm>
-          <a:off x="548640" y="1463040"/>
-          <a:ext cx="11064240" cy="1828800"/>
+          <a:off x="822960" y="1280160"/>
+          <a:ext cx="10515600" cy="2514600"/>
         </p:xfrm>
         <a:graphic>
           <a:graphicData uri="http://schemas.openxmlformats.org/drawingml/2006/table">
@@ -9254,33 +10079,31 @@
                 <a:tableStyleId>{5C22544A-7EE6-4342-B048-85BDC9FD1C3A}</a:tableStyleId>
               </a:tblPr>
               <a:tblGrid>
-                <a:gridCol w="2286000"/>
-                <a:gridCol w="2743200"/>
-                <a:gridCol w="2743200"/>
-                <a:gridCol w="3291840"/>
+                <a:gridCol w="2628900"/>
+                <a:gridCol w="2628900"/>
+                <a:gridCol w="2628900"/>
+                <a:gridCol w="2628900"/>
               </a:tblGrid>
-              <a:tr h="457200">
+              <a:tr h="502920">
                 <a:tc>
                   <a:txBody>
                     <a:bodyPr/>
                     <a:lstStyle/>
                     <a:p>
-                      <a:pPr>
-                        <a:defRPr sz="1800" b="1">
+                      <a:r>
+                        <a:rPr sz="1800" b="1">
                           <a:solidFill>
                             <a:srgbClr val="FFFFFF"/>
                           </a:solidFill>
                           <a:latin typeface="Calibri"/>
-                        </a:defRPr>
-                      </a:pPr>
-                      <a:r>
-                        <a:t>Need</a:t>
+                        </a:rPr>
+                        <a:t>Tier</a:t>
                       </a:r>
                     </a:p>
                   </a:txBody>
                   <a:tcPr>
                     <a:solidFill>
-                      <a:srgbClr val="0096D6"/>
+                      <a:srgbClr val="1B2A4A"/>
                     </a:solidFill>
                   </a:tcPr>
                 </a:tc>
@@ -9289,22 +10112,20 @@
                     <a:bodyPr/>
                     <a:lstStyle/>
                     <a:p>
-                      <a:pPr>
-                        <a:defRPr sz="1800" b="1">
+                      <a:r>
+                        <a:rPr sz="1800" b="1">
                           <a:solidFill>
                             <a:srgbClr val="FFFFFF"/>
                           </a:solidFill>
                           <a:latin typeface="Calibri"/>
-                        </a:defRPr>
-                      </a:pPr>
-                      <a:r>
-                        <a:t>OpenAI</a:t>
+                        </a:rPr>
+                        <a:t>ChatGPT</a:t>
                       </a:r>
                     </a:p>
                   </a:txBody>
                   <a:tcPr>
                     <a:solidFill>
-                      <a:srgbClr val="0096D6"/>
+                      <a:srgbClr val="1B2A4A"/>
                     </a:solidFill>
                   </a:tcPr>
                 </a:tc>
@@ -9313,22 +10134,20 @@
                     <a:bodyPr/>
                     <a:lstStyle/>
                     <a:p>
-                      <a:pPr>
-                        <a:defRPr sz="1800" b="1">
+                      <a:r>
+                        <a:rPr sz="1800" b="1">
                           <a:solidFill>
                             <a:srgbClr val="FFFFFF"/>
                           </a:solidFill>
                           <a:latin typeface="Calibri"/>
-                        </a:defRPr>
-                      </a:pPr>
-                      <a:r>
-                        <a:t>Anthropic</a:t>
+                        </a:rPr>
+                        <a:t>Claude</a:t>
                       </a:r>
                     </a:p>
                   </a:txBody>
                   <a:tcPr>
                     <a:solidFill>
-                      <a:srgbClr val="0096D6"/>
+                      <a:srgbClr val="1B2A4A"/>
                     </a:solidFill>
                   </a:tcPr>
                 </a:tc>
@@ -9337,42 +10156,38 @@
                     <a:bodyPr/>
                     <a:lstStyle/>
                     <a:p>
-                      <a:pPr>
-                        <a:defRPr sz="1800" b="1">
+                      <a:r>
+                        <a:rPr sz="1800" b="1">
                           <a:solidFill>
                             <a:srgbClr val="FFFFFF"/>
                           </a:solidFill>
                           <a:latin typeface="Calibri"/>
-                        </a:defRPr>
-                      </a:pPr>
-                      <a:r>
-                        <a:t>Google</a:t>
+                        </a:rPr>
+                        <a:t>Gemini</a:t>
                       </a:r>
                     </a:p>
                   </a:txBody>
                   <a:tcPr>
                     <a:solidFill>
-                      <a:srgbClr val="0096D6"/>
+                      <a:srgbClr val="1B2A4A"/>
                     </a:solidFill>
                   </a:tcPr>
                 </a:tc>
               </a:tr>
-              <a:tr h="457200">
+              <a:tr h="502920">
                 <a:tc>
                   <a:txBody>
                     <a:bodyPr/>
                     <a:lstStyle/>
                     <a:p>
-                      <a:pPr>
-                        <a:defRPr sz="1600">
+                      <a:r>
+                        <a:rPr sz="1800" b="0">
                           <a:solidFill>
-                            <a:srgbClr val="333333"/>
+                            <a:srgbClr val="202020"/>
                           </a:solidFill>
                           <a:latin typeface="Calibri"/>
-                        </a:defRPr>
-                      </a:pPr>
-                      <a:r>
-                        <a:t>Quick &amp; cheap</a:t>
+                        </a:rPr>
+                        <a:t>Free</a:t>
                       </a:r>
                     </a:p>
                   </a:txBody>
@@ -9387,16 +10202,14 @@
                     <a:bodyPr/>
                     <a:lstStyle/>
                     <a:p>
-                      <a:pPr>
-                        <a:defRPr sz="1600">
+                      <a:r>
+                        <a:rPr sz="1800" b="0">
                           <a:solidFill>
-                            <a:srgbClr val="333333"/>
+                            <a:srgbClr val="202020"/>
                           </a:solidFill>
                           <a:latin typeface="Calibri"/>
-                        </a:defRPr>
-                      </a:pPr>
-                      <a:r>
-                        <a:t>GPT-4.1-mini / nano</a:t>
+                        </a:rPr>
+                        <a:t>GPT-5.2 (limited, has ads)</a:t>
                       </a:r>
                     </a:p>
                   </a:txBody>
@@ -9411,16 +10224,14 @@
                     <a:bodyPr/>
                     <a:lstStyle/>
                     <a:p>
-                      <a:pPr>
-                        <a:defRPr sz="1600">
+                      <a:r>
+                        <a:rPr sz="1800" b="0">
                           <a:solidFill>
-                            <a:srgbClr val="333333"/>
+                            <a:srgbClr val="202020"/>
                           </a:solidFill>
                           <a:latin typeface="Calibri"/>
-                        </a:defRPr>
-                      </a:pPr>
-                      <a:r>
-                        <a:t>Haiku 3.5</a:t>
+                        </a:rPr>
+                        <a:t>Sonnet 4.6 (limited)</a:t>
                       </a:r>
                     </a:p>
                   </a:txBody>
@@ -9435,16 +10246,14 @@
                     <a:bodyPr/>
                     <a:lstStyle/>
                     <a:p>
-                      <a:pPr>
-                        <a:defRPr sz="1600">
+                      <a:r>
+                        <a:rPr sz="1800" b="0">
                           <a:solidFill>
-                            <a:srgbClr val="333333"/>
+                            <a:srgbClr val="202020"/>
                           </a:solidFill>
                           <a:latin typeface="Calibri"/>
-                        </a:defRPr>
-                      </a:pPr>
-                      <a:r>
-                        <a:t>Gemini 2.5 Flash</a:t>
+                        </a:rPr>
+                        <a:t>2.5 Flash + limited Pro</a:t>
                       </a:r>
                     </a:p>
                   </a:txBody>
@@ -9455,28 +10264,26 @@
                   </a:tcPr>
                 </a:tc>
               </a:tr>
-              <a:tr h="457200">
+              <a:tr h="502920">
                 <a:tc>
                   <a:txBody>
                     <a:bodyPr/>
                     <a:lstStyle/>
                     <a:p>
-                      <a:pPr>
-                        <a:defRPr sz="1600">
+                      <a:r>
+                        <a:rPr sz="1800" b="0">
                           <a:solidFill>
-                            <a:srgbClr val="333333"/>
+                            <a:srgbClr val="202020"/>
                           </a:solidFill>
                           <a:latin typeface="Calibri"/>
-                        </a:defRPr>
-                      </a:pPr>
-                      <a:r>
-                        <a:t>Everyday work</a:t>
+                        </a:rPr>
+                        <a:t>Budget ($8/mo)</a:t>
                       </a:r>
                     </a:p>
                   </a:txBody>
                   <a:tcPr>
                     <a:solidFill>
-                      <a:srgbClr val="F5F5F5"/>
+                      <a:srgbClr val="F5F7FA"/>
                     </a:solidFill>
                   </a:tcPr>
                 </a:tc>
@@ -9485,22 +10292,20 @@
                     <a:bodyPr/>
                     <a:lstStyle/>
                     <a:p>
-                      <a:pPr>
-                        <a:defRPr sz="1600">
+                      <a:r>
+                        <a:rPr sz="1800" b="0">
                           <a:solidFill>
-                            <a:srgbClr val="333333"/>
+                            <a:srgbClr val="202020"/>
                           </a:solidFill>
                           <a:latin typeface="Calibri"/>
-                        </a:defRPr>
-                      </a:pPr>
-                      <a:r>
-                        <a:t>GPT-4.1 / GPT-5.2</a:t>
+                        </a:rPr>
+                        <a:t>Go</a:t>
                       </a:r>
                     </a:p>
                   </a:txBody>
                   <a:tcPr>
                     <a:solidFill>
-                      <a:srgbClr val="F5F5F5"/>
+                      <a:srgbClr val="F5F7FA"/>
                     </a:solidFill>
                   </a:tcPr>
                 </a:tc>
@@ -9509,22 +10314,20 @@
                     <a:bodyPr/>
                     <a:lstStyle/>
                     <a:p>
-                      <a:pPr>
-                        <a:defRPr sz="1600">
+                      <a:r>
+                        <a:rPr sz="1800" b="0">
                           <a:solidFill>
-                            <a:srgbClr val="333333"/>
+                            <a:srgbClr val="202020"/>
                           </a:solidFill>
                           <a:latin typeface="Calibri"/>
-                        </a:defRPr>
-                      </a:pPr>
-                      <a:r>
-                        <a:t>Sonnet 4.6 ⭐</a:t>
+                        </a:rPr>
+                        <a:t>—</a:t>
                       </a:r>
                     </a:p>
                   </a:txBody>
                   <a:tcPr>
                     <a:solidFill>
-                      <a:srgbClr val="F5F5F5"/>
+                      <a:srgbClr val="F5F7FA"/>
                     </a:solidFill>
                   </a:tcPr>
                 </a:tc>
@@ -9533,42 +10336,38 @@
                     <a:bodyPr/>
                     <a:lstStyle/>
                     <a:p>
-                      <a:pPr>
-                        <a:defRPr sz="1600">
+                      <a:r>
+                        <a:rPr sz="1800" b="0">
                           <a:solidFill>
-                            <a:srgbClr val="333333"/>
+                            <a:srgbClr val="202020"/>
                           </a:solidFill>
                           <a:latin typeface="Calibri"/>
-                        </a:defRPr>
-                      </a:pPr>
-                      <a:r>
-                        <a:t>Gemini 2.5 Pro</a:t>
+                        </a:rPr>
+                        <a:t>AI Plus</a:t>
                       </a:r>
                     </a:p>
                   </a:txBody>
                   <a:tcPr>
                     <a:solidFill>
-                      <a:srgbClr val="F5F5F5"/>
+                      <a:srgbClr val="F5F7FA"/>
                     </a:solidFill>
                   </a:tcPr>
                 </a:tc>
               </a:tr>
-              <a:tr h="457200">
+              <a:tr h="502920">
                 <a:tc>
                   <a:txBody>
                     <a:bodyPr/>
                     <a:lstStyle/>
                     <a:p>
-                      <a:pPr>
-                        <a:defRPr sz="1600">
+                      <a:r>
+                        <a:rPr sz="1800" b="0">
                           <a:solidFill>
-                            <a:srgbClr val="333333"/>
+                            <a:srgbClr val="202020"/>
                           </a:solidFill>
                           <a:latin typeface="Calibri"/>
-                        </a:defRPr>
-                      </a:pPr>
-                      <a:r>
-                        <a:t>Maximum power</a:t>
+                        </a:rPr>
+                        <a:t>Standard ($20/mo)</a:t>
                       </a:r>
                     </a:p>
                   </a:txBody>
@@ -9583,16 +10382,14 @@
                     <a:bodyPr/>
                     <a:lstStyle/>
                     <a:p>
-                      <a:pPr>
-                        <a:defRPr sz="1600">
+                      <a:r>
+                        <a:rPr sz="1800" b="0">
                           <a:solidFill>
-                            <a:srgbClr val="333333"/>
+                            <a:srgbClr val="202020"/>
                           </a:solidFill>
                           <a:latin typeface="Calibri"/>
-                        </a:defRPr>
-                      </a:pPr>
-                      <a:r>
-                        <a:t>GPT-5.2-Codex</a:t>
+                        </a:rPr>
+                        <a:t>Plus</a:t>
                       </a:r>
                     </a:p>
                   </a:txBody>
@@ -9607,16 +10404,14 @@
                     <a:bodyPr/>
                     <a:lstStyle/>
                     <a:p>
-                      <a:pPr>
-                        <a:defRPr sz="1600">
+                      <a:r>
+                        <a:rPr sz="1800" b="0">
                           <a:solidFill>
-                            <a:srgbClr val="333333"/>
+                            <a:srgbClr val="202020"/>
                           </a:solidFill>
                           <a:latin typeface="Calibri"/>
-                        </a:defRPr>
-                      </a:pPr>
-                      <a:r>
-                        <a:t>Opus 4.6</a:t>
+                        </a:rPr>
+                        <a:t>Pro</a:t>
                       </a:r>
                     </a:p>
                   </a:txBody>
@@ -9631,22 +10426,110 @@
                     <a:bodyPr/>
                     <a:lstStyle/>
                     <a:p>
-                      <a:pPr>
-                        <a:defRPr sz="1600">
+                      <a:r>
+                        <a:rPr sz="1800" b="0">
                           <a:solidFill>
-                            <a:srgbClr val="333333"/>
+                            <a:srgbClr val="202020"/>
                           </a:solidFill>
                           <a:latin typeface="Calibri"/>
-                        </a:defRPr>
-                      </a:pPr>
-                      <a:r>
-                        <a:t>Gemini 2.5 Pro (Thinking)</a:t>
+                        </a:rPr>
+                        <a:t>AI Pro</a:t>
                       </a:r>
                     </a:p>
                   </a:txBody>
                   <a:tcPr>
                     <a:solidFill>
                       <a:srgbClr val="FFFFFF"/>
+                    </a:solidFill>
+                  </a:tcPr>
+                </a:tc>
+              </a:tr>
+              <a:tr h="502920">
+                <a:tc>
+                  <a:txBody>
+                    <a:bodyPr/>
+                    <a:lstStyle/>
+                    <a:p>
+                      <a:r>
+                        <a:rPr sz="1800" b="0">
+                          <a:solidFill>
+                            <a:srgbClr val="202020"/>
+                          </a:solidFill>
+                          <a:latin typeface="Calibri"/>
+                        </a:rPr>
+                        <a:t>Power ($100-250/mo)</a:t>
+                      </a:r>
+                    </a:p>
+                  </a:txBody>
+                  <a:tcPr>
+                    <a:solidFill>
+                      <a:srgbClr val="F5F7FA"/>
+                    </a:solidFill>
+                  </a:tcPr>
+                </a:tc>
+                <a:tc>
+                  <a:txBody>
+                    <a:bodyPr/>
+                    <a:lstStyle/>
+                    <a:p>
+                      <a:r>
+                        <a:rPr sz="1800" b="0">
+                          <a:solidFill>
+                            <a:srgbClr val="202020"/>
+                          </a:solidFill>
+                          <a:latin typeface="Calibri"/>
+                        </a:rPr>
+                        <a:t>Pro — $200</a:t>
+                      </a:r>
+                    </a:p>
+                  </a:txBody>
+                  <a:tcPr>
+                    <a:solidFill>
+                      <a:srgbClr val="F5F7FA"/>
+                    </a:solidFill>
+                  </a:tcPr>
+                </a:tc>
+                <a:tc>
+                  <a:txBody>
+                    <a:bodyPr/>
+                    <a:lstStyle/>
+                    <a:p>
+                      <a:r>
+                        <a:rPr sz="1800" b="0">
+                          <a:solidFill>
+                            <a:srgbClr val="202020"/>
+                          </a:solidFill>
+                          <a:latin typeface="Calibri"/>
+                        </a:rPr>
+                        <a:t>Max — $100-200</a:t>
+                      </a:r>
+                    </a:p>
+                  </a:txBody>
+                  <a:tcPr>
+                    <a:solidFill>
+                      <a:srgbClr val="F5F7FA"/>
+                    </a:solidFill>
+                  </a:tcPr>
+                </a:tc>
+                <a:tc>
+                  <a:txBody>
+                    <a:bodyPr/>
+                    <a:lstStyle/>
+                    <a:p>
+                      <a:r>
+                        <a:rPr sz="1800" b="0">
+                          <a:solidFill>
+                            <a:srgbClr val="202020"/>
+                          </a:solidFill>
+                          <a:latin typeface="Calibri"/>
+                        </a:rPr>
+                        <a:t>Ultra — $250</a:t>
+                      </a:r>
+                    </a:p>
+                  </a:txBody>
+                  <a:tcPr>
+                    <a:solidFill>
+                      <a:srgbClr val="F5F7FA"/>
                     </a:solidFill>
                   </a:tcPr>
                 </a:tc>
@@ -9682,13 +10565,13 @@
         <p:spPr>
           <a:xfrm>
             <a:off x="0" y="0"/>
-            <a:ext cx="12191695" cy="1097280"/>
+            <a:ext cx="12191695" cy="73152"/>
           </a:xfrm>
           <a:prstGeom prst="rect">
             <a:avLst/>
           </a:prstGeom>
           <a:solidFill>
-            <a:srgbClr val="1B2A4A"/>
+            <a:srgbClr val="0096D6"/>
           </a:solidFill>
           <a:ln>
             <a:noFill/>
@@ -9709,541 +10592,150 @@
           </a:fontRef>
         </p:style>
         <p:txBody>
-          <a:bodyPr rtlCol="0" anchor="ctr" tIns="203200" lIns="508000"/>
-          <a:lstStyle/>
-          <a:p>
-            <a:pPr algn="ctr">
-              <a:defRPr sz="3200" b="1">
-                <a:solidFill>
-                  <a:srgbClr val="FFFFFF"/>
+          <a:bodyPr rtlCol="0" anchor="ctr"/>
+          <a:lstStyle/>
+          <a:p>
+            <a:pPr algn="ctr"/>
+          </a:p>
+        </p:txBody>
+      </p:sp>
+      <p:sp>
+        <p:nvSpPr>
+          <p:cNvPr id="3" name="TextBox 2"/>
+          <p:cNvSpPr txBox="1"/>
+          <p:nvPr/>
+        </p:nvSpPr>
+        <p:spPr>
+          <a:xfrm>
+            <a:off x="548640" y="274320"/>
+            <a:ext cx="10972800" cy="731520"/>
+          </a:xfrm>
+          <a:prstGeom prst="rect">
+            <a:avLst/>
+          </a:prstGeom>
+          <a:noFill/>
+        </p:spPr>
+        <p:txBody>
+          <a:bodyPr wrap="none">
+            <a:spAutoFit/>
+          </a:bodyPr>
+          <a:lstStyle/>
+          <a:p>
+            <a:r>
+              <a:rPr sz="3200" b="1">
+                <a:solidFill>
+                  <a:srgbClr val="1B2A4A"/>
                 </a:solidFill>
                 <a:latin typeface="Calibri"/>
-              </a:defRPr>
+              </a:rPr>
+              <a:t>What's an API Key?</a:t>
+            </a:r>
+          </a:p>
+        </p:txBody>
+      </p:sp>
+      <p:sp>
+        <p:nvSpPr>
+          <p:cNvPr id="4" name="TextBox 3"/>
+          <p:cNvSpPr txBox="1"/>
+          <p:nvPr/>
+        </p:nvSpPr>
+        <p:spPr>
+          <a:xfrm>
+            <a:off x="731520" y="1280160"/>
+            <a:ext cx="10515600" cy="5029200"/>
+          </a:xfrm>
+          <a:prstGeom prst="rect">
+            <a:avLst/>
+          </a:prstGeom>
+          <a:noFill/>
+        </p:spPr>
+        <p:txBody>
+          <a:bodyPr wrap="square">
+            <a:spAutoFit/>
+          </a:bodyPr>
+          <a:lstStyle/>
+          <a:p>
+            <a:pPr>
+              <a:spcAft>
+                <a:spcPts val="1000"/>
+              </a:spcAft>
             </a:pPr>
             <a:r>
-              <a:t>What Things Actually Cost</a:t>
-            </a:r>
-          </a:p>
-        </p:txBody>
-      </p:sp>
-      <p:graphicFrame>
-        <p:nvGraphicFramePr>
-          <p:cNvPr id="3" name="Table 2"/>
-          <p:cNvGraphicFramePr>
-            <a:graphicFrameLocks noGrp="1"/>
-          </p:cNvGraphicFramePr>
-          <p:nvPr/>
-        </p:nvGraphicFramePr>
-        <p:xfrm>
-          <a:off x="548640" y="1463040"/>
-          <a:ext cx="11064240" cy="2286000"/>
-        </p:xfrm>
-        <a:graphic>
-          <a:graphicData uri="http://schemas.openxmlformats.org/drawingml/2006/table">
-            <a:tbl>
-              <a:tblPr firstRow="1" bandRow="1">
-                <a:tableStyleId>{5C22544A-7EE6-4342-B048-85BDC9FD1C3A}</a:tableStyleId>
-              </a:tblPr>
-              <a:tblGrid>
-                <a:gridCol w="2011680"/>
-                <a:gridCol w="2926080"/>
-                <a:gridCol w="2926080"/>
-                <a:gridCol w="3200400"/>
-              </a:tblGrid>
-              <a:tr h="457200">
-                <a:tc>
-                  <a:txBody>
-                    <a:bodyPr/>
-                    <a:lstStyle/>
-                    <a:p>
-                      <a:pPr>
-                        <a:defRPr sz="1800" b="1">
-                          <a:solidFill>
-                            <a:srgbClr val="FFFFFF"/>
-                          </a:solidFill>
-                          <a:latin typeface="Calibri"/>
-                        </a:defRPr>
-                      </a:pPr>
-                      <a:r>
-                        <a:t>Tier</a:t>
-                      </a:r>
-                    </a:p>
-                  </a:txBody>
-                  <a:tcPr>
-                    <a:solidFill>
-                      <a:srgbClr val="0096D6"/>
-                    </a:solidFill>
-                  </a:tcPr>
-                </a:tc>
-                <a:tc>
-                  <a:txBody>
-                    <a:bodyPr/>
-                    <a:lstStyle/>
-                    <a:p>
-                      <a:pPr>
-                        <a:defRPr sz="1800" b="1">
-                          <a:solidFill>
-                            <a:srgbClr val="FFFFFF"/>
-                          </a:solidFill>
-                          <a:latin typeface="Calibri"/>
-                        </a:defRPr>
-                      </a:pPr>
-                      <a:r>
-                        <a:t>ChatGPT</a:t>
-                      </a:r>
-                    </a:p>
-                  </a:txBody>
-                  <a:tcPr>
-                    <a:solidFill>
-                      <a:srgbClr val="0096D6"/>
-                    </a:solidFill>
-                  </a:tcPr>
-                </a:tc>
-                <a:tc>
-                  <a:txBody>
-                    <a:bodyPr/>
-                    <a:lstStyle/>
-                    <a:p>
-                      <a:pPr>
-                        <a:defRPr sz="1800" b="1">
-                          <a:solidFill>
-                            <a:srgbClr val="FFFFFF"/>
-                          </a:solidFill>
-                          <a:latin typeface="Calibri"/>
-                        </a:defRPr>
-                      </a:pPr>
-                      <a:r>
-                        <a:t>Claude</a:t>
-                      </a:r>
-                    </a:p>
-                  </a:txBody>
-                  <a:tcPr>
-                    <a:solidFill>
-                      <a:srgbClr val="0096D6"/>
-                    </a:solidFill>
-                  </a:tcPr>
-                </a:tc>
-                <a:tc>
-                  <a:txBody>
-                    <a:bodyPr/>
-                    <a:lstStyle/>
-                    <a:p>
-                      <a:pPr>
-                        <a:defRPr sz="1800" b="1">
-                          <a:solidFill>
-                            <a:srgbClr val="FFFFFF"/>
-                          </a:solidFill>
-                          <a:latin typeface="Calibri"/>
-                        </a:defRPr>
-                      </a:pPr>
-                      <a:r>
-                        <a:t>Google</a:t>
-                      </a:r>
-                    </a:p>
-                  </a:txBody>
-                  <a:tcPr>
-                    <a:solidFill>
-                      <a:srgbClr val="0096D6"/>
-                    </a:solidFill>
-                  </a:tcPr>
-                </a:tc>
-              </a:tr>
-              <a:tr h="457200">
-                <a:tc>
-                  <a:txBody>
-                    <a:bodyPr/>
-                    <a:lstStyle/>
-                    <a:p>
-                      <a:pPr>
-                        <a:defRPr sz="1600">
-                          <a:solidFill>
-                            <a:srgbClr val="333333"/>
-                          </a:solidFill>
-                          <a:latin typeface="Calibri"/>
-                        </a:defRPr>
-                      </a:pPr>
-                      <a:r>
-                        <a:t>Free</a:t>
-                      </a:r>
-                    </a:p>
-                  </a:txBody>
-                  <a:tcPr>
-                    <a:solidFill>
-                      <a:srgbClr val="FFFFFF"/>
-                    </a:solidFill>
-                  </a:tcPr>
-                </a:tc>
-                <a:tc>
-                  <a:txBody>
-                    <a:bodyPr/>
-                    <a:lstStyle/>
-                    <a:p>
-                      <a:pPr>
-                        <a:defRPr sz="1600">
-                          <a:solidFill>
-                            <a:srgbClr val="333333"/>
-                          </a:solidFill>
-                          <a:latin typeface="Calibri"/>
-                        </a:defRPr>
-                      </a:pPr>
-                      <a:r>
-                        <a:t>GPT-5.2 (limited, ads)</a:t>
-                      </a:r>
-                    </a:p>
-                  </a:txBody>
-                  <a:tcPr>
-                    <a:solidFill>
-                      <a:srgbClr val="FFFFFF"/>
-                    </a:solidFill>
-                  </a:tcPr>
-                </a:tc>
-                <a:tc>
-                  <a:txBody>
-                    <a:bodyPr/>
-                    <a:lstStyle/>
-                    <a:p>
-                      <a:pPr>
-                        <a:defRPr sz="1600">
-                          <a:solidFill>
-                            <a:srgbClr val="333333"/>
-                          </a:solidFill>
-                          <a:latin typeface="Calibri"/>
-                        </a:defRPr>
-                      </a:pPr>
-                      <a:r>
-                        <a:t>Sonnet 4.6 (limited)</a:t>
-                      </a:r>
-                    </a:p>
-                  </a:txBody>
-                  <a:tcPr>
-                    <a:solidFill>
-                      <a:srgbClr val="FFFFFF"/>
-                    </a:solidFill>
-                  </a:tcPr>
-                </a:tc>
-                <a:tc>
-                  <a:txBody>
-                    <a:bodyPr/>
-                    <a:lstStyle/>
-                    <a:p>
-                      <a:pPr>
-                        <a:defRPr sz="1600">
-                          <a:solidFill>
-                            <a:srgbClr val="333333"/>
-                          </a:solidFill>
-                          <a:latin typeface="Calibri"/>
-                        </a:defRPr>
-                      </a:pPr>
-                      <a:r>
-                        <a:t>Flash + limited Pro</a:t>
-                      </a:r>
-                    </a:p>
-                  </a:txBody>
-                  <a:tcPr>
-                    <a:solidFill>
-                      <a:srgbClr val="FFFFFF"/>
-                    </a:solidFill>
-                  </a:tcPr>
-                </a:tc>
-              </a:tr>
-              <a:tr h="457200">
-                <a:tc>
-                  <a:txBody>
-                    <a:bodyPr/>
-                    <a:lstStyle/>
-                    <a:p>
-                      <a:pPr>
-                        <a:defRPr sz="1600">
-                          <a:solidFill>
-                            <a:srgbClr val="333333"/>
-                          </a:solidFill>
-                          <a:latin typeface="Calibri"/>
-                        </a:defRPr>
-                      </a:pPr>
-                      <a:r>
-                        <a:t>Budget ($8)</a:t>
-                      </a:r>
-                    </a:p>
-                  </a:txBody>
-                  <a:tcPr>
-                    <a:solidFill>
-                      <a:srgbClr val="F5F5F5"/>
-                    </a:solidFill>
-                  </a:tcPr>
-                </a:tc>
-                <a:tc>
-                  <a:txBody>
-                    <a:bodyPr/>
-                    <a:lstStyle/>
-                    <a:p>
-                      <a:pPr>
-                        <a:defRPr sz="1600">
-                          <a:solidFill>
-                            <a:srgbClr val="333333"/>
-                          </a:solidFill>
-                          <a:latin typeface="Calibri"/>
-                        </a:defRPr>
-                      </a:pPr>
-                      <a:r>
-                        <a:t>Go</a:t>
-                      </a:r>
-                    </a:p>
-                  </a:txBody>
-                  <a:tcPr>
-                    <a:solidFill>
-                      <a:srgbClr val="F5F5F5"/>
-                    </a:solidFill>
-                  </a:tcPr>
-                </a:tc>
-                <a:tc>
-                  <a:txBody>
-                    <a:bodyPr/>
-                    <a:lstStyle/>
-                    <a:p>
-                      <a:pPr>
-                        <a:defRPr sz="1600">
-                          <a:solidFill>
-                            <a:srgbClr val="333333"/>
-                          </a:solidFill>
-                          <a:latin typeface="Calibri"/>
-                        </a:defRPr>
-                      </a:pPr>
-                      <a:r>
-                        <a:t>—</a:t>
-                      </a:r>
-                    </a:p>
-                  </a:txBody>
-                  <a:tcPr>
-                    <a:solidFill>
-                      <a:srgbClr val="F5F5F5"/>
-                    </a:solidFill>
-                  </a:tcPr>
-                </a:tc>
-                <a:tc>
-                  <a:txBody>
-                    <a:bodyPr/>
-                    <a:lstStyle/>
-                    <a:p>
-                      <a:pPr>
-                        <a:defRPr sz="1600">
-                          <a:solidFill>
-                            <a:srgbClr val="333333"/>
-                          </a:solidFill>
-                          <a:latin typeface="Calibri"/>
-                        </a:defRPr>
-                      </a:pPr>
-                      <a:r>
-                        <a:t>AI Plus</a:t>
-                      </a:r>
-                    </a:p>
-                  </a:txBody>
-                  <a:tcPr>
-                    <a:solidFill>
-                      <a:srgbClr val="F5F5F5"/>
-                    </a:solidFill>
-                  </a:tcPr>
-                </a:tc>
-              </a:tr>
-              <a:tr h="457200">
-                <a:tc>
-                  <a:txBody>
-                    <a:bodyPr/>
-                    <a:lstStyle/>
-                    <a:p>
-                      <a:pPr>
-                        <a:defRPr sz="1600">
-                          <a:solidFill>
-                            <a:srgbClr val="333333"/>
-                          </a:solidFill>
-                          <a:latin typeface="Calibri"/>
-                        </a:defRPr>
-                      </a:pPr>
-                      <a:r>
-                        <a:t>Standard ($20)</a:t>
-                      </a:r>
-                    </a:p>
-                  </a:txBody>
-                  <a:tcPr>
-                    <a:solidFill>
-                      <a:srgbClr val="FFFFFF"/>
-                    </a:solidFill>
-                  </a:tcPr>
-                </a:tc>
-                <a:tc>
-                  <a:txBody>
-                    <a:bodyPr/>
-                    <a:lstStyle/>
-                    <a:p>
-                      <a:pPr>
-                        <a:defRPr sz="1600">
-                          <a:solidFill>
-                            <a:srgbClr val="333333"/>
-                          </a:solidFill>
-                          <a:latin typeface="Calibri"/>
-                        </a:defRPr>
-                      </a:pPr>
-                      <a:r>
-                        <a:t>Plus</a:t>
-                      </a:r>
-                    </a:p>
-                  </a:txBody>
-                  <a:tcPr>
-                    <a:solidFill>
-                      <a:srgbClr val="FFFFFF"/>
-                    </a:solidFill>
-                  </a:tcPr>
-                </a:tc>
-                <a:tc>
-                  <a:txBody>
-                    <a:bodyPr/>
-                    <a:lstStyle/>
-                    <a:p>
-                      <a:pPr>
-                        <a:defRPr sz="1600">
-                          <a:solidFill>
-                            <a:srgbClr val="333333"/>
-                          </a:solidFill>
-                          <a:latin typeface="Calibri"/>
-                        </a:defRPr>
-                      </a:pPr>
-                      <a:r>
-                        <a:t>Pro</a:t>
-                      </a:r>
-                    </a:p>
-                  </a:txBody>
-                  <a:tcPr>
-                    <a:solidFill>
-                      <a:srgbClr val="FFFFFF"/>
-                    </a:solidFill>
-                  </a:tcPr>
-                </a:tc>
-                <a:tc>
-                  <a:txBody>
-                    <a:bodyPr/>
-                    <a:lstStyle/>
-                    <a:p>
-                      <a:pPr>
-                        <a:defRPr sz="1600">
-                          <a:solidFill>
-                            <a:srgbClr val="333333"/>
-                          </a:solidFill>
-                          <a:latin typeface="Calibri"/>
-                        </a:defRPr>
-                      </a:pPr>
-                      <a:r>
-                        <a:t>AI Pro</a:t>
-                      </a:r>
-                    </a:p>
-                  </a:txBody>
-                  <a:tcPr>
-                    <a:solidFill>
-                      <a:srgbClr val="FFFFFF"/>
-                    </a:solidFill>
-                  </a:tcPr>
-                </a:tc>
-              </a:tr>
-              <a:tr h="457200">
-                <a:tc>
-                  <a:txBody>
-                    <a:bodyPr/>
-                    <a:lstStyle/>
-                    <a:p>
-                      <a:pPr>
-                        <a:defRPr sz="1600">
-                          <a:solidFill>
-                            <a:srgbClr val="333333"/>
-                          </a:solidFill>
-                          <a:latin typeface="Calibri"/>
-                        </a:defRPr>
-                      </a:pPr>
-                      <a:r>
-                        <a:t>Power</a:t>
-                      </a:r>
-                    </a:p>
-                  </a:txBody>
-                  <a:tcPr>
-                    <a:solidFill>
-                      <a:srgbClr val="F5F5F5"/>
-                    </a:solidFill>
-                  </a:tcPr>
-                </a:tc>
-                <a:tc>
-                  <a:txBody>
-                    <a:bodyPr/>
-                    <a:lstStyle/>
-                    <a:p>
-                      <a:pPr>
-                        <a:defRPr sz="1600">
-                          <a:solidFill>
-                            <a:srgbClr val="333333"/>
-                          </a:solidFill>
-                          <a:latin typeface="Calibri"/>
-                        </a:defRPr>
-                      </a:pPr>
-                      <a:r>
-                        <a:t>Pro — $200/mo</a:t>
-                      </a:r>
-                    </a:p>
-                  </a:txBody>
-                  <a:tcPr>
-                    <a:solidFill>
-                      <a:srgbClr val="F5F5F5"/>
-                    </a:solidFill>
-                  </a:tcPr>
-                </a:tc>
-                <a:tc>
-                  <a:txBody>
-                    <a:bodyPr/>
-                    <a:lstStyle/>
-                    <a:p>
-                      <a:pPr>
-                        <a:defRPr sz="1600">
-                          <a:solidFill>
-                            <a:srgbClr val="333333"/>
-                          </a:solidFill>
-                          <a:latin typeface="Calibri"/>
-                        </a:defRPr>
-                      </a:pPr>
-                      <a:r>
-                        <a:t>Max 5x — $100/mo</a:t>
-                      </a:r>
-                    </a:p>
-                  </a:txBody>
-                  <a:tcPr>
-                    <a:solidFill>
-                      <a:srgbClr val="F5F5F5"/>
-                    </a:solidFill>
-                  </a:tcPr>
-                </a:tc>
-                <a:tc>
-                  <a:txBody>
-                    <a:bodyPr/>
-                    <a:lstStyle/>
-                    <a:p>
-                      <a:pPr>
-                        <a:defRPr sz="1600">
-                          <a:solidFill>
-                            <a:srgbClr val="333333"/>
-                          </a:solidFill>
-                          <a:latin typeface="Calibri"/>
-                        </a:defRPr>
-                      </a:pPr>
-                      <a:r>
-                        <a:t>AI Ultra — $250/mo</a:t>
-                      </a:r>
-                    </a:p>
-                  </a:txBody>
-                  <a:tcPr>
-                    <a:solidFill>
-                      <a:srgbClr val="F5F5F5"/>
-                    </a:solidFill>
-                  </a:tcPr>
-                </a:tc>
-              </a:tr>
-            </a:tbl>
-          </a:graphicData>
-        </a:graphic>
-      </p:graphicFrame>
+              <a:rPr sz="2200">
+                <a:solidFill>
+                  <a:srgbClr val="202020"/>
+                </a:solidFill>
+                <a:latin typeface="Calibri"/>
+              </a:rPr>
+              <a:t>🔑 A password that lets programs talk to AI</a:t>
+            </a:r>
+          </a:p>
+          <a:p>
+            <a:pPr>
+              <a:spcAft>
+                <a:spcPts val="1000"/>
+              </a:spcAft>
+            </a:pPr>
+            <a:r>
+              <a:rPr sz="2200">
+                <a:solidFill>
+                  <a:srgbClr val="202020"/>
+                </a:solidFill>
+                <a:latin typeface="Calibri"/>
+              </a:rPr>
+              <a:t>💰 Pay-as-you-go: pennies per conversation ($5-15/mo typical)</a:t>
+            </a:r>
+          </a:p>
+          <a:p>
+            <a:pPr>
+              <a:spcAft>
+                <a:spcPts val="1000"/>
+              </a:spcAft>
+            </a:pPr>
+            <a:r>
+              <a:rPr sz="2200">
+                <a:solidFill>
+                  <a:srgbClr val="202020"/>
+                </a:solidFill>
+                <a:latin typeface="Calibri"/>
+              </a:rPr>
+              <a:t>📊 You see exact dollar cost for every request</a:t>
+            </a:r>
+          </a:p>
+          <a:p>
+            <a:pPr>
+              <a:spcAft>
+                <a:spcPts val="1000"/>
+              </a:spcAft>
+            </a:pPr>
+            <a:r>
+              <a:rPr sz="2200">
+                <a:solidFill>
+                  <a:srgbClr val="202020"/>
+                </a:solidFill>
+                <a:latin typeface="Calibri"/>
+              </a:rPr>
+              <a:t>🛠️ Required for custom programs — OAuth is NOT available for your own code</a:t>
+            </a:r>
+          </a:p>
+          <a:p>
+            <a:pPr>
+              <a:spcAft>
+                <a:spcPts val="1000"/>
+              </a:spcAft>
+            </a:pPr>
+            <a:r>
+              <a:rPr sz="2200">
+                <a:solidFill>
+                  <a:srgbClr val="202020"/>
+                </a:solidFill>
+                <a:latin typeface="Calibri"/>
+              </a:rPr>
+              <a:t>⚠️ Treat API keys like credit card numbers — never share them</a:t>
+            </a:r>
+          </a:p>
+        </p:txBody>
+      </p:sp>
     </p:spTree>
   </p:cSld>
   <p:clrMapOvr>
@@ -10271,13 +10763,13 @@
         <p:spPr>
           <a:xfrm>
             <a:off x="0" y="0"/>
-            <a:ext cx="12191695" cy="1097280"/>
+            <a:ext cx="12191695" cy="73152"/>
           </a:xfrm>
           <a:prstGeom prst="rect">
             <a:avLst/>
           </a:prstGeom>
           <a:solidFill>
-            <a:srgbClr val="1B2A4A"/>
+            <a:srgbClr val="0096D6"/>
           </a:solidFill>
           <a:ln>
             <a:noFill/>
@@ -10298,20 +10790,10 @@
           </a:fontRef>
         </p:style>
         <p:txBody>
-          <a:bodyPr rtlCol="0" anchor="ctr" tIns="203200" lIns="508000"/>
-          <a:lstStyle/>
-          <a:p>
-            <a:pPr algn="ctr">
-              <a:defRPr sz="3200" b="1">
-                <a:solidFill>
-                  <a:srgbClr val="FFFFFF"/>
-                </a:solidFill>
-                <a:latin typeface="Calibri"/>
-              </a:defRPr>
-            </a:pPr>
-            <a:r>
-              <a:t>What's an API Key?</a:t>
-            </a:r>
+          <a:bodyPr rtlCol="0" anchor="ctr"/>
+          <a:lstStyle/>
+          <a:p>
+            <a:pPr algn="ctr"/>
           </a:p>
         </p:txBody>
       </p:sp>
@@ -10323,8 +10805,8 @@
         </p:nvSpPr>
         <p:spPr>
           <a:xfrm>
-            <a:off x="731520" y="1463040"/>
-            <a:ext cx="10515600" cy="4937760"/>
+            <a:off x="548640" y="274320"/>
+            <a:ext cx="10972800" cy="731520"/>
           </a:xfrm>
           <a:prstGeom prst="rect">
             <a:avLst/>
@@ -10332,6 +10814,40 @@
           <a:noFill/>
         </p:spPr>
         <p:txBody>
+          <a:bodyPr wrap="none">
+            <a:spAutoFit/>
+          </a:bodyPr>
+          <a:lstStyle/>
+          <a:p>
+            <a:r>
+              <a:rPr sz="3200" b="1">
+                <a:solidFill>
+                  <a:srgbClr val="1B2A4A"/>
+                </a:solidFill>
+                <a:latin typeface="Calibri"/>
+              </a:rPr>
+              <a:t>Two Ways to Authenticate</a:t>
+            </a:r>
+          </a:p>
+        </p:txBody>
+      </p:sp>
+      <p:sp>
+        <p:nvSpPr>
+          <p:cNvPr id="4" name="TextBox 3"/>
+          <p:cNvSpPr txBox="1"/>
+          <p:nvPr/>
+        </p:nvSpPr>
+        <p:spPr>
+          <a:xfrm>
+            <a:off x="548640" y="1280160"/>
+            <a:ext cx="5303520" cy="5029200"/>
+          </a:xfrm>
+          <a:prstGeom prst="rect">
+            <a:avLst/>
+          </a:prstGeom>
+          <a:noFill/>
+        </p:spPr>
+        <p:txBody>
           <a:bodyPr wrap="square">
             <a:spAutoFit/>
           </a:bodyPr>
@@ -10339,97 +10855,216 @@
           <a:p>
             <a:pPr>
               <a:spcAft>
-                <a:spcPts val="1000"/>
+                <a:spcPts val="800"/>
               </a:spcAft>
-              <a:defRPr sz="2200">
-                <a:solidFill>
-                  <a:srgbClr val="333333"/>
+            </a:pPr>
+            <a:r>
+              <a:rPr sz="2000">
+                <a:solidFill>
+                  <a:srgbClr val="202020"/>
                 </a:solidFill>
                 <a:latin typeface="Calibri"/>
-              </a:defRPr>
-            </a:pPr>
-            <a:r>
-              <a:t>A secret password that lets programs talk to AI on your behalf</a:t>
+              </a:rPr>
+              <a:t>🔐 OAuth (Use Your Subscription)</a:t>
             </a:r>
           </a:p>
           <a:p>
             <a:pPr>
               <a:spcAft>
-                <a:spcPts val="1000"/>
+                <a:spcPts val="800"/>
               </a:spcAft>
-              <a:defRPr sz="2200">
-                <a:solidFill>
-                  <a:srgbClr val="333333"/>
+            </a:pPr>
+            <a:r>
+              <a:rPr sz="2000">
+                <a:solidFill>
+                  <a:srgbClr val="202020"/>
                 </a:solidFill>
                 <a:latin typeface="Calibri"/>
-              </a:defRPr>
-            </a:pPr>
-            <a:r>
-              <a:t>Go to provider console → create key → add credits ($10 is fine)</a:t>
+              </a:rPr>
+              <a:t>• For official apps: OpenClaw, Claude Code</a:t>
             </a:r>
           </a:p>
           <a:p>
             <a:pPr>
               <a:spcAft>
-                <a:spcPts val="1000"/>
+                <a:spcPts val="800"/>
               </a:spcAft>
-              <a:defRPr sz="2200">
-                <a:solidFill>
-                  <a:srgbClr val="333333"/>
+            </a:pPr>
+            <a:r>
+              <a:rPr sz="2000">
+                <a:solidFill>
+                  <a:srgbClr val="202020"/>
                 </a:solidFill>
                 <a:latin typeface="Calibri"/>
-              </a:defRPr>
-            </a:pPr>
-            <a:r>
-              <a:t>You pay per token — typically pennies per conversation</a:t>
+              </a:rPr>
+              <a:t>• App gives link → authorize in browser → paste code back</a:t>
             </a:r>
           </a:p>
           <a:p>
             <a:pPr>
               <a:spcAft>
-                <a:spcPts val="1000"/>
+                <a:spcPts val="800"/>
               </a:spcAft>
-              <a:defRPr sz="2200">
-                <a:solidFill>
-                  <a:srgbClr val="333333"/>
+            </a:pPr>
+            <a:r>
+              <a:rPr sz="2000">
+                <a:solidFill>
+                  <a:srgbClr val="202020"/>
                 </a:solidFill>
                 <a:latin typeface="Calibri"/>
-              </a:defRPr>
-            </a:pPr>
-            <a:r>
-              <a:t>You see exact dollar cost for every request</a:t>
+              </a:rPr>
+              <a:t>• Uses your Pro/Max plan — no extra cost</a:t>
             </a:r>
           </a:p>
           <a:p>
             <a:pPr>
               <a:spcAft>
-                <a:spcPts val="1000"/>
+                <a:spcPts val="800"/>
               </a:spcAft>
-              <a:defRPr sz="2200">
-                <a:solidFill>
-                  <a:srgbClr val="333333"/>
+            </a:pPr>
+            <a:r>
+              <a:rPr sz="2000">
+                <a:solidFill>
+                  <a:srgbClr val="202020"/>
                 </a:solidFill>
                 <a:latin typeface="Calibri"/>
-              </a:defRPr>
-            </a:pPr>
-            <a:r>
-              <a:t>⚠️ Custom programs can ONLY use API keys</a:t>
+              </a:rPr>
+              <a:t>• Tokens count against subscription limits</a:t>
             </a:r>
           </a:p>
           <a:p>
             <a:pPr>
               <a:spcAft>
-                <a:spcPts val="1000"/>
+                <a:spcPts val="800"/>
               </a:spcAft>
-              <a:defRPr sz="2200">
-                <a:solidFill>
-                  <a:srgbClr val="333333"/>
+            </a:pPr>
+            <a:r>
+              <a:rPr sz="2000">
+                <a:solidFill>
+                  <a:srgbClr val="202020"/>
                 </a:solidFill>
                 <a:latin typeface="Calibri"/>
-              </a:defRPr>
+              </a:rPr>
+              <a:t>• You see token usage (no dollar cost)</a:t>
+            </a:r>
+          </a:p>
+        </p:txBody>
+      </p:sp>
+      <p:sp>
+        <p:nvSpPr>
+          <p:cNvPr id="5" name="TextBox 4"/>
+          <p:cNvSpPr txBox="1"/>
+          <p:nvPr/>
+        </p:nvSpPr>
+        <p:spPr>
+          <a:xfrm>
+            <a:off x="6217920" y="1280160"/>
+            <a:ext cx="5303520" cy="5029200"/>
+          </a:xfrm>
+          <a:prstGeom prst="rect">
+            <a:avLst/>
+          </a:prstGeom>
+          <a:noFill/>
+        </p:spPr>
+        <p:txBody>
+          <a:bodyPr wrap="square">
+            <a:spAutoFit/>
+          </a:bodyPr>
+          <a:lstStyle/>
+          <a:p>
+            <a:pPr>
+              <a:spcAft>
+                <a:spcPts val="800"/>
+              </a:spcAft>
             </a:pPr>
             <a:r>
-              <a:t>Treat API keys like credit card numbers — never share them</a:t>
+              <a:rPr sz="2000">
+                <a:solidFill>
+                  <a:srgbClr val="202020"/>
+                </a:solidFill>
+                <a:latin typeface="Calibri"/>
+              </a:rPr>
+              <a:t>🔑 API Key (Pay-as-You-Go)</a:t>
+            </a:r>
+          </a:p>
+          <a:p>
+            <a:pPr>
+              <a:spcAft>
+                <a:spcPts val="800"/>
+              </a:spcAft>
+            </a:pPr>
+            <a:r>
+              <a:rPr sz="2000">
+                <a:solidFill>
+                  <a:srgbClr val="202020"/>
+                </a:solidFill>
+                <a:latin typeface="Calibri"/>
+              </a:rPr>
+              <a:t>• Works with ANY app, including your own</a:t>
+            </a:r>
+          </a:p>
+          <a:p>
+            <a:pPr>
+              <a:spcAft>
+                <a:spcPts val="800"/>
+              </a:spcAft>
+            </a:pPr>
+            <a:r>
+              <a:rPr sz="2000">
+                <a:solidFill>
+                  <a:srgbClr val="202020"/>
+                </a:solidFill>
+                <a:latin typeface="Calibri"/>
+              </a:rPr>
+              <a:t>• Go to provider console → create key → add credits</a:t>
+            </a:r>
+          </a:p>
+          <a:p>
+            <a:pPr>
+              <a:spcAft>
+                <a:spcPts val="800"/>
+              </a:spcAft>
+            </a:pPr>
+            <a:r>
+              <a:rPr sz="2000">
+                <a:solidFill>
+                  <a:srgbClr val="202020"/>
+                </a:solidFill>
+                <a:latin typeface="Calibri"/>
+              </a:rPr>
+              <a:t>• Pay per token — pennies per conversation</a:t>
+            </a:r>
+          </a:p>
+          <a:p>
+            <a:pPr>
+              <a:spcAft>
+                <a:spcPts val="800"/>
+              </a:spcAft>
+            </a:pPr>
+            <a:r>
+              <a:rPr sz="2000">
+                <a:solidFill>
+                  <a:srgbClr val="202020"/>
+                </a:solidFill>
+                <a:latin typeface="Calibri"/>
+              </a:rPr>
+              <a:t>• You see exact dollar cost</a:t>
+            </a:r>
+          </a:p>
+          <a:p>
+            <a:pPr>
+              <a:spcAft>
+                <a:spcPts val="800"/>
+              </a:spcAft>
+            </a:pPr>
+            <a:r>
+              <a:rPr sz="2000">
+                <a:solidFill>
+                  <a:srgbClr val="202020"/>
+                </a:solidFill>
+                <a:latin typeface="Calibri"/>
+              </a:rPr>
+              <a:t>• Custom programs can ONLY use API keys</a:t>
             </a:r>
           </a:p>
         </p:txBody>
